--- a/presentation/CSUN_2025_Babel.pptx
+++ b/presentation/CSUN_2025_Babel.pptx
@@ -5,7 +5,7 @@
     <p:sldMasterId id="2147483648" r:id="rId5"/>
   </p:sldMasterIdLst>
   <p:notesMasterIdLst>
-    <p:notesMasterId r:id="rId37"/>
+    <p:notesMasterId r:id="rId38"/>
   </p:notesMasterIdLst>
   <p:sldIdLst>
     <p:sldId id="1718" r:id="rId6"/>
@@ -21,24 +21,25 @@
     <p:sldId id="4286" r:id="rId16"/>
     <p:sldId id="4287" r:id="rId17"/>
     <p:sldId id="4268" r:id="rId18"/>
-    <p:sldId id="4278" r:id="rId19"/>
-    <p:sldId id="4280" r:id="rId20"/>
-    <p:sldId id="4281" r:id="rId21"/>
-    <p:sldId id="4282" r:id="rId22"/>
-    <p:sldId id="4271" r:id="rId23"/>
-    <p:sldId id="4277" r:id="rId24"/>
-    <p:sldId id="4264" r:id="rId25"/>
-    <p:sldId id="4261" r:id="rId26"/>
-    <p:sldId id="4285" r:id="rId27"/>
-    <p:sldId id="4255" r:id="rId28"/>
-    <p:sldId id="4253" r:id="rId29"/>
-    <p:sldId id="4251" r:id="rId30"/>
-    <p:sldId id="4224" r:id="rId31"/>
-    <p:sldId id="4252" r:id="rId32"/>
-    <p:sldId id="4262" r:id="rId33"/>
+    <p:sldId id="4290" r:id="rId19"/>
+    <p:sldId id="4278" r:id="rId20"/>
+    <p:sldId id="4280" r:id="rId21"/>
+    <p:sldId id="4281" r:id="rId22"/>
+    <p:sldId id="4282" r:id="rId23"/>
+    <p:sldId id="4271" r:id="rId24"/>
+    <p:sldId id="4277" r:id="rId25"/>
+    <p:sldId id="4264" r:id="rId26"/>
+    <p:sldId id="4261" r:id="rId27"/>
+    <p:sldId id="4285" r:id="rId28"/>
+    <p:sldId id="4255" r:id="rId29"/>
+    <p:sldId id="4253" r:id="rId30"/>
+    <p:sldId id="4251" r:id="rId31"/>
+    <p:sldId id="4224" r:id="rId32"/>
+    <p:sldId id="4252" r:id="rId33"/>
     <p:sldId id="4284" r:id="rId34"/>
-    <p:sldId id="4288" r:id="rId35"/>
-    <p:sldId id="4289" r:id="rId36"/>
+    <p:sldId id="4262" r:id="rId35"/>
+    <p:sldId id="4288" r:id="rId36"/>
+    <p:sldId id="4289" r:id="rId37"/>
   </p:sldIdLst>
   <p:sldSz cx="12192000" cy="6858000"/>
   <p:notesSz cx="6858000" cy="9144000"/>
@@ -221,6 +222,588 @@
     </p:extLst>
   </p:cmAuthor>
 </p:cmAuthorLst>
+</file>
+
+<file path=ppt/revisionInfo.xml><?xml version="1.0" encoding="utf-8"?>
+<p1510:revInfo xmlns:a="http://schemas.openxmlformats.org/drawingml/2006/main" xmlns:r="http://schemas.openxmlformats.org/officeDocument/2006/relationships" xmlns:p1510="http://schemas.microsoft.com/office/powerpoint/2015/10/main">
+  <p1510:revLst>
+    <p1510:client id="{A85149C9-6F49-497D-A6B1-0C4DE5902A0A}" v="551" dt="2025-03-12T18:37:37.709"/>
+  </p1510:revLst>
+</p1510:revInfo>
+</file>
+
+<file path=ppt/changesInfos/changesInfo1.xml><?xml version="1.0" encoding="utf-8"?>
+<pc:chgInfo xmlns:a="http://schemas.openxmlformats.org/drawingml/2006/main" xmlns:r="http://schemas.openxmlformats.org/officeDocument/2006/relationships" xmlns:ac="http://schemas.microsoft.com/office/drawing/2013/main/command" xmlns:pc="http://schemas.microsoft.com/office/powerpoint/2013/main/command">
+  <pc:docChgLst>
+    <pc:chgData name="Mitchell Evan" userId="ff278e32-69be-434a-aa10-d0846bac5285" providerId="ADAL" clId="{A85149C9-6F49-497D-A6B1-0C4DE5902A0A}"/>
+    <pc:docChg chg="undo redo custSel addSld modSld sldOrd">
+      <pc:chgData name="Mitchell Evan" userId="ff278e32-69be-434a-aa10-d0846bac5285" providerId="ADAL" clId="{A85149C9-6F49-497D-A6B1-0C4DE5902A0A}" dt="2025-03-12T18:46:19.501" v="1993"/>
+      <pc:docMkLst>
+        <pc:docMk/>
+      </pc:docMkLst>
+      <pc:sldChg chg="delSp modSp mod">
+        <pc:chgData name="Mitchell Evan" userId="ff278e32-69be-434a-aa10-d0846bac5285" providerId="ADAL" clId="{A85149C9-6F49-497D-A6B1-0C4DE5902A0A}" dt="2025-03-12T17:44:20.880" v="419" actId="13244"/>
+        <pc:sldMkLst>
+          <pc:docMk/>
+          <pc:sldMk cId="761050201" sldId="4224"/>
+        </pc:sldMkLst>
+        <pc:spChg chg="mod ord topLvl">
+          <ac:chgData name="Mitchell Evan" userId="ff278e32-69be-434a-aa10-d0846bac5285" providerId="ADAL" clId="{A85149C9-6F49-497D-A6B1-0C4DE5902A0A}" dt="2025-03-12T17:44:20.880" v="419" actId="13244"/>
+          <ac:spMkLst>
+            <pc:docMk/>
+            <pc:sldMk cId="761050201" sldId="4224"/>
+            <ac:spMk id="13" creationId="{BEAB21C7-7C02-D669-9118-67A34A47453F}"/>
+          </ac:spMkLst>
+        </pc:spChg>
+        <pc:spChg chg="mod">
+          <ac:chgData name="Mitchell Evan" userId="ff278e32-69be-434a-aa10-d0846bac5285" providerId="ADAL" clId="{A85149C9-6F49-497D-A6B1-0C4DE5902A0A}" dt="2025-03-12T17:43:56.798" v="404" actId="165"/>
+          <ac:spMkLst>
+            <pc:docMk/>
+            <pc:sldMk cId="761050201" sldId="4224"/>
+            <ac:spMk id="14" creationId="{A764100E-2356-D6B1-293F-92AAB530BACC}"/>
+          </ac:spMkLst>
+        </pc:spChg>
+        <pc:grpChg chg="del">
+          <ac:chgData name="Mitchell Evan" userId="ff278e32-69be-434a-aa10-d0846bac5285" providerId="ADAL" clId="{A85149C9-6F49-497D-A6B1-0C4DE5902A0A}" dt="2025-03-12T17:43:56.798" v="404" actId="165"/>
+          <ac:grpSpMkLst>
+            <pc:docMk/>
+            <pc:sldMk cId="761050201" sldId="4224"/>
+            <ac:grpSpMk id="11" creationId="{6378199E-F95D-4907-BE55-E761F927AAC4}"/>
+          </ac:grpSpMkLst>
+        </pc:grpChg>
+        <pc:grpChg chg="mod topLvl">
+          <ac:chgData name="Mitchell Evan" userId="ff278e32-69be-434a-aa10-d0846bac5285" providerId="ADAL" clId="{A85149C9-6F49-497D-A6B1-0C4DE5902A0A}" dt="2025-03-12T17:44:07.708" v="418" actId="962"/>
+          <ac:grpSpMkLst>
+            <pc:docMk/>
+            <pc:sldMk cId="761050201" sldId="4224"/>
+            <ac:grpSpMk id="12" creationId="{05319E0C-CC09-A331-B9D0-2364B129B487}"/>
+          </ac:grpSpMkLst>
+        </pc:grpChg>
+        <pc:picChg chg="mod">
+          <ac:chgData name="Mitchell Evan" userId="ff278e32-69be-434a-aa10-d0846bac5285" providerId="ADAL" clId="{A85149C9-6F49-497D-A6B1-0C4DE5902A0A}" dt="2025-03-12T17:43:56.798" v="404" actId="165"/>
+          <ac:picMkLst>
+            <pc:docMk/>
+            <pc:sldMk cId="761050201" sldId="4224"/>
+            <ac:picMk id="15" creationId="{2954E8E6-9259-3B12-898D-DE7715E1940E}"/>
+          </ac:picMkLst>
+        </pc:picChg>
+      </pc:sldChg>
+      <pc:sldChg chg="delSp modSp mod">
+        <pc:chgData name="Mitchell Evan" userId="ff278e32-69be-434a-aa10-d0846bac5285" providerId="ADAL" clId="{A85149C9-6F49-497D-A6B1-0C4DE5902A0A}" dt="2025-03-12T17:45:10.865" v="435" actId="13244"/>
+        <pc:sldMkLst>
+          <pc:docMk/>
+          <pc:sldMk cId="2217343461" sldId="4252"/>
+        </pc:sldMkLst>
+        <pc:spChg chg="mod">
+          <ac:chgData name="Mitchell Evan" userId="ff278e32-69be-434a-aa10-d0846bac5285" providerId="ADAL" clId="{A85149C9-6F49-497D-A6B1-0C4DE5902A0A}" dt="2025-03-12T17:44:42.772" v="420" actId="165"/>
+          <ac:spMkLst>
+            <pc:docMk/>
+            <pc:sldMk cId="2217343461" sldId="4252"/>
+            <ac:spMk id="5" creationId="{49109567-0FDB-220D-462E-587742059DEA}"/>
+          </ac:spMkLst>
+        </pc:spChg>
+        <pc:spChg chg="mod topLvl">
+          <ac:chgData name="Mitchell Evan" userId="ff278e32-69be-434a-aa10-d0846bac5285" providerId="ADAL" clId="{A85149C9-6F49-497D-A6B1-0C4DE5902A0A}" dt="2025-03-12T17:44:42.772" v="420" actId="165"/>
+          <ac:spMkLst>
+            <pc:docMk/>
+            <pc:sldMk cId="2217343461" sldId="4252"/>
+            <ac:spMk id="7" creationId="{CBE0A639-601E-AC86-F320-9380D625D78D}"/>
+          </ac:spMkLst>
+        </pc:spChg>
+        <pc:grpChg chg="mod ord topLvl">
+          <ac:chgData name="Mitchell Evan" userId="ff278e32-69be-434a-aa10-d0846bac5285" providerId="ADAL" clId="{A85149C9-6F49-497D-A6B1-0C4DE5902A0A}" dt="2025-03-12T17:45:10.865" v="435" actId="13244"/>
+          <ac:grpSpMkLst>
+            <pc:docMk/>
+            <pc:sldMk cId="2217343461" sldId="4252"/>
+            <ac:grpSpMk id="3" creationId="{AAF6FBD0-BA5B-8BBD-E581-99F79A479B18}"/>
+          </ac:grpSpMkLst>
+        </pc:grpChg>
+        <pc:grpChg chg="del">
+          <ac:chgData name="Mitchell Evan" userId="ff278e32-69be-434a-aa10-d0846bac5285" providerId="ADAL" clId="{A85149C9-6F49-497D-A6B1-0C4DE5902A0A}" dt="2025-03-12T17:44:42.772" v="420" actId="165"/>
+          <ac:grpSpMkLst>
+            <pc:docMk/>
+            <pc:sldMk cId="2217343461" sldId="4252"/>
+            <ac:grpSpMk id="8" creationId="{BC170DF1-FBF1-BC7D-BD06-57B44071D73B}"/>
+          </ac:grpSpMkLst>
+        </pc:grpChg>
+        <pc:picChg chg="mod">
+          <ac:chgData name="Mitchell Evan" userId="ff278e32-69be-434a-aa10-d0846bac5285" providerId="ADAL" clId="{A85149C9-6F49-497D-A6B1-0C4DE5902A0A}" dt="2025-03-12T17:44:42.772" v="420" actId="165"/>
+          <ac:picMkLst>
+            <pc:docMk/>
+            <pc:sldMk cId="2217343461" sldId="4252"/>
+            <ac:picMk id="6" creationId="{93733ADE-9046-0DD4-2CF4-02DDB9542693}"/>
+          </ac:picMkLst>
+        </pc:picChg>
+      </pc:sldChg>
+      <pc:sldChg chg="modSp mod modNotesTx">
+        <pc:chgData name="Mitchell Evan" userId="ff278e32-69be-434a-aa10-d0846bac5285" providerId="ADAL" clId="{A85149C9-6F49-497D-A6B1-0C4DE5902A0A}" dt="2025-03-12T17:48:43.809" v="453" actId="6549"/>
+        <pc:sldMkLst>
+          <pc:docMk/>
+          <pc:sldMk cId="3609835978" sldId="4253"/>
+        </pc:sldMkLst>
+        <pc:spChg chg="ord">
+          <ac:chgData name="Mitchell Evan" userId="ff278e32-69be-434a-aa10-d0846bac5285" providerId="ADAL" clId="{A85149C9-6F49-497D-A6B1-0C4DE5902A0A}" dt="2025-03-12T17:47:24.323" v="449" actId="13244"/>
+          <ac:spMkLst>
+            <pc:docMk/>
+            <pc:sldMk cId="3609835978" sldId="4253"/>
+            <ac:spMk id="2" creationId="{95EA3764-530B-7DA3-48DB-6288030D5108}"/>
+          </ac:spMkLst>
+        </pc:spChg>
+      </pc:sldChg>
+      <pc:sldChg chg="modSp mod ord modAnim modNotesTx">
+        <pc:chgData name="Mitchell Evan" userId="ff278e32-69be-434a-aa10-d0846bac5285" providerId="ADAL" clId="{A85149C9-6F49-497D-A6B1-0C4DE5902A0A}" dt="2025-03-12T18:16:36.793" v="1082"/>
+        <pc:sldMkLst>
+          <pc:docMk/>
+          <pc:sldMk cId="1343680783" sldId="4255"/>
+        </pc:sldMkLst>
+        <pc:spChg chg="ord">
+          <ac:chgData name="Mitchell Evan" userId="ff278e32-69be-434a-aa10-d0846bac5285" providerId="ADAL" clId="{A85149C9-6F49-497D-A6B1-0C4DE5902A0A}" dt="2025-03-12T17:47:20.308" v="448" actId="13244"/>
+          <ac:spMkLst>
+            <pc:docMk/>
+            <pc:sldMk cId="1343680783" sldId="4255"/>
+            <ac:spMk id="2" creationId="{E5B256CF-E15E-2167-7761-E89BA5F36D76}"/>
+          </ac:spMkLst>
+        </pc:spChg>
+      </pc:sldChg>
+      <pc:sldChg chg="modSp mod">
+        <pc:chgData name="Mitchell Evan" userId="ff278e32-69be-434a-aa10-d0846bac5285" providerId="ADAL" clId="{A85149C9-6F49-497D-A6B1-0C4DE5902A0A}" dt="2025-03-12T17:45:42.790" v="437" actId="13244"/>
+        <pc:sldMkLst>
+          <pc:docMk/>
+          <pc:sldMk cId="1653210583" sldId="4260"/>
+        </pc:sldMkLst>
+        <pc:spChg chg="ord">
+          <ac:chgData name="Mitchell Evan" userId="ff278e32-69be-434a-aa10-d0846bac5285" providerId="ADAL" clId="{A85149C9-6F49-497D-A6B1-0C4DE5902A0A}" dt="2025-03-12T17:45:42.790" v="437" actId="13244"/>
+          <ac:spMkLst>
+            <pc:docMk/>
+            <pc:sldMk cId="1653210583" sldId="4260"/>
+            <ac:spMk id="7" creationId="{B03726CF-D9A9-52E3-1A1C-DDE23A3A1FD4}"/>
+          </ac:spMkLst>
+        </pc:spChg>
+        <pc:spChg chg="ord">
+          <ac:chgData name="Mitchell Evan" userId="ff278e32-69be-434a-aa10-d0846bac5285" providerId="ADAL" clId="{A85149C9-6F49-497D-A6B1-0C4DE5902A0A}" dt="2025-03-12T17:45:40.517" v="436" actId="13244"/>
+          <ac:spMkLst>
+            <pc:docMk/>
+            <pc:sldMk cId="1653210583" sldId="4260"/>
+            <ac:spMk id="8" creationId="{8DEF17F2-7FA4-33B5-FC4C-5775DB4E27CC}"/>
+          </ac:spMkLst>
+        </pc:spChg>
+      </pc:sldChg>
+      <pc:sldChg chg="modSp mod modAnim modNotesTx">
+        <pc:chgData name="Mitchell Evan" userId="ff278e32-69be-434a-aa10-d0846bac5285" providerId="ADAL" clId="{A85149C9-6F49-497D-A6B1-0C4DE5902A0A}" dt="2025-03-12T18:14:42.984" v="1074"/>
+        <pc:sldMkLst>
+          <pc:docMk/>
+          <pc:sldMk cId="1901805808" sldId="4261"/>
+        </pc:sldMkLst>
+        <pc:spChg chg="ord">
+          <ac:chgData name="Mitchell Evan" userId="ff278e32-69be-434a-aa10-d0846bac5285" providerId="ADAL" clId="{A85149C9-6F49-497D-A6B1-0C4DE5902A0A}" dt="2025-03-12T17:47:11.452" v="447" actId="13244"/>
+          <ac:spMkLst>
+            <pc:docMk/>
+            <pc:sldMk cId="1901805808" sldId="4261"/>
+            <ac:spMk id="2" creationId="{D5E6C15C-785D-EF55-28E3-6503D3213D9E}"/>
+          </ac:spMkLst>
+        </pc:spChg>
+        <pc:spChg chg="mod">
+          <ac:chgData name="Mitchell Evan" userId="ff278e32-69be-434a-aa10-d0846bac5285" providerId="ADAL" clId="{A85149C9-6F49-497D-A6B1-0C4DE5902A0A}" dt="2025-03-12T17:50:10.082" v="476"/>
+          <ac:spMkLst>
+            <pc:docMk/>
+            <pc:sldMk cId="1901805808" sldId="4261"/>
+            <ac:spMk id="5" creationId="{690B2C9E-3290-D177-EEBD-BFE7F02B975D}"/>
+          </ac:spMkLst>
+        </pc:spChg>
+      </pc:sldChg>
+      <pc:sldChg chg="modSp mod">
+        <pc:chgData name="Mitchell Evan" userId="ff278e32-69be-434a-aa10-d0846bac5285" providerId="ADAL" clId="{A85149C9-6F49-497D-A6B1-0C4DE5902A0A}" dt="2025-03-12T17:45:54.013" v="438" actId="13244"/>
+        <pc:sldMkLst>
+          <pc:docMk/>
+          <pc:sldMk cId="1535704039" sldId="4266"/>
+        </pc:sldMkLst>
+        <pc:spChg chg="ord">
+          <ac:chgData name="Mitchell Evan" userId="ff278e32-69be-434a-aa10-d0846bac5285" providerId="ADAL" clId="{A85149C9-6F49-497D-A6B1-0C4DE5902A0A}" dt="2025-03-12T17:45:54.013" v="438" actId="13244"/>
+          <ac:spMkLst>
+            <pc:docMk/>
+            <pc:sldMk cId="1535704039" sldId="4266"/>
+            <ac:spMk id="2" creationId="{456D637F-56BE-CD47-3EC7-6710D8BF7D01}"/>
+          </ac:spMkLst>
+        </pc:spChg>
+      </pc:sldChg>
+      <pc:sldChg chg="modSp mod modNotesTx">
+        <pc:chgData name="Mitchell Evan" userId="ff278e32-69be-434a-aa10-d0846bac5285" providerId="ADAL" clId="{A85149C9-6F49-497D-A6B1-0C4DE5902A0A}" dt="2025-03-12T17:54:01.424" v="946" actId="6549"/>
+        <pc:sldMkLst>
+          <pc:docMk/>
+          <pc:sldMk cId="1737706315" sldId="4267"/>
+        </pc:sldMkLst>
+        <pc:spChg chg="mod">
+          <ac:chgData name="Mitchell Evan" userId="ff278e32-69be-434a-aa10-d0846bac5285" providerId="ADAL" clId="{A85149C9-6F49-497D-A6B1-0C4DE5902A0A}" dt="2025-03-12T17:34:36.797" v="2" actId="962"/>
+          <ac:spMkLst>
+            <pc:docMk/>
+            <pc:sldMk cId="1737706315" sldId="4267"/>
+            <ac:spMk id="3" creationId="{DA3CAD46-CE6F-B546-8835-43D5B15FE639}"/>
+          </ac:spMkLst>
+        </pc:spChg>
+        <pc:spChg chg="mod">
+          <ac:chgData name="Mitchell Evan" userId="ff278e32-69be-434a-aa10-d0846bac5285" providerId="ADAL" clId="{A85149C9-6F49-497D-A6B1-0C4DE5902A0A}" dt="2025-03-12T17:34:37.473" v="3" actId="962"/>
+          <ac:spMkLst>
+            <pc:docMk/>
+            <pc:sldMk cId="1737706315" sldId="4267"/>
+            <ac:spMk id="4" creationId="{745BD451-9ECB-E5B2-746D-AFD714C39A50}"/>
+          </ac:spMkLst>
+        </pc:spChg>
+        <pc:graphicFrameChg chg="mod">
+          <ac:chgData name="Mitchell Evan" userId="ff278e32-69be-434a-aa10-d0846bac5285" providerId="ADAL" clId="{A85149C9-6F49-497D-A6B1-0C4DE5902A0A}" dt="2025-03-12T17:34:05.688" v="1" actId="962"/>
+          <ac:graphicFrameMkLst>
+            <pc:docMk/>
+            <pc:sldMk cId="1737706315" sldId="4267"/>
+            <ac:graphicFrameMk id="6" creationId="{393C6C5B-CEB1-96AB-4682-A78EE83ABAF8}"/>
+          </ac:graphicFrameMkLst>
+        </pc:graphicFrameChg>
+      </pc:sldChg>
+      <pc:sldChg chg="modSp mod modNotesTx">
+        <pc:chgData name="Mitchell Evan" userId="ff278e32-69be-434a-aa10-d0846bac5285" providerId="ADAL" clId="{A85149C9-6F49-497D-A6B1-0C4DE5902A0A}" dt="2025-03-12T18:04:41.994" v="970" actId="20577"/>
+        <pc:sldMkLst>
+          <pc:docMk/>
+          <pc:sldMk cId="2262629403" sldId="4268"/>
+        </pc:sldMkLst>
+        <pc:spChg chg="mod">
+          <ac:chgData name="Mitchell Evan" userId="ff278e32-69be-434a-aa10-d0846bac5285" providerId="ADAL" clId="{A85149C9-6F49-497D-A6B1-0C4DE5902A0A}" dt="2025-03-12T18:04:41.994" v="970" actId="20577"/>
+          <ac:spMkLst>
+            <pc:docMk/>
+            <pc:sldMk cId="2262629403" sldId="4268"/>
+            <ac:spMk id="10" creationId="{585A2853-0BD5-BB03-AE1B-70C7EE5C7906}"/>
+          </ac:spMkLst>
+        </pc:spChg>
+      </pc:sldChg>
+      <pc:sldChg chg="modSp mod">
+        <pc:chgData name="Mitchell Evan" userId="ff278e32-69be-434a-aa10-d0846bac5285" providerId="ADAL" clId="{A85149C9-6F49-497D-A6B1-0C4DE5902A0A}" dt="2025-03-12T17:46:07.260" v="439" actId="13244"/>
+        <pc:sldMkLst>
+          <pc:docMk/>
+          <pc:sldMk cId="1390448719" sldId="4269"/>
+        </pc:sldMkLst>
+        <pc:spChg chg="ord">
+          <ac:chgData name="Mitchell Evan" userId="ff278e32-69be-434a-aa10-d0846bac5285" providerId="ADAL" clId="{A85149C9-6F49-497D-A6B1-0C4DE5902A0A}" dt="2025-03-12T17:46:07.260" v="439" actId="13244"/>
+          <ac:spMkLst>
+            <pc:docMk/>
+            <pc:sldMk cId="1390448719" sldId="4269"/>
+            <ac:spMk id="2" creationId="{22B3928A-82C3-405F-7345-C8426BFEBB52}"/>
+          </ac:spMkLst>
+        </pc:spChg>
+      </pc:sldChg>
+      <pc:sldChg chg="modSp mod ord modAnim">
+        <pc:chgData name="Mitchell Evan" userId="ff278e32-69be-434a-aa10-d0846bac5285" providerId="ADAL" clId="{A85149C9-6F49-497D-A6B1-0C4DE5902A0A}" dt="2025-03-12T18:13:43.676" v="1071" actId="20577"/>
+        <pc:sldMkLst>
+          <pc:docMk/>
+          <pc:sldMk cId="1924635305" sldId="4271"/>
+        </pc:sldMkLst>
+        <pc:spChg chg="ord">
+          <ac:chgData name="Mitchell Evan" userId="ff278e32-69be-434a-aa10-d0846bac5285" providerId="ADAL" clId="{A85149C9-6F49-497D-A6B1-0C4DE5902A0A}" dt="2025-03-12T17:46:55.509" v="444" actId="13244"/>
+          <ac:spMkLst>
+            <pc:docMk/>
+            <pc:sldMk cId="1924635305" sldId="4271"/>
+            <ac:spMk id="2" creationId="{569245DC-B847-ABE2-7DDB-25D8207AD237}"/>
+          </ac:spMkLst>
+        </pc:spChg>
+        <pc:spChg chg="ord">
+          <ac:chgData name="Mitchell Evan" userId="ff278e32-69be-434a-aa10-d0846bac5285" providerId="ADAL" clId="{A85149C9-6F49-497D-A6B1-0C4DE5902A0A}" dt="2025-03-12T17:46:58.679" v="445" actId="13244"/>
+          <ac:spMkLst>
+            <pc:docMk/>
+            <pc:sldMk cId="1924635305" sldId="4271"/>
+            <ac:spMk id="3" creationId="{D3AC1887-E204-36E9-7AEB-4FB497E0839F}"/>
+          </ac:spMkLst>
+        </pc:spChg>
+        <pc:spChg chg="mod">
+          <ac:chgData name="Mitchell Evan" userId="ff278e32-69be-434a-aa10-d0846bac5285" providerId="ADAL" clId="{A85149C9-6F49-497D-A6B1-0C4DE5902A0A}" dt="2025-03-12T18:13:43.676" v="1071" actId="20577"/>
+          <ac:spMkLst>
+            <pc:docMk/>
+            <pc:sldMk cId="1924635305" sldId="4271"/>
+            <ac:spMk id="5" creationId="{C640E855-165B-84BB-C797-01AF44E47379}"/>
+          </ac:spMkLst>
+        </pc:spChg>
+      </pc:sldChg>
+      <pc:sldChg chg="modSp mod">
+        <pc:chgData name="Mitchell Evan" userId="ff278e32-69be-434a-aa10-d0846bac5285" providerId="ADAL" clId="{A85149C9-6F49-497D-A6B1-0C4DE5902A0A}" dt="2025-03-12T17:35:02.922" v="5" actId="13244"/>
+        <pc:sldMkLst>
+          <pc:docMk/>
+          <pc:sldMk cId="2051549512" sldId="4272"/>
+        </pc:sldMkLst>
+        <pc:spChg chg="ord">
+          <ac:chgData name="Mitchell Evan" userId="ff278e32-69be-434a-aa10-d0846bac5285" providerId="ADAL" clId="{A85149C9-6F49-497D-A6B1-0C4DE5902A0A}" dt="2025-03-12T17:34:58.384" v="4" actId="13244"/>
+          <ac:spMkLst>
+            <pc:docMk/>
+            <pc:sldMk cId="2051549512" sldId="4272"/>
+            <ac:spMk id="2" creationId="{63976085-361A-6EEA-C664-4038C184C2A0}"/>
+          </ac:spMkLst>
+        </pc:spChg>
+        <pc:spChg chg="ord">
+          <ac:chgData name="Mitchell Evan" userId="ff278e32-69be-434a-aa10-d0846bac5285" providerId="ADAL" clId="{A85149C9-6F49-497D-A6B1-0C4DE5902A0A}" dt="2025-03-12T17:35:02.922" v="5" actId="13244"/>
+          <ac:spMkLst>
+            <pc:docMk/>
+            <pc:sldMk cId="2051549512" sldId="4272"/>
+            <ac:spMk id="3" creationId="{F97AFBAA-831B-5885-4010-B6A5CE14F1C8}"/>
+          </ac:spMkLst>
+        </pc:spChg>
+      </pc:sldChg>
+      <pc:sldChg chg="modSp mod">
+        <pc:chgData name="Mitchell Evan" userId="ff278e32-69be-434a-aa10-d0846bac5285" providerId="ADAL" clId="{A85149C9-6F49-497D-A6B1-0C4DE5902A0A}" dt="2025-03-12T17:35:13.722" v="7" actId="13244"/>
+        <pc:sldMkLst>
+          <pc:docMk/>
+          <pc:sldMk cId="4201250110" sldId="4275"/>
+        </pc:sldMkLst>
+        <pc:spChg chg="ord">
+          <ac:chgData name="Mitchell Evan" userId="ff278e32-69be-434a-aa10-d0846bac5285" providerId="ADAL" clId="{A85149C9-6F49-497D-A6B1-0C4DE5902A0A}" dt="2025-03-12T17:35:12.040" v="6" actId="13244"/>
+          <ac:spMkLst>
+            <pc:docMk/>
+            <pc:sldMk cId="4201250110" sldId="4275"/>
+            <ac:spMk id="2" creationId="{C448DAA0-993C-2C52-7629-787B79BAE3BE}"/>
+          </ac:spMkLst>
+        </pc:spChg>
+        <pc:spChg chg="ord">
+          <ac:chgData name="Mitchell Evan" userId="ff278e32-69be-434a-aa10-d0846bac5285" providerId="ADAL" clId="{A85149C9-6F49-497D-A6B1-0C4DE5902A0A}" dt="2025-03-12T17:35:13.722" v="7" actId="13244"/>
+          <ac:spMkLst>
+            <pc:docMk/>
+            <pc:sldMk cId="4201250110" sldId="4275"/>
+            <ac:spMk id="4" creationId="{E4174A12-07B1-4CF7-C7B5-378828898372}"/>
+          </ac:spMkLst>
+        </pc:spChg>
+      </pc:sldChg>
+      <pc:sldChg chg="modSp mod">
+        <pc:chgData name="Mitchell Evan" userId="ff278e32-69be-434a-aa10-d0846bac5285" providerId="ADAL" clId="{A85149C9-6F49-497D-A6B1-0C4DE5902A0A}" dt="2025-03-12T17:47:03.750" v="446" actId="13244"/>
+        <pc:sldMkLst>
+          <pc:docMk/>
+          <pc:sldMk cId="4076870868" sldId="4277"/>
+        </pc:sldMkLst>
+        <pc:spChg chg="ord">
+          <ac:chgData name="Mitchell Evan" userId="ff278e32-69be-434a-aa10-d0846bac5285" providerId="ADAL" clId="{A85149C9-6F49-497D-A6B1-0C4DE5902A0A}" dt="2025-03-12T17:47:03.750" v="446" actId="13244"/>
+          <ac:spMkLst>
+            <pc:docMk/>
+            <pc:sldMk cId="4076870868" sldId="4277"/>
+            <ac:spMk id="2" creationId="{9F5E22AD-E1AF-1123-F848-C045EF0AC9D9}"/>
+          </ac:spMkLst>
+        </pc:spChg>
+      </pc:sldChg>
+      <pc:sldChg chg="modSp mod modAnim modNotesTx">
+        <pc:chgData name="Mitchell Evan" userId="ff278e32-69be-434a-aa10-d0846bac5285" providerId="ADAL" clId="{A85149C9-6F49-497D-A6B1-0C4DE5902A0A}" dt="2025-03-12T18:31:42.233" v="1353" actId="20577"/>
+        <pc:sldMkLst>
+          <pc:docMk/>
+          <pc:sldMk cId="2457540514" sldId="4278"/>
+        </pc:sldMkLst>
+        <pc:spChg chg="ord">
+          <ac:chgData name="Mitchell Evan" userId="ff278e32-69be-434a-aa10-d0846bac5285" providerId="ADAL" clId="{A85149C9-6F49-497D-A6B1-0C4DE5902A0A}" dt="2025-03-12T17:46:36.910" v="440" actId="13244"/>
+          <ac:spMkLst>
+            <pc:docMk/>
+            <pc:sldMk cId="2457540514" sldId="4278"/>
+            <ac:spMk id="2" creationId="{4203199B-654B-A7CD-0DA9-64F1FEF7C8A4}"/>
+          </ac:spMkLst>
+        </pc:spChg>
+        <pc:spChg chg="mod">
+          <ac:chgData name="Mitchell Evan" userId="ff278e32-69be-434a-aa10-d0846bac5285" providerId="ADAL" clId="{A85149C9-6F49-497D-A6B1-0C4DE5902A0A}" dt="2025-03-12T18:31:42.233" v="1353" actId="20577"/>
+          <ac:spMkLst>
+            <pc:docMk/>
+            <pc:sldMk cId="2457540514" sldId="4278"/>
+            <ac:spMk id="5" creationId="{197CFAA2-346E-9C2D-5A01-BB1DD358F302}"/>
+          </ac:spMkLst>
+        </pc:spChg>
+      </pc:sldChg>
+      <pc:sldChg chg="modSp mod modAnim modNotesTx">
+        <pc:chgData name="Mitchell Evan" userId="ff278e32-69be-434a-aa10-d0846bac5285" providerId="ADAL" clId="{A85149C9-6F49-497D-A6B1-0C4DE5902A0A}" dt="2025-03-12T18:09:26.101" v="996"/>
+        <pc:sldMkLst>
+          <pc:docMk/>
+          <pc:sldMk cId="2892933367" sldId="4280"/>
+        </pc:sldMkLst>
+        <pc:spChg chg="ord">
+          <ac:chgData name="Mitchell Evan" userId="ff278e32-69be-434a-aa10-d0846bac5285" providerId="ADAL" clId="{A85149C9-6F49-497D-A6B1-0C4DE5902A0A}" dt="2025-03-12T17:46:40.133" v="441" actId="13244"/>
+          <ac:spMkLst>
+            <pc:docMk/>
+            <pc:sldMk cId="2892933367" sldId="4280"/>
+            <ac:spMk id="2" creationId="{747EE741-293A-7E08-F664-926C7FE245DF}"/>
+          </ac:spMkLst>
+        </pc:spChg>
+      </pc:sldChg>
+      <pc:sldChg chg="modSp mod modAnim modNotesTx">
+        <pc:chgData name="Mitchell Evan" userId="ff278e32-69be-434a-aa10-d0846bac5285" providerId="ADAL" clId="{A85149C9-6F49-497D-A6B1-0C4DE5902A0A}" dt="2025-03-12T18:09:58.240" v="1004"/>
+        <pc:sldMkLst>
+          <pc:docMk/>
+          <pc:sldMk cId="1857641009" sldId="4281"/>
+        </pc:sldMkLst>
+        <pc:spChg chg="ord">
+          <ac:chgData name="Mitchell Evan" userId="ff278e32-69be-434a-aa10-d0846bac5285" providerId="ADAL" clId="{A85149C9-6F49-497D-A6B1-0C4DE5902A0A}" dt="2025-03-12T17:46:44.250" v="442" actId="13244"/>
+          <ac:spMkLst>
+            <pc:docMk/>
+            <pc:sldMk cId="1857641009" sldId="4281"/>
+            <ac:spMk id="2" creationId="{CD56257C-94D7-488A-1F37-D53D75A9D6E4}"/>
+          </ac:spMkLst>
+        </pc:spChg>
+      </pc:sldChg>
+      <pc:sldChg chg="modSp mod">
+        <pc:chgData name="Mitchell Evan" userId="ff278e32-69be-434a-aa10-d0846bac5285" providerId="ADAL" clId="{A85149C9-6F49-497D-A6B1-0C4DE5902A0A}" dt="2025-03-12T17:46:52.105" v="443" actId="13244"/>
+        <pc:sldMkLst>
+          <pc:docMk/>
+          <pc:sldMk cId="2199224447" sldId="4282"/>
+        </pc:sldMkLst>
+        <pc:spChg chg="ord">
+          <ac:chgData name="Mitchell Evan" userId="ff278e32-69be-434a-aa10-d0846bac5285" providerId="ADAL" clId="{A85149C9-6F49-497D-A6B1-0C4DE5902A0A}" dt="2025-03-12T17:46:52.105" v="443" actId="13244"/>
+          <ac:spMkLst>
+            <pc:docMk/>
+            <pc:sldMk cId="2199224447" sldId="4282"/>
+            <ac:spMk id="2" creationId="{B0D1E022-F42B-64B5-7F75-3A26046DBAA2}"/>
+          </ac:spMkLst>
+        </pc:spChg>
+      </pc:sldChg>
+      <pc:sldChg chg="addSp delSp modSp mod ord">
+        <pc:chgData name="Mitchell Evan" userId="ff278e32-69be-434a-aa10-d0846bac5285" providerId="ADAL" clId="{A85149C9-6F49-497D-A6B1-0C4DE5902A0A}" dt="2025-03-12T18:46:19.501" v="1993"/>
+        <pc:sldMkLst>
+          <pc:docMk/>
+          <pc:sldMk cId="3422840773" sldId="4284"/>
+        </pc:sldMkLst>
+        <pc:spChg chg="mod ord">
+          <ac:chgData name="Mitchell Evan" userId="ff278e32-69be-434a-aa10-d0846bac5285" providerId="ADAL" clId="{A85149C9-6F49-497D-A6B1-0C4DE5902A0A}" dt="2025-03-12T18:42:24.888" v="1827" actId="20577"/>
+          <ac:spMkLst>
+            <pc:docMk/>
+            <pc:sldMk cId="3422840773" sldId="4284"/>
+            <ac:spMk id="2" creationId="{16FFB38E-53CD-676E-77B7-0B62632196C5}"/>
+          </ac:spMkLst>
+        </pc:spChg>
+        <pc:spChg chg="add del mod">
+          <ac:chgData name="Mitchell Evan" userId="ff278e32-69be-434a-aa10-d0846bac5285" providerId="ADAL" clId="{A85149C9-6F49-497D-A6B1-0C4DE5902A0A}" dt="2025-03-12T18:45:52.779" v="1991" actId="20577"/>
+          <ac:spMkLst>
+            <pc:docMk/>
+            <pc:sldMk cId="3422840773" sldId="4284"/>
+            <ac:spMk id="5" creationId="{A8FAF39D-8030-5DAD-D271-648B65BF6C04}"/>
+          </ac:spMkLst>
+        </pc:spChg>
+        <pc:graphicFrameChg chg="add mod">
+          <ac:chgData name="Mitchell Evan" userId="ff278e32-69be-434a-aa10-d0846bac5285" providerId="ADAL" clId="{A85149C9-6F49-497D-A6B1-0C4DE5902A0A}" dt="2025-03-12T18:23:11.402" v="1085"/>
+          <ac:graphicFrameMkLst>
+            <pc:docMk/>
+            <pc:sldMk cId="3422840773" sldId="4284"/>
+            <ac:graphicFrameMk id="3" creationId="{235AD37C-12C0-A58C-D1CE-CCA59D0640F1}"/>
+          </ac:graphicFrameMkLst>
+        </pc:graphicFrameChg>
+      </pc:sldChg>
+      <pc:sldChg chg="addSp modSp mod modAnim">
+        <pc:chgData name="Mitchell Evan" userId="ff278e32-69be-434a-aa10-d0846bac5285" providerId="ADAL" clId="{A85149C9-6F49-497D-A6B1-0C4DE5902A0A}" dt="2025-03-12T18:01:52.322" v="947"/>
+        <pc:sldMkLst>
+          <pc:docMk/>
+          <pc:sldMk cId="2070511583" sldId="4286"/>
+        </pc:sldMkLst>
+        <pc:spChg chg="add mod">
+          <ac:chgData name="Mitchell Evan" userId="ff278e32-69be-434a-aa10-d0846bac5285" providerId="ADAL" clId="{A85149C9-6F49-497D-A6B1-0C4DE5902A0A}" dt="2025-03-12T17:41:31.004" v="386" actId="20577"/>
+          <ac:spMkLst>
+            <pc:docMk/>
+            <pc:sldMk cId="2070511583" sldId="4286"/>
+            <ac:spMk id="4" creationId="{694AA408-59A2-680B-06CB-B6C77688050C}"/>
+          </ac:spMkLst>
+        </pc:spChg>
+        <pc:picChg chg="mod">
+          <ac:chgData name="Mitchell Evan" userId="ff278e32-69be-434a-aa10-d0846bac5285" providerId="ADAL" clId="{A85149C9-6F49-497D-A6B1-0C4DE5902A0A}" dt="2025-03-12T17:40:57.859" v="343" actId="962"/>
+          <ac:picMkLst>
+            <pc:docMk/>
+            <pc:sldMk cId="2070511583" sldId="4286"/>
+            <ac:picMk id="3" creationId="{71339515-27C1-8405-D9F9-160E80F7234E}"/>
+          </ac:picMkLst>
+        </pc:picChg>
+      </pc:sldChg>
+      <pc:sldChg chg="modSp mod">
+        <pc:chgData name="Mitchell Evan" userId="ff278e32-69be-434a-aa10-d0846bac5285" providerId="ADAL" clId="{A85149C9-6F49-497D-A6B1-0C4DE5902A0A}" dt="2025-03-12T17:43:01.175" v="403" actId="962"/>
+        <pc:sldMkLst>
+          <pc:docMk/>
+          <pc:sldMk cId="2159791065" sldId="4287"/>
+        </pc:sldMkLst>
+        <pc:picChg chg="mod">
+          <ac:chgData name="Mitchell Evan" userId="ff278e32-69be-434a-aa10-d0846bac5285" providerId="ADAL" clId="{A85149C9-6F49-497D-A6B1-0C4DE5902A0A}" dt="2025-03-12T17:43:01.175" v="403" actId="962"/>
+          <ac:picMkLst>
+            <pc:docMk/>
+            <pc:sldMk cId="2159791065" sldId="4287"/>
+            <ac:picMk id="4" creationId="{F7CE3944-CCB6-8DCB-C365-28363E44C95C}"/>
+          </ac:picMkLst>
+        </pc:picChg>
+      </pc:sldChg>
+      <pc:sldChg chg="modSp mod">
+        <pc:chgData name="Mitchell Evan" userId="ff278e32-69be-434a-aa10-d0846bac5285" providerId="ADAL" clId="{A85149C9-6F49-497D-A6B1-0C4DE5902A0A}" dt="2025-03-12T17:47:54.405" v="450" actId="13244"/>
+        <pc:sldMkLst>
+          <pc:docMk/>
+          <pc:sldMk cId="564161679" sldId="4288"/>
+        </pc:sldMkLst>
+        <pc:spChg chg="ord">
+          <ac:chgData name="Mitchell Evan" userId="ff278e32-69be-434a-aa10-d0846bac5285" providerId="ADAL" clId="{A85149C9-6F49-497D-A6B1-0C4DE5902A0A}" dt="2025-03-12T17:47:54.405" v="450" actId="13244"/>
+          <ac:spMkLst>
+            <pc:docMk/>
+            <pc:sldMk cId="564161679" sldId="4288"/>
+            <ac:spMk id="2" creationId="{7362716C-5EBA-85FA-E72D-E6B2500ED189}"/>
+          </ac:spMkLst>
+        </pc:spChg>
+      </pc:sldChg>
+      <pc:sldChg chg="modSp mod">
+        <pc:chgData name="Mitchell Evan" userId="ff278e32-69be-434a-aa10-d0846bac5285" providerId="ADAL" clId="{A85149C9-6F49-497D-A6B1-0C4DE5902A0A}" dt="2025-03-12T17:47:57.690" v="451" actId="13244"/>
+        <pc:sldMkLst>
+          <pc:docMk/>
+          <pc:sldMk cId="345342113" sldId="4289"/>
+        </pc:sldMkLst>
+        <pc:spChg chg="ord">
+          <ac:chgData name="Mitchell Evan" userId="ff278e32-69be-434a-aa10-d0846bac5285" providerId="ADAL" clId="{A85149C9-6F49-497D-A6B1-0C4DE5902A0A}" dt="2025-03-12T17:47:57.690" v="451" actId="13244"/>
+          <ac:spMkLst>
+            <pc:docMk/>
+            <pc:sldMk cId="345342113" sldId="4289"/>
+            <ac:spMk id="2" creationId="{6EF1B165-4412-03A5-5486-15586ECA1C63}"/>
+          </ac:spMkLst>
+        </pc:spChg>
+      </pc:sldChg>
+      <pc:sldChg chg="addSp delSp modSp add mod ord delAnim">
+        <pc:chgData name="Mitchell Evan" userId="ff278e32-69be-434a-aa10-d0846bac5285" providerId="ADAL" clId="{A85149C9-6F49-497D-A6B1-0C4DE5902A0A}" dt="2025-03-12T18:41:06.663" v="1727"/>
+        <pc:sldMkLst>
+          <pc:docMk/>
+          <pc:sldMk cId="545680260" sldId="4290"/>
+        </pc:sldMkLst>
+        <pc:spChg chg="mod">
+          <ac:chgData name="Mitchell Evan" userId="ff278e32-69be-434a-aa10-d0846bac5285" providerId="ADAL" clId="{A85149C9-6F49-497D-A6B1-0C4DE5902A0A}" dt="2025-03-12T18:37:37.709" v="1374" actId="20577"/>
+          <ac:spMkLst>
+            <pc:docMk/>
+            <pc:sldMk cId="545680260" sldId="4290"/>
+            <ac:spMk id="2" creationId="{792B1302-51AE-0B64-EB92-477F205AB4E6}"/>
+          </ac:spMkLst>
+        </pc:spChg>
+        <pc:spChg chg="del">
+          <ac:chgData name="Mitchell Evan" userId="ff278e32-69be-434a-aa10-d0846bac5285" providerId="ADAL" clId="{A85149C9-6F49-497D-A6B1-0C4DE5902A0A}" dt="2025-03-12T18:37:25.912" v="1355" actId="478"/>
+          <ac:spMkLst>
+            <pc:docMk/>
+            <pc:sldMk cId="545680260" sldId="4290"/>
+            <ac:spMk id="3" creationId="{8F432340-9FF3-B5F9-3517-7B4CC7CCC031}"/>
+          </ac:spMkLst>
+        </pc:spChg>
+        <pc:spChg chg="del">
+          <ac:chgData name="Mitchell Evan" userId="ff278e32-69be-434a-aa10-d0846bac5285" providerId="ADAL" clId="{A85149C9-6F49-497D-A6B1-0C4DE5902A0A}" dt="2025-03-12T18:37:25.912" v="1355" actId="478"/>
+          <ac:spMkLst>
+            <pc:docMk/>
+            <pc:sldMk cId="545680260" sldId="4290"/>
+            <ac:spMk id="4" creationId="{5F07522E-FF2B-2268-A1D1-63C9F02BB2B2}"/>
+          </ac:spMkLst>
+        </pc:spChg>
+        <pc:graphicFrameChg chg="del">
+          <ac:chgData name="Mitchell Evan" userId="ff278e32-69be-434a-aa10-d0846bac5285" providerId="ADAL" clId="{A85149C9-6F49-497D-A6B1-0C4DE5902A0A}" dt="2025-03-12T18:37:25.912" v="1355" actId="478"/>
+          <ac:graphicFrameMkLst>
+            <pc:docMk/>
+            <pc:sldMk cId="545680260" sldId="4290"/>
+            <ac:graphicFrameMk id="6" creationId="{C718E3B1-0A66-90C9-0D85-5AB4C39F8002}"/>
+          </ac:graphicFrameMkLst>
+        </pc:graphicFrameChg>
+        <pc:picChg chg="add del mod">
+          <ac:chgData name="Mitchell Evan" userId="ff278e32-69be-434a-aa10-d0846bac5285" providerId="ADAL" clId="{A85149C9-6F49-497D-A6B1-0C4DE5902A0A}" dt="2025-03-12T18:39:29.939" v="1542" actId="478"/>
+          <ac:picMkLst>
+            <pc:docMk/>
+            <pc:sldMk cId="545680260" sldId="4290"/>
+            <ac:picMk id="7" creationId="{C1FC65B8-6835-DEAA-61BA-3577B4E0AA89}"/>
+          </ac:picMkLst>
+        </pc:picChg>
+        <pc:picChg chg="add mod">
+          <ac:chgData name="Mitchell Evan" userId="ff278e32-69be-434a-aa10-d0846bac5285" providerId="ADAL" clId="{A85149C9-6F49-497D-A6B1-0C4DE5902A0A}" dt="2025-03-12T18:40:18.902" v="1723" actId="962"/>
+          <ac:picMkLst>
+            <pc:docMk/>
+            <pc:sldMk cId="545680260" sldId="4290"/>
+            <ac:picMk id="9" creationId="{05DA9B91-4863-F941-C8C2-0831E83BB0DA}"/>
+          </ac:picMkLst>
+        </pc:picChg>
+      </pc:sldChg>
+    </pc:docChg>
+  </pc:docChgLst>
+</pc:chgInfo>
 </file>
 
 <file path=ppt/diagrams/colors1.xml><?xml version="1.0" encoding="utf-8"?>
@@ -3306,7 +3889,7 @@
           <a:p>
             <a:fld id="{C7F488D9-06FB-6543-BBFF-1738237CD9EF}" type="datetimeFigureOut">
               <a:rPr lang="en-US" smtClean="0"/>
-              <a:t>2025-03-11</a:t>
+              <a:t>2025-03-12</a:t>
             </a:fld>
             <a:endParaRPr lang="en-US"/>
           </a:p>
@@ -3954,7 +4537,7 @@
             </a:pPr>
             <a:r>
               <a:rPr lang="en-US" dirty="0"/>
-              <a:t>Since the support gaps force people to be multilingual, I was able to learn about these support problems in a wider variety of languages.</a:t>
+              <a:t>The support gap forces the content language and the OS language to differ. Similar situation for two well supported languages, which made it easier to find study participants.</a:t>
             </a:r>
           </a:p>
         </p:txBody>
@@ -4002,6 +4585,114 @@
 </file>
 
 <file path=ppt/notesSlides/notesSlide13.xml><?xml version="1.0" encoding="utf-8"?>
+<p:notes xmlns:a="http://schemas.openxmlformats.org/drawingml/2006/main" xmlns:r="http://schemas.openxmlformats.org/officeDocument/2006/relationships" xmlns:p="http://schemas.openxmlformats.org/presentationml/2006/main">
+  <p:cSld>
+    <p:spTree>
+      <p:nvGrpSpPr>
+        <p:cNvPr id="1" name="">
+          <a:extLst>
+            <a:ext uri="{FF2B5EF4-FFF2-40B4-BE49-F238E27FC236}">
+              <a16:creationId xmlns:a16="http://schemas.microsoft.com/office/drawing/2014/main" id="{AA581F89-EA82-527E-042F-DE68EA7AB376}"/>
+            </a:ext>
+          </a:extLst>
+        </p:cNvPr>
+        <p:cNvGrpSpPr/>
+        <p:nvPr/>
+      </p:nvGrpSpPr>
+      <p:grpSpPr>
+        <a:xfrm>
+          <a:off x="0" y="0"/>
+          <a:ext cx="0" cy="0"/>
+          <a:chOff x="0" y="0"/>
+          <a:chExt cx="0" cy="0"/>
+        </a:xfrm>
+      </p:grpSpPr>
+      <p:sp>
+        <p:nvSpPr>
+          <p:cNvPr id="2" name="Slide Image Placeholder 1">
+            <a:extLst>
+              <a:ext uri="{FF2B5EF4-FFF2-40B4-BE49-F238E27FC236}">
+                <a16:creationId xmlns:a16="http://schemas.microsoft.com/office/drawing/2014/main" id="{2D0EB090-0EA9-BE77-0B65-248E71A4E037}"/>
+              </a:ext>
+            </a:extLst>
+          </p:cNvPr>
+          <p:cNvSpPr>
+            <a:spLocks noGrp="1" noRot="1" noChangeAspect="1"/>
+          </p:cNvSpPr>
+          <p:nvPr>
+            <p:ph type="sldImg"/>
+          </p:nvPr>
+        </p:nvSpPr>
+        <p:spPr/>
+      </p:sp>
+      <p:sp>
+        <p:nvSpPr>
+          <p:cNvPr id="3" name="Notes Placeholder 2">
+            <a:extLst>
+              <a:ext uri="{FF2B5EF4-FFF2-40B4-BE49-F238E27FC236}">
+                <a16:creationId xmlns:a16="http://schemas.microsoft.com/office/drawing/2014/main" id="{7036A7C5-4A8C-1927-0CF1-22EF7CD0DD16}"/>
+              </a:ext>
+            </a:extLst>
+          </p:cNvPr>
+          <p:cNvSpPr>
+            <a:spLocks noGrp="1"/>
+          </p:cNvSpPr>
+          <p:nvPr>
+            <p:ph type="body" idx="1"/>
+          </p:nvPr>
+        </p:nvSpPr>
+        <p:spPr/>
+        <p:txBody>
+          <a:bodyPr/>
+          <a:lstStyle/>
+          <a:p>
+            <a:endParaRPr lang="en-US" dirty="0"/>
+          </a:p>
+        </p:txBody>
+      </p:sp>
+      <p:sp>
+        <p:nvSpPr>
+          <p:cNvPr id="4" name="Slide Number Placeholder 3">
+            <a:extLst>
+              <a:ext uri="{FF2B5EF4-FFF2-40B4-BE49-F238E27FC236}">
+                <a16:creationId xmlns:a16="http://schemas.microsoft.com/office/drawing/2014/main" id="{9FA57731-D32C-F0A5-35A7-E0082AEF5461}"/>
+              </a:ext>
+            </a:extLst>
+          </p:cNvPr>
+          <p:cNvSpPr>
+            <a:spLocks noGrp="1"/>
+          </p:cNvSpPr>
+          <p:nvPr>
+            <p:ph type="sldNum" sz="quarter" idx="5"/>
+          </p:nvPr>
+        </p:nvSpPr>
+        <p:spPr/>
+        <p:txBody>
+          <a:bodyPr/>
+          <a:lstStyle/>
+          <a:p>
+            <a:fld id="{2F455CA1-8AB9-7F4B-8B56-30FA76A0413A}" type="slidenum">
+              <a:rPr lang="en-US" smtClean="0"/>
+              <a:t>14</a:t>
+            </a:fld>
+            <a:endParaRPr lang="en-US"/>
+          </a:p>
+        </p:txBody>
+      </p:sp>
+    </p:spTree>
+    <p:extLst>
+      <p:ext uri="{BB962C8B-B14F-4D97-AF65-F5344CB8AC3E}">
+        <p14:creationId xmlns:p14="http://schemas.microsoft.com/office/powerpoint/2010/main" val="2119889506"/>
+      </p:ext>
+    </p:extLst>
+  </p:cSld>
+  <p:clrMapOvr>
+    <a:masterClrMapping/>
+  </p:clrMapOvr>
+</p:notes>
+</file>
+
+<file path=ppt/notesSlides/notesSlide14.xml><?xml version="1.0" encoding="utf-8"?>
 <p:notes xmlns:a="http://schemas.openxmlformats.org/drawingml/2006/main" xmlns:r="http://schemas.openxmlformats.org/officeDocument/2006/relationships" xmlns:p="http://schemas.openxmlformats.org/presentationml/2006/main">
   <p:cSld>
     <p:spTree>
@@ -4063,10 +4754,7 @@
           <a:bodyPr/>
           <a:lstStyle/>
           <a:p>
-            <a:r>
-              <a:rPr lang="en-US" dirty="0"/>
-              <a:t>Advanced user.</a:t>
-            </a:r>
+            <a:endParaRPr lang="en-US" dirty="0"/>
           </a:p>
         </p:txBody>
       </p:sp>
@@ -4093,7 +4781,7 @@
           <a:p>
             <a:fld id="{2F455CA1-8AB9-7F4B-8B56-30FA76A0413A}" type="slidenum">
               <a:rPr lang="en-US" smtClean="0"/>
-              <a:t>14</a:t>
+              <a:t>15</a:t>
             </a:fld>
             <a:endParaRPr lang="en-US"/>
           </a:p>
@@ -4112,7 +4800,7 @@
 </p:notes>
 </file>
 
-<file path=ppt/notesSlides/notesSlide14.xml><?xml version="1.0" encoding="utf-8"?>
+<file path=ppt/notesSlides/notesSlide15.xml><?xml version="1.0" encoding="utf-8"?>
 <p:notes xmlns:a="http://schemas.openxmlformats.org/drawingml/2006/main" xmlns:r="http://schemas.openxmlformats.org/officeDocument/2006/relationships" xmlns:p="http://schemas.openxmlformats.org/presentationml/2006/main">
   <p:cSld>
     <p:spTree>
@@ -4174,10 +4862,7 @@
           <a:bodyPr/>
           <a:lstStyle/>
           <a:p>
-            <a:r>
-              <a:rPr lang="en-US" dirty="0"/>
-              <a:t>Advanced user.</a:t>
-            </a:r>
+            <a:endParaRPr lang="en-US" dirty="0"/>
           </a:p>
         </p:txBody>
       </p:sp>
@@ -4204,7 +4889,7 @@
           <a:p>
             <a:fld id="{2F455CA1-8AB9-7F4B-8B56-30FA76A0413A}" type="slidenum">
               <a:rPr lang="en-US" smtClean="0"/>
-              <a:t>15</a:t>
+              <a:t>16</a:t>
             </a:fld>
             <a:endParaRPr lang="en-US"/>
           </a:p>
@@ -4223,7 +4908,7 @@
 </p:notes>
 </file>
 
-<file path=ppt/notesSlides/notesSlide15.xml><?xml version="1.0" encoding="utf-8"?>
+<file path=ppt/notesSlides/notesSlide16.xml><?xml version="1.0" encoding="utf-8"?>
 <p:notes xmlns:a="http://schemas.openxmlformats.org/drawingml/2006/main" xmlns:r="http://schemas.openxmlformats.org/officeDocument/2006/relationships" xmlns:p="http://schemas.openxmlformats.org/presentationml/2006/main">
   <p:cSld>
     <p:spTree>
@@ -4285,10 +4970,7 @@
           <a:bodyPr/>
           <a:lstStyle/>
           <a:p>
-            <a:r>
-              <a:rPr lang="en-US" dirty="0"/>
-              <a:t>Advanced user.</a:t>
-            </a:r>
+            <a:endParaRPr lang="en-US" dirty="0"/>
           </a:p>
         </p:txBody>
       </p:sp>
@@ -4315,7 +4997,7 @@
           <a:p>
             <a:fld id="{2F455CA1-8AB9-7F4B-8B56-30FA76A0413A}" type="slidenum">
               <a:rPr lang="en-US" smtClean="0"/>
-              <a:t>16</a:t>
+              <a:t>17</a:t>
             </a:fld>
             <a:endParaRPr lang="en-US"/>
           </a:p>
@@ -4334,7 +5016,7 @@
 </p:notes>
 </file>
 
-<file path=ppt/notesSlides/notesSlide16.xml><?xml version="1.0" encoding="utf-8"?>
+<file path=ppt/notesSlides/notesSlide17.xml><?xml version="1.0" encoding="utf-8"?>
 <p:notes xmlns:a="http://schemas.openxmlformats.org/drawingml/2006/main" xmlns:r="http://schemas.openxmlformats.org/officeDocument/2006/relationships" xmlns:p="http://schemas.openxmlformats.org/presentationml/2006/main">
   <p:cSld>
     <p:spTree>
@@ -4423,7 +5105,7 @@
           <a:p>
             <a:fld id="{2F455CA1-8AB9-7F4B-8B56-30FA76A0413A}" type="slidenum">
               <a:rPr lang="en-US" smtClean="0"/>
-              <a:t>17</a:t>
+              <a:t>18</a:t>
             </a:fld>
             <a:endParaRPr lang="en-US"/>
           </a:p>
@@ -4442,7 +5124,7 @@
 </p:notes>
 </file>
 
-<file path=ppt/notesSlides/notesSlide17.xml><?xml version="1.0" encoding="utf-8"?>
+<file path=ppt/notesSlides/notesSlide18.xml><?xml version="1.0" encoding="utf-8"?>
 <p:notes xmlns:a="http://schemas.openxmlformats.org/drawingml/2006/main" xmlns:r="http://schemas.openxmlformats.org/officeDocument/2006/relationships" xmlns:p="http://schemas.openxmlformats.org/presentationml/2006/main">
   <p:cSld>
     <p:spTree>
@@ -4531,7 +5213,7 @@
           <a:p>
             <a:fld id="{2F455CA1-8AB9-7F4B-8B56-30FA76A0413A}" type="slidenum">
               <a:rPr lang="en-US" smtClean="0"/>
-              <a:t>18</a:t>
+              <a:t>19</a:t>
             </a:fld>
             <a:endParaRPr lang="en-US"/>
           </a:p>
@@ -4550,7 +5232,7 @@
 </p:notes>
 </file>
 
-<file path=ppt/notesSlides/notesSlide18.xml><?xml version="1.0" encoding="utf-8"?>
+<file path=ppt/notesSlides/notesSlide19.xml><?xml version="1.0" encoding="utf-8"?>
 <p:notes xmlns:a="http://schemas.openxmlformats.org/drawingml/2006/main" xmlns:r="http://schemas.openxmlformats.org/officeDocument/2006/relationships" xmlns:p="http://schemas.openxmlformats.org/presentationml/2006/main">
   <p:cSld>
     <p:spTree>
@@ -4642,7 +5324,7 @@
           <a:p>
             <a:fld id="{2F455CA1-8AB9-7F4B-8B56-30FA76A0413A}" type="slidenum">
               <a:rPr lang="en-US" smtClean="0"/>
-              <a:t>19</a:t>
+              <a:t>20</a:t>
             </a:fld>
             <a:endParaRPr lang="en-US"/>
           </a:p>
@@ -4652,93 +5334,6 @@
     <p:extLst>
       <p:ext uri="{BB962C8B-B14F-4D97-AF65-F5344CB8AC3E}">
         <p14:creationId xmlns:p14="http://schemas.microsoft.com/office/powerpoint/2010/main" val="4046185504"/>
-      </p:ext>
-    </p:extLst>
-  </p:cSld>
-  <p:clrMapOvr>
-    <a:masterClrMapping/>
-  </p:clrMapOvr>
-</p:notes>
-</file>
-
-<file path=ppt/notesSlides/notesSlide19.xml><?xml version="1.0" encoding="utf-8"?>
-<p:notes xmlns:a="http://schemas.openxmlformats.org/drawingml/2006/main" xmlns:r="http://schemas.openxmlformats.org/officeDocument/2006/relationships" xmlns:p="http://schemas.openxmlformats.org/presentationml/2006/main">
-  <p:cSld>
-    <p:spTree>
-      <p:nvGrpSpPr>
-        <p:cNvPr id="1" name=""/>
-        <p:cNvGrpSpPr/>
-        <p:nvPr/>
-      </p:nvGrpSpPr>
-      <p:grpSpPr>
-        <a:xfrm>
-          <a:off x="0" y="0"/>
-          <a:ext cx="0" cy="0"/>
-          <a:chOff x="0" y="0"/>
-          <a:chExt cx="0" cy="0"/>
-        </a:xfrm>
-      </p:grpSpPr>
-      <p:sp>
-        <p:nvSpPr>
-          <p:cNvPr id="2" name="Slide Image Placeholder 1"/>
-          <p:cNvSpPr>
-            <a:spLocks noGrp="1" noRot="1" noChangeAspect="1"/>
-          </p:cNvSpPr>
-          <p:nvPr>
-            <p:ph type="sldImg"/>
-          </p:nvPr>
-        </p:nvSpPr>
-        <p:spPr/>
-      </p:sp>
-      <p:sp>
-        <p:nvSpPr>
-          <p:cNvPr id="3" name="Notes Placeholder 2"/>
-          <p:cNvSpPr>
-            <a:spLocks noGrp="1"/>
-          </p:cNvSpPr>
-          <p:nvPr>
-            <p:ph type="body" idx="1"/>
-          </p:nvPr>
-        </p:nvSpPr>
-        <p:spPr/>
-        <p:txBody>
-          <a:bodyPr/>
-          <a:lstStyle/>
-          <a:p>
-            <a:r>
-              <a:rPr lang="en-US" dirty="0"/>
-              <a:t>Turning our attention back to text-to-speech</a:t>
-            </a:r>
-          </a:p>
-        </p:txBody>
-      </p:sp>
-      <p:sp>
-        <p:nvSpPr>
-          <p:cNvPr id="4" name="Slide Number Placeholder 3"/>
-          <p:cNvSpPr>
-            <a:spLocks noGrp="1"/>
-          </p:cNvSpPr>
-          <p:nvPr>
-            <p:ph type="sldNum" sz="quarter" idx="5"/>
-          </p:nvPr>
-        </p:nvSpPr>
-        <p:spPr/>
-        <p:txBody>
-          <a:bodyPr/>
-          <a:lstStyle/>
-          <a:p>
-            <a:fld id="{2F455CA1-8AB9-7F4B-8B56-30FA76A0413A}" type="slidenum">
-              <a:rPr lang="en-US" smtClean="0"/>
-              <a:t>20</a:t>
-            </a:fld>
-            <a:endParaRPr lang="en-US"/>
-          </a:p>
-        </p:txBody>
-      </p:sp>
-    </p:spTree>
-    <p:extLst>
-      <p:ext uri="{BB962C8B-B14F-4D97-AF65-F5344CB8AC3E}">
-        <p14:creationId xmlns:p14="http://schemas.microsoft.com/office/powerpoint/2010/main" val="846917874"/>
       </p:ext>
     </p:extLst>
   </p:cSld>
@@ -4877,6 +5472,93 @@
   <p:cSld>
     <p:spTree>
       <p:nvGrpSpPr>
+        <p:cNvPr id="1" name=""/>
+        <p:cNvGrpSpPr/>
+        <p:nvPr/>
+      </p:nvGrpSpPr>
+      <p:grpSpPr>
+        <a:xfrm>
+          <a:off x="0" y="0"/>
+          <a:ext cx="0" cy="0"/>
+          <a:chOff x="0" y="0"/>
+          <a:chExt cx="0" cy="0"/>
+        </a:xfrm>
+      </p:grpSpPr>
+      <p:sp>
+        <p:nvSpPr>
+          <p:cNvPr id="2" name="Slide Image Placeholder 1"/>
+          <p:cNvSpPr>
+            <a:spLocks noGrp="1" noRot="1" noChangeAspect="1"/>
+          </p:cNvSpPr>
+          <p:nvPr>
+            <p:ph type="sldImg"/>
+          </p:nvPr>
+        </p:nvSpPr>
+        <p:spPr/>
+      </p:sp>
+      <p:sp>
+        <p:nvSpPr>
+          <p:cNvPr id="3" name="Notes Placeholder 2"/>
+          <p:cNvSpPr>
+            <a:spLocks noGrp="1"/>
+          </p:cNvSpPr>
+          <p:nvPr>
+            <p:ph type="body" idx="1"/>
+          </p:nvPr>
+        </p:nvSpPr>
+        <p:spPr/>
+        <p:txBody>
+          <a:bodyPr/>
+          <a:lstStyle/>
+          <a:p>
+            <a:r>
+              <a:rPr lang="en-US" dirty="0"/>
+              <a:t>Turning our attention back to text-to-speech</a:t>
+            </a:r>
+          </a:p>
+        </p:txBody>
+      </p:sp>
+      <p:sp>
+        <p:nvSpPr>
+          <p:cNvPr id="4" name="Slide Number Placeholder 3"/>
+          <p:cNvSpPr>
+            <a:spLocks noGrp="1"/>
+          </p:cNvSpPr>
+          <p:nvPr>
+            <p:ph type="sldNum" sz="quarter" idx="5"/>
+          </p:nvPr>
+        </p:nvSpPr>
+        <p:spPr/>
+        <p:txBody>
+          <a:bodyPr/>
+          <a:lstStyle/>
+          <a:p>
+            <a:fld id="{2F455CA1-8AB9-7F4B-8B56-30FA76A0413A}" type="slidenum">
+              <a:rPr lang="en-US" smtClean="0"/>
+              <a:t>21</a:t>
+            </a:fld>
+            <a:endParaRPr lang="en-US"/>
+          </a:p>
+        </p:txBody>
+      </p:sp>
+    </p:spTree>
+    <p:extLst>
+      <p:ext uri="{BB962C8B-B14F-4D97-AF65-F5344CB8AC3E}">
+        <p14:creationId xmlns:p14="http://schemas.microsoft.com/office/powerpoint/2010/main" val="846917874"/>
+      </p:ext>
+    </p:extLst>
+  </p:cSld>
+  <p:clrMapOvr>
+    <a:masterClrMapping/>
+  </p:clrMapOvr>
+</p:notes>
+</file>
+
+<file path=ppt/notesSlides/notesSlide21.xml><?xml version="1.0" encoding="utf-8"?>
+<p:notes xmlns:a="http://schemas.openxmlformats.org/drawingml/2006/main" xmlns:r="http://schemas.openxmlformats.org/officeDocument/2006/relationships" xmlns:p="http://schemas.openxmlformats.org/presentationml/2006/main">
+  <p:cSld>
+    <p:spTree>
+      <p:nvGrpSpPr>
         <p:cNvPr id="1" name="">
           <a:extLst>
             <a:ext uri="{FF2B5EF4-FFF2-40B4-BE49-F238E27FC236}">
@@ -4936,27 +5618,17 @@
           <a:p>
             <a:r>
               <a:rPr lang="en-US" dirty="0"/>
-              <a:t>Set your OS content preferences.</a:t>
-            </a:r>
-          </a:p>
-          <a:p>
-            <a:pPr marL="171450" indent="-171450">
+              <a:t>Set your OS content preferences: so websites and apps will offer content in languages you know.</a:t>
+            </a:r>
+          </a:p>
+          <a:p>
+            <a:pPr marL="0" indent="0">
               <a:buFont typeface="Arial" panose="020B0604020202020204" pitchFamily="34" charset="0"/>
-              <a:buChar char="•"/>
+              <a:buNone/>
             </a:pPr>
             <a:r>
               <a:rPr lang="en-US" dirty="0"/>
-              <a:t>So websites and apps will offer content in languages you know</a:t>
-            </a:r>
-          </a:p>
-          <a:p>
-            <a:pPr marL="171450" indent="-171450">
-              <a:buFont typeface="Arial" panose="020B0604020202020204" pitchFamily="34" charset="0"/>
-              <a:buChar char="•"/>
-            </a:pPr>
-            <a:r>
-              <a:rPr lang="en-US" dirty="0"/>
-              <a:t>For input methods [TODO CONFIRM e.g. word completion, script]</a:t>
+              <a:t>Input methods: e.g. word completion, script</a:t>
             </a:r>
           </a:p>
           <a:p>
@@ -4994,7 +5666,7 @@
           <a:p>
             <a:fld id="{2F455CA1-8AB9-7F4B-8B56-30FA76A0413A}" type="slidenum">
               <a:rPr lang="en-US" smtClean="0"/>
-              <a:t>21</a:t>
+              <a:t>22</a:t>
             </a:fld>
             <a:endParaRPr lang="en-US"/>
           </a:p>
@@ -5013,7 +5685,7 @@
 </p:notes>
 </file>
 
-<file path=ppt/notesSlides/notesSlide21.xml><?xml version="1.0" encoding="utf-8"?>
+<file path=ppt/notesSlides/notesSlide22.xml><?xml version="1.0" encoding="utf-8"?>
 <p:notes xmlns:a="http://schemas.openxmlformats.org/drawingml/2006/main" xmlns:r="http://schemas.openxmlformats.org/officeDocument/2006/relationships" xmlns:p="http://schemas.openxmlformats.org/presentationml/2006/main">
   <p:cSld>
     <p:spTree>
@@ -5102,7 +5774,7 @@
           <a:p>
             <a:fld id="{2F455CA1-8AB9-7F4B-8B56-30FA76A0413A}" type="slidenum">
               <a:rPr lang="en-US" smtClean="0"/>
-              <a:t>22</a:t>
+              <a:t>23</a:t>
             </a:fld>
             <a:endParaRPr lang="en-US"/>
           </a:p>
@@ -5121,7 +5793,7 @@
 </p:notes>
 </file>
 
-<file path=ppt/notesSlides/notesSlide22.xml><?xml version="1.0" encoding="utf-8"?>
+<file path=ppt/notesSlides/notesSlide23.xml><?xml version="1.0" encoding="utf-8"?>
 <p:notes xmlns:a="http://schemas.openxmlformats.org/drawingml/2006/main" xmlns:r="http://schemas.openxmlformats.org/officeDocument/2006/relationships" xmlns:p="http://schemas.openxmlformats.org/presentationml/2006/main">
   <p:cSld>
     <p:spTree>
@@ -5185,12 +5857,6 @@
           <a:p>
             <a:r>
               <a:rPr lang="en-US" dirty="0"/>
-              <a:t>All the things: TODO link to a references about what kinds of “all the things”</a:t>
-            </a:r>
-          </a:p>
-          <a:p>
-            <a:r>
-              <a:rPr lang="en-US" dirty="0"/>
               <a:t>And then we get into fallbacks…</a:t>
             </a:r>
           </a:p>
@@ -5204,12 +5870,6 @@
               <a:t>A better supported language that your audience is likely to know. If you have been using a smaller language, and were looking for reasons to add an international language like Arabic or French or English, this is another reason to do it.</a:t>
             </a:r>
             <a:endParaRPr lang="en-US" dirty="0"/>
-          </a:p>
-          <a:p>
-            <a:r>
-              <a:rPr lang="en-US" dirty="0"/>
-              <a:t>IFTIME TODO design a better language switcher, see Babel issue 57</a:t>
-            </a:r>
           </a:p>
         </p:txBody>
       </p:sp>
@@ -5236,7 +5896,7 @@
           <a:p>
             <a:fld id="{2F455CA1-8AB9-7F4B-8B56-30FA76A0413A}" type="slidenum">
               <a:rPr lang="en-US" smtClean="0"/>
-              <a:t>23</a:t>
+              <a:t>24</a:t>
             </a:fld>
             <a:endParaRPr lang="en-US"/>
           </a:p>
@@ -5255,7 +5915,7 @@
 </p:notes>
 </file>
 
-<file path=ppt/notesSlides/notesSlide23.xml><?xml version="1.0" encoding="utf-8"?>
+<file path=ppt/notesSlides/notesSlide24.xml><?xml version="1.0" encoding="utf-8"?>
 <p:notes xmlns:a="http://schemas.openxmlformats.org/drawingml/2006/main" xmlns:r="http://schemas.openxmlformats.org/officeDocument/2006/relationships" xmlns:p="http://schemas.openxmlformats.org/presentationml/2006/main">
   <p:cSld>
     <p:spTree>
@@ -5317,16 +5977,7 @@
           <a:bodyPr/>
           <a:lstStyle/>
           <a:p>
-            <a:r>
-              <a:rPr lang="en-US" dirty="0"/>
-              <a:t>Roles, properties, and other prompts</a:t>
-            </a:r>
-          </a:p>
-          <a:p>
-            <a:r>
-              <a:rPr lang="en-US" dirty="0"/>
-              <a:t>Name of a language TODO from my Babel GitHub issue</a:t>
-            </a:r>
+            <a:endParaRPr lang="en-US" dirty="0"/>
           </a:p>
         </p:txBody>
       </p:sp>
@@ -5353,7 +6004,7 @@
           <a:p>
             <a:fld id="{2F455CA1-8AB9-7F4B-8B56-30FA76A0413A}" type="slidenum">
               <a:rPr lang="en-US" smtClean="0"/>
-              <a:t>24</a:t>
+              <a:t>25</a:t>
             </a:fld>
             <a:endParaRPr lang="en-US"/>
           </a:p>
@@ -5363,93 +6014,6 @@
     <p:extLst>
       <p:ext uri="{BB962C8B-B14F-4D97-AF65-F5344CB8AC3E}">
         <p14:creationId xmlns:p14="http://schemas.microsoft.com/office/powerpoint/2010/main" val="102273190"/>
-      </p:ext>
-    </p:extLst>
-  </p:cSld>
-  <p:clrMapOvr>
-    <a:masterClrMapping/>
-  </p:clrMapOvr>
-</p:notes>
-</file>
-
-<file path=ppt/notesSlides/notesSlide24.xml><?xml version="1.0" encoding="utf-8"?>
-<p:notes xmlns:a="http://schemas.openxmlformats.org/drawingml/2006/main" xmlns:r="http://schemas.openxmlformats.org/officeDocument/2006/relationships" xmlns:p="http://schemas.openxmlformats.org/presentationml/2006/main">
-  <p:cSld>
-    <p:spTree>
-      <p:nvGrpSpPr>
-        <p:cNvPr id="1" name=""/>
-        <p:cNvGrpSpPr/>
-        <p:nvPr/>
-      </p:nvGrpSpPr>
-      <p:grpSpPr>
-        <a:xfrm>
-          <a:off x="0" y="0"/>
-          <a:ext cx="0" cy="0"/>
-          <a:chOff x="0" y="0"/>
-          <a:chExt cx="0" cy="0"/>
-        </a:xfrm>
-      </p:grpSpPr>
-      <p:sp>
-        <p:nvSpPr>
-          <p:cNvPr id="2" name="Slide Image Placeholder 1"/>
-          <p:cNvSpPr>
-            <a:spLocks noGrp="1" noRot="1" noChangeAspect="1"/>
-          </p:cNvSpPr>
-          <p:nvPr>
-            <p:ph type="sldImg"/>
-          </p:nvPr>
-        </p:nvSpPr>
-        <p:spPr/>
-      </p:sp>
-      <p:sp>
-        <p:nvSpPr>
-          <p:cNvPr id="3" name="Notes Placeholder 2"/>
-          <p:cNvSpPr>
-            <a:spLocks noGrp="1"/>
-          </p:cNvSpPr>
-          <p:nvPr>
-            <p:ph type="body" idx="1"/>
-          </p:nvPr>
-        </p:nvSpPr>
-        <p:spPr/>
-        <p:txBody>
-          <a:bodyPr/>
-          <a:lstStyle/>
-          <a:p>
-            <a:r>
-              <a:rPr lang="en-US" dirty="0"/>
-              <a:t>916 language varieties, around 650 languages</a:t>
-            </a:r>
-          </a:p>
-        </p:txBody>
-      </p:sp>
-      <p:sp>
-        <p:nvSpPr>
-          <p:cNvPr id="4" name="Slide Number Placeholder 3"/>
-          <p:cNvSpPr>
-            <a:spLocks noGrp="1"/>
-          </p:cNvSpPr>
-          <p:nvPr>
-            <p:ph type="sldNum" sz="quarter" idx="5"/>
-          </p:nvPr>
-        </p:nvSpPr>
-        <p:spPr/>
-        <p:txBody>
-          <a:bodyPr/>
-          <a:lstStyle/>
-          <a:p>
-            <a:fld id="{2F455CA1-8AB9-7F4B-8B56-30FA76A0413A}" type="slidenum">
-              <a:rPr lang="en-US" smtClean="0"/>
-              <a:t>25</a:t>
-            </a:fld>
-            <a:endParaRPr lang="en-US"/>
-          </a:p>
-        </p:txBody>
-      </p:sp>
-    </p:spTree>
-    <p:extLst>
-      <p:ext uri="{BB962C8B-B14F-4D97-AF65-F5344CB8AC3E}">
-        <p14:creationId xmlns:p14="http://schemas.microsoft.com/office/powerpoint/2010/main" val="4092422697"/>
       </p:ext>
     </p:extLst>
   </p:cSld>
@@ -5503,7 +6067,10 @@
           <a:bodyPr/>
           <a:lstStyle/>
           <a:p>
-            <a:endParaRPr lang="en-US" dirty="0"/>
+            <a:r>
+              <a:rPr lang="en-US" dirty="0"/>
+              <a:t>916 language varieties, around 650 languages</a:t>
+            </a:r>
           </a:p>
         </p:txBody>
       </p:sp>
@@ -5524,7 +6091,7 @@
           <a:p>
             <a:fld id="{2F455CA1-8AB9-7F4B-8B56-30FA76A0413A}" type="slidenum">
               <a:rPr lang="en-US" smtClean="0"/>
-              <a:t>27</a:t>
+              <a:t>26</a:t>
             </a:fld>
             <a:endParaRPr lang="en-US"/>
           </a:p>
@@ -5548,13 +6115,7 @@
   <p:cSld>
     <p:spTree>
       <p:nvGrpSpPr>
-        <p:cNvPr id="1" name="">
-          <a:extLst>
-            <a:ext uri="{FF2B5EF4-FFF2-40B4-BE49-F238E27FC236}">
-              <a16:creationId xmlns:a16="http://schemas.microsoft.com/office/drawing/2014/main" id="{AAA23903-86FA-90B2-D717-17D3277E1A84}"/>
-            </a:ext>
-          </a:extLst>
-        </p:cNvPr>
+        <p:cNvPr id="1" name=""/>
         <p:cNvGrpSpPr/>
         <p:nvPr/>
       </p:nvGrpSpPr>
@@ -5568,13 +6129,7 @@
       </p:grpSpPr>
       <p:sp>
         <p:nvSpPr>
-          <p:cNvPr id="2" name="Slide Image Placeholder 1">
-            <a:extLst>
-              <a:ext uri="{FF2B5EF4-FFF2-40B4-BE49-F238E27FC236}">
-                <a16:creationId xmlns:a16="http://schemas.microsoft.com/office/drawing/2014/main" id="{5CF03B11-D5DF-8165-FF5C-94B58DE16A94}"/>
-              </a:ext>
-            </a:extLst>
-          </p:cNvPr>
+          <p:cNvPr id="2" name="Slide Image Placeholder 1"/>
           <p:cNvSpPr>
             <a:spLocks noGrp="1" noRot="1" noChangeAspect="1"/>
           </p:cNvSpPr>
@@ -5586,13 +6141,7 @@
       </p:sp>
       <p:sp>
         <p:nvSpPr>
-          <p:cNvPr id="3" name="Notes Placeholder 2">
-            <a:extLst>
-              <a:ext uri="{FF2B5EF4-FFF2-40B4-BE49-F238E27FC236}">
-                <a16:creationId xmlns:a16="http://schemas.microsoft.com/office/drawing/2014/main" id="{9F3BA820-BC1A-4344-5510-2DEF0453E851}"/>
-              </a:ext>
-            </a:extLst>
-          </p:cNvPr>
+          <p:cNvPr id="3" name="Notes Placeholder 2"/>
           <p:cNvSpPr>
             <a:spLocks noGrp="1"/>
           </p:cNvSpPr>
@@ -5611,13 +6160,7 @@
       </p:sp>
       <p:sp>
         <p:nvSpPr>
-          <p:cNvPr id="4" name="Slide Number Placeholder 3">
-            <a:extLst>
-              <a:ext uri="{FF2B5EF4-FFF2-40B4-BE49-F238E27FC236}">
-                <a16:creationId xmlns:a16="http://schemas.microsoft.com/office/drawing/2014/main" id="{96F8E2F4-7F79-649A-1692-C557E09C7110}"/>
-              </a:ext>
-            </a:extLst>
-          </p:cNvPr>
+          <p:cNvPr id="4" name="Slide Number Placeholder 3"/>
           <p:cNvSpPr>
             <a:spLocks noGrp="1"/>
           </p:cNvSpPr>
@@ -5641,7 +6184,7 @@
     </p:spTree>
     <p:extLst>
       <p:ext uri="{BB962C8B-B14F-4D97-AF65-F5344CB8AC3E}">
-        <p14:creationId xmlns:p14="http://schemas.microsoft.com/office/powerpoint/2010/main" val="1948515060"/>
+        <p14:creationId xmlns:p14="http://schemas.microsoft.com/office/powerpoint/2010/main" val="4092422697"/>
       </p:ext>
     </p:extLst>
   </p:cSld>
@@ -5767,6 +6310,114 @@
         <p:cNvPr id="1" name="">
           <a:extLst>
             <a:ext uri="{FF2B5EF4-FFF2-40B4-BE49-F238E27FC236}">
+              <a16:creationId xmlns:a16="http://schemas.microsoft.com/office/drawing/2014/main" id="{AAA23903-86FA-90B2-D717-17D3277E1A84}"/>
+            </a:ext>
+          </a:extLst>
+        </p:cNvPr>
+        <p:cNvGrpSpPr/>
+        <p:nvPr/>
+      </p:nvGrpSpPr>
+      <p:grpSpPr>
+        <a:xfrm>
+          <a:off x="0" y="0"/>
+          <a:ext cx="0" cy="0"/>
+          <a:chOff x="0" y="0"/>
+          <a:chExt cx="0" cy="0"/>
+        </a:xfrm>
+      </p:grpSpPr>
+      <p:sp>
+        <p:nvSpPr>
+          <p:cNvPr id="2" name="Slide Image Placeholder 1">
+            <a:extLst>
+              <a:ext uri="{FF2B5EF4-FFF2-40B4-BE49-F238E27FC236}">
+                <a16:creationId xmlns:a16="http://schemas.microsoft.com/office/drawing/2014/main" id="{5CF03B11-D5DF-8165-FF5C-94B58DE16A94}"/>
+              </a:ext>
+            </a:extLst>
+          </p:cNvPr>
+          <p:cNvSpPr>
+            <a:spLocks noGrp="1" noRot="1" noChangeAspect="1"/>
+          </p:cNvSpPr>
+          <p:nvPr>
+            <p:ph type="sldImg"/>
+          </p:nvPr>
+        </p:nvSpPr>
+        <p:spPr/>
+      </p:sp>
+      <p:sp>
+        <p:nvSpPr>
+          <p:cNvPr id="3" name="Notes Placeholder 2">
+            <a:extLst>
+              <a:ext uri="{FF2B5EF4-FFF2-40B4-BE49-F238E27FC236}">
+                <a16:creationId xmlns:a16="http://schemas.microsoft.com/office/drawing/2014/main" id="{9F3BA820-BC1A-4344-5510-2DEF0453E851}"/>
+              </a:ext>
+            </a:extLst>
+          </p:cNvPr>
+          <p:cNvSpPr>
+            <a:spLocks noGrp="1"/>
+          </p:cNvSpPr>
+          <p:nvPr>
+            <p:ph type="body" idx="1"/>
+          </p:nvPr>
+        </p:nvSpPr>
+        <p:spPr/>
+        <p:txBody>
+          <a:bodyPr/>
+          <a:lstStyle/>
+          <a:p>
+            <a:endParaRPr lang="en-US" dirty="0"/>
+          </a:p>
+        </p:txBody>
+      </p:sp>
+      <p:sp>
+        <p:nvSpPr>
+          <p:cNvPr id="4" name="Slide Number Placeholder 3">
+            <a:extLst>
+              <a:ext uri="{FF2B5EF4-FFF2-40B4-BE49-F238E27FC236}">
+                <a16:creationId xmlns:a16="http://schemas.microsoft.com/office/drawing/2014/main" id="{96F8E2F4-7F79-649A-1692-C557E09C7110}"/>
+              </a:ext>
+            </a:extLst>
+          </p:cNvPr>
+          <p:cNvSpPr>
+            <a:spLocks noGrp="1"/>
+          </p:cNvSpPr>
+          <p:nvPr>
+            <p:ph type="sldNum" sz="quarter" idx="5"/>
+          </p:nvPr>
+        </p:nvSpPr>
+        <p:spPr/>
+        <p:txBody>
+          <a:bodyPr/>
+          <a:lstStyle/>
+          <a:p>
+            <a:fld id="{2F455CA1-8AB9-7F4B-8B56-30FA76A0413A}" type="slidenum">
+              <a:rPr lang="en-US" smtClean="0"/>
+              <a:t>30</a:t>
+            </a:fld>
+            <a:endParaRPr lang="en-US"/>
+          </a:p>
+        </p:txBody>
+      </p:sp>
+    </p:spTree>
+    <p:extLst>
+      <p:ext uri="{BB962C8B-B14F-4D97-AF65-F5344CB8AC3E}">
+        <p14:creationId xmlns:p14="http://schemas.microsoft.com/office/powerpoint/2010/main" val="1948515060"/>
+      </p:ext>
+    </p:extLst>
+  </p:cSld>
+  <p:clrMapOvr>
+    <a:masterClrMapping/>
+  </p:clrMapOvr>
+</p:notes>
+</file>
+
+<file path=ppt/notesSlides/notesSlide29.xml><?xml version="1.0" encoding="utf-8"?>
+<p:notes xmlns:a="http://schemas.openxmlformats.org/drawingml/2006/main" xmlns:r="http://schemas.openxmlformats.org/officeDocument/2006/relationships" xmlns:p="http://schemas.openxmlformats.org/presentationml/2006/main">
+  <p:cSld>
+    <p:spTree>
+      <p:nvGrpSpPr>
+        <p:cNvPr id="1" name="">
+          <a:extLst>
+            <a:ext uri="{FF2B5EF4-FFF2-40B4-BE49-F238E27FC236}">
               <a16:creationId xmlns:a16="http://schemas.microsoft.com/office/drawing/2014/main" id="{A9F3A6A0-6D03-B56C-741D-A3C800348A0E}"/>
             </a:ext>
           </a:extLst>
@@ -5848,7 +6499,7 @@
           <a:p>
             <a:fld id="{2F455CA1-8AB9-7F4B-8B56-30FA76A0413A}" type="slidenum">
               <a:rPr lang="en-US" smtClean="0"/>
-              <a:t>30</a:t>
+              <a:t>31</a:t>
             </a:fld>
             <a:endParaRPr lang="en-US"/>
           </a:p>
@@ -5858,114 +6509,6 @@
     <p:extLst>
       <p:ext uri="{BB962C8B-B14F-4D97-AF65-F5344CB8AC3E}">
         <p14:creationId xmlns:p14="http://schemas.microsoft.com/office/powerpoint/2010/main" val="1967142274"/>
-      </p:ext>
-    </p:extLst>
-  </p:cSld>
-  <p:clrMapOvr>
-    <a:masterClrMapping/>
-  </p:clrMapOvr>
-</p:notes>
-</file>
-
-<file path=ppt/notesSlides/notesSlide29.xml><?xml version="1.0" encoding="utf-8"?>
-<p:notes xmlns:a="http://schemas.openxmlformats.org/drawingml/2006/main" xmlns:r="http://schemas.openxmlformats.org/officeDocument/2006/relationships" xmlns:p="http://schemas.openxmlformats.org/presentationml/2006/main">
-  <p:cSld>
-    <p:spTree>
-      <p:nvGrpSpPr>
-        <p:cNvPr id="1" name="">
-          <a:extLst>
-            <a:ext uri="{FF2B5EF4-FFF2-40B4-BE49-F238E27FC236}">
-              <a16:creationId xmlns:a16="http://schemas.microsoft.com/office/drawing/2014/main" id="{0DA5AC0A-4219-7F45-E307-437CCCCACCCE}"/>
-            </a:ext>
-          </a:extLst>
-        </p:cNvPr>
-        <p:cNvGrpSpPr/>
-        <p:nvPr/>
-      </p:nvGrpSpPr>
-      <p:grpSpPr>
-        <a:xfrm>
-          <a:off x="0" y="0"/>
-          <a:ext cx="0" cy="0"/>
-          <a:chOff x="0" y="0"/>
-          <a:chExt cx="0" cy="0"/>
-        </a:xfrm>
-      </p:grpSpPr>
-      <p:sp>
-        <p:nvSpPr>
-          <p:cNvPr id="2" name="Slide Image Placeholder 1">
-            <a:extLst>
-              <a:ext uri="{FF2B5EF4-FFF2-40B4-BE49-F238E27FC236}">
-                <a16:creationId xmlns:a16="http://schemas.microsoft.com/office/drawing/2014/main" id="{2C08225D-A746-3497-6061-1C20BBF056A6}"/>
-              </a:ext>
-            </a:extLst>
-          </p:cNvPr>
-          <p:cNvSpPr>
-            <a:spLocks noGrp="1" noRot="1" noChangeAspect="1"/>
-          </p:cNvSpPr>
-          <p:nvPr>
-            <p:ph type="sldImg"/>
-          </p:nvPr>
-        </p:nvSpPr>
-        <p:spPr/>
-      </p:sp>
-      <p:sp>
-        <p:nvSpPr>
-          <p:cNvPr id="3" name="Notes Placeholder 2">
-            <a:extLst>
-              <a:ext uri="{FF2B5EF4-FFF2-40B4-BE49-F238E27FC236}">
-                <a16:creationId xmlns:a16="http://schemas.microsoft.com/office/drawing/2014/main" id="{D79A5731-8BF7-A002-CAFB-4A6B6B8D9C8E}"/>
-              </a:ext>
-            </a:extLst>
-          </p:cNvPr>
-          <p:cNvSpPr>
-            <a:spLocks noGrp="1"/>
-          </p:cNvSpPr>
-          <p:nvPr>
-            <p:ph type="body" idx="1"/>
-          </p:nvPr>
-        </p:nvSpPr>
-        <p:spPr/>
-        <p:txBody>
-          <a:bodyPr/>
-          <a:lstStyle/>
-          <a:p>
-            <a:endParaRPr lang="en-US" dirty="0"/>
-          </a:p>
-        </p:txBody>
-      </p:sp>
-      <p:sp>
-        <p:nvSpPr>
-          <p:cNvPr id="4" name="Slide Number Placeholder 3">
-            <a:extLst>
-              <a:ext uri="{FF2B5EF4-FFF2-40B4-BE49-F238E27FC236}">
-                <a16:creationId xmlns:a16="http://schemas.microsoft.com/office/drawing/2014/main" id="{C634FB56-E4BD-291A-8925-2A762467127A}"/>
-              </a:ext>
-            </a:extLst>
-          </p:cNvPr>
-          <p:cNvSpPr>
-            <a:spLocks noGrp="1"/>
-          </p:cNvSpPr>
-          <p:nvPr>
-            <p:ph type="sldNum" sz="quarter" idx="5"/>
-          </p:nvPr>
-        </p:nvSpPr>
-        <p:spPr/>
-        <p:txBody>
-          <a:bodyPr/>
-          <a:lstStyle/>
-          <a:p>
-            <a:fld id="{2F455CA1-8AB9-7F4B-8B56-30FA76A0413A}" type="slidenum">
-              <a:rPr lang="en-US" smtClean="0"/>
-              <a:t>31</a:t>
-            </a:fld>
-            <a:endParaRPr lang="en-US"/>
-          </a:p>
-        </p:txBody>
-      </p:sp>
-    </p:spTree>
-    <p:extLst>
-      <p:ext uri="{BB962C8B-B14F-4D97-AF65-F5344CB8AC3E}">
-        <p14:creationId xmlns:p14="http://schemas.microsoft.com/office/powerpoint/2010/main" val="242181142"/>
       </p:ext>
     </p:extLst>
   </p:cSld>
@@ -6077,6 +6620,114 @@
     <p:extLst>
       <p:ext uri="{BB962C8B-B14F-4D97-AF65-F5344CB8AC3E}">
         <p14:creationId xmlns:p14="http://schemas.microsoft.com/office/powerpoint/2010/main" val="818823464"/>
+      </p:ext>
+    </p:extLst>
+  </p:cSld>
+  <p:clrMapOvr>
+    <a:masterClrMapping/>
+  </p:clrMapOvr>
+</p:notes>
+</file>
+
+<file path=ppt/notesSlides/notesSlide30.xml><?xml version="1.0" encoding="utf-8"?>
+<p:notes xmlns:a="http://schemas.openxmlformats.org/drawingml/2006/main" xmlns:r="http://schemas.openxmlformats.org/officeDocument/2006/relationships" xmlns:p="http://schemas.openxmlformats.org/presentationml/2006/main">
+  <p:cSld>
+    <p:spTree>
+      <p:nvGrpSpPr>
+        <p:cNvPr id="1" name="">
+          <a:extLst>
+            <a:ext uri="{FF2B5EF4-FFF2-40B4-BE49-F238E27FC236}">
+              <a16:creationId xmlns:a16="http://schemas.microsoft.com/office/drawing/2014/main" id="{0DA5AC0A-4219-7F45-E307-437CCCCACCCE}"/>
+            </a:ext>
+          </a:extLst>
+        </p:cNvPr>
+        <p:cNvGrpSpPr/>
+        <p:nvPr/>
+      </p:nvGrpSpPr>
+      <p:grpSpPr>
+        <a:xfrm>
+          <a:off x="0" y="0"/>
+          <a:ext cx="0" cy="0"/>
+          <a:chOff x="0" y="0"/>
+          <a:chExt cx="0" cy="0"/>
+        </a:xfrm>
+      </p:grpSpPr>
+      <p:sp>
+        <p:nvSpPr>
+          <p:cNvPr id="2" name="Slide Image Placeholder 1">
+            <a:extLst>
+              <a:ext uri="{FF2B5EF4-FFF2-40B4-BE49-F238E27FC236}">
+                <a16:creationId xmlns:a16="http://schemas.microsoft.com/office/drawing/2014/main" id="{2C08225D-A746-3497-6061-1C20BBF056A6}"/>
+              </a:ext>
+            </a:extLst>
+          </p:cNvPr>
+          <p:cNvSpPr>
+            <a:spLocks noGrp="1" noRot="1" noChangeAspect="1"/>
+          </p:cNvSpPr>
+          <p:nvPr>
+            <p:ph type="sldImg"/>
+          </p:nvPr>
+        </p:nvSpPr>
+        <p:spPr/>
+      </p:sp>
+      <p:sp>
+        <p:nvSpPr>
+          <p:cNvPr id="3" name="Notes Placeholder 2">
+            <a:extLst>
+              <a:ext uri="{FF2B5EF4-FFF2-40B4-BE49-F238E27FC236}">
+                <a16:creationId xmlns:a16="http://schemas.microsoft.com/office/drawing/2014/main" id="{D79A5731-8BF7-A002-CAFB-4A6B6B8D9C8E}"/>
+              </a:ext>
+            </a:extLst>
+          </p:cNvPr>
+          <p:cNvSpPr>
+            <a:spLocks noGrp="1"/>
+          </p:cNvSpPr>
+          <p:nvPr>
+            <p:ph type="body" idx="1"/>
+          </p:nvPr>
+        </p:nvSpPr>
+        <p:spPr/>
+        <p:txBody>
+          <a:bodyPr/>
+          <a:lstStyle/>
+          <a:p>
+            <a:endParaRPr lang="en-US" dirty="0"/>
+          </a:p>
+        </p:txBody>
+      </p:sp>
+      <p:sp>
+        <p:nvSpPr>
+          <p:cNvPr id="4" name="Slide Number Placeholder 3">
+            <a:extLst>
+              <a:ext uri="{FF2B5EF4-FFF2-40B4-BE49-F238E27FC236}">
+                <a16:creationId xmlns:a16="http://schemas.microsoft.com/office/drawing/2014/main" id="{C634FB56-E4BD-291A-8925-2A762467127A}"/>
+              </a:ext>
+            </a:extLst>
+          </p:cNvPr>
+          <p:cNvSpPr>
+            <a:spLocks noGrp="1"/>
+          </p:cNvSpPr>
+          <p:nvPr>
+            <p:ph type="sldNum" sz="quarter" idx="5"/>
+          </p:nvPr>
+        </p:nvSpPr>
+        <p:spPr/>
+        <p:txBody>
+          <a:bodyPr/>
+          <a:lstStyle/>
+          <a:p>
+            <a:fld id="{2F455CA1-8AB9-7F4B-8B56-30FA76A0413A}" type="slidenum">
+              <a:rPr lang="en-US" smtClean="0"/>
+              <a:t>32</a:t>
+            </a:fld>
+            <a:endParaRPr lang="en-US"/>
+          </a:p>
+        </p:txBody>
+      </p:sp>
+    </p:spTree>
+    <p:extLst>
+      <p:ext uri="{BB962C8B-B14F-4D97-AF65-F5344CB8AC3E}">
+        <p14:creationId xmlns:p14="http://schemas.microsoft.com/office/powerpoint/2010/main" val="242181142"/>
       </p:ext>
     </p:extLst>
   </p:cSld>
@@ -6510,16 +7161,7 @@
           <a:bodyPr/>
           <a:lstStyle/>
           <a:p>
-            <a:r>
-              <a:rPr lang="en-US" dirty="0"/>
-              <a:t>I gave myself an arbitrary target of 100 languages to analyze, ended up with 104.</a:t>
-            </a:r>
-          </a:p>
-          <a:p>
-            <a:r>
-              <a:rPr lang="en-US" dirty="0"/>
-              <a:t>50-some at random from living languages in the BCP-47 registry.</a:t>
-            </a:r>
+            <a:endParaRPr lang="en-US" dirty="0"/>
           </a:p>
         </p:txBody>
       </p:sp>
@@ -10394,228 +11036,6 @@
       </p:grpSpPr>
       <p:sp>
         <p:nvSpPr>
-          <p:cNvPr id="5" name="Content Placeholder 2">
-            <a:extLst>
-              <a:ext uri="{FF2B5EF4-FFF2-40B4-BE49-F238E27FC236}">
-                <a16:creationId xmlns:a16="http://schemas.microsoft.com/office/drawing/2014/main" id="{135DB9AC-4B6B-607E-391B-00F92415C8F8}"/>
-              </a:ext>
-            </a:extLst>
-          </p:cNvPr>
-          <p:cNvSpPr>
-            <a:spLocks noGrp="1"/>
-          </p:cNvSpPr>
-          <p:nvPr>
-            <p:ph sz="quarter" idx="10"/>
-          </p:nvPr>
-        </p:nvSpPr>
-        <p:spPr>
-          <a:xfrm>
-            <a:off x="960120" y="1371600"/>
-            <a:ext cx="7498080" cy="3977640"/>
-          </a:xfrm>
-        </p:spPr>
-        <p:txBody>
-          <a:bodyPr>
-            <a:normAutofit/>
-          </a:bodyPr>
-          <a:lstStyle/>
-          <a:p>
-            <a:pPr fontAlgn="base">
-              <a:buClr>
-                <a:srgbClr val="1A3B5B"/>
-              </a:buClr>
-            </a:pPr>
-            <a:r>
-              <a:rPr lang="en-US" b="0" i="0" dirty="0">
-                <a:solidFill>
-                  <a:srgbClr val="1A3B5B"/>
-                </a:solidFill>
-                <a:effectLst/>
-              </a:rPr>
-              <a:t>People must use a </a:t>
-            </a:r>
-            <a:r>
-              <a:rPr lang="en-US" b="0" i="1" dirty="0">
-                <a:solidFill>
-                  <a:srgbClr val="1A3B5B"/>
-                </a:solidFill>
-                <a:effectLst/>
-              </a:rPr>
-              <a:t>lingua franca</a:t>
-            </a:r>
-            <a:r>
-              <a:rPr lang="en-US" b="0" i="0" dirty="0">
-                <a:solidFill>
-                  <a:srgbClr val="1A3B5B"/>
-                </a:solidFill>
-                <a:effectLst/>
-              </a:rPr>
-              <a:t> for their OS UI.</a:t>
-            </a:r>
-          </a:p>
-          <a:p>
-            <a:pPr marL="285750" indent="-285750" fontAlgn="base">
-              <a:buClr>
-                <a:srgbClr val="1A3B5B"/>
-              </a:buClr>
-              <a:buFont typeface="Wingdings" pitchFamily="2" charset="2"/>
-              <a:buChar char="§"/>
-            </a:pPr>
-            <a:r>
-              <a:rPr lang="en-US" b="0" i="0" dirty="0">
-                <a:solidFill>
-                  <a:srgbClr val="1A3B5B"/>
-                </a:solidFill>
-                <a:effectLst/>
-              </a:rPr>
-              <a:t>Javanese (</a:t>
-            </a:r>
-            <a:r>
-              <a:rPr lang="en-US" b="0" i="0" dirty="0" err="1">
-                <a:solidFill>
-                  <a:srgbClr val="1A3B5B"/>
-                </a:solidFill>
-                <a:effectLst/>
-              </a:rPr>
-              <a:t>jv</a:t>
-            </a:r>
-            <a:r>
-              <a:rPr lang="en-US" b="0" i="0" dirty="0">
-                <a:solidFill>
-                  <a:srgbClr val="1A3B5B"/>
-                </a:solidFill>
-                <a:effectLst/>
-              </a:rPr>
-              <a:t>): 68 million — Java (Indonesia, Southeast Asia)</a:t>
-            </a:r>
-          </a:p>
-          <a:p>
-            <a:pPr marL="285750" indent="-285750" fontAlgn="base">
-              <a:buClr>
-                <a:srgbClr val="1A3B5B"/>
-              </a:buClr>
-              <a:buFont typeface="Wingdings" pitchFamily="2" charset="2"/>
-              <a:buChar char="§"/>
-            </a:pPr>
-            <a:r>
-              <a:rPr lang="en-US" b="0" i="0" dirty="0">
-                <a:solidFill>
-                  <a:srgbClr val="1A3B5B"/>
-                </a:solidFill>
-                <a:effectLst/>
-              </a:rPr>
-              <a:t>India 8th Schedule (South Asia)</a:t>
-            </a:r>
-          </a:p>
-          <a:p>
-            <a:pPr marL="651510" lvl="1" indent="-285750" fontAlgn="base">
-              <a:buClr>
-                <a:srgbClr val="1A3B5B"/>
-              </a:buClr>
-              <a:buFont typeface="Wingdings" pitchFamily="2" charset="2"/>
-              <a:buChar char="§"/>
-            </a:pPr>
-            <a:r>
-              <a:rPr lang="en-US" sz="1800" b="0" i="0" dirty="0">
-                <a:solidFill>
-                  <a:srgbClr val="1A3B5B"/>
-                </a:solidFill>
-                <a:effectLst/>
-              </a:rPr>
-              <a:t>Maithili (</a:t>
-            </a:r>
-            <a:r>
-              <a:rPr lang="en-US" sz="1800" b="0" i="0" dirty="0" err="1">
-                <a:solidFill>
-                  <a:srgbClr val="1A3B5B"/>
-                </a:solidFill>
-                <a:effectLst/>
-              </a:rPr>
-              <a:t>mai</a:t>
-            </a:r>
-            <a:r>
-              <a:rPr lang="en-US" sz="1800" b="0" i="0" dirty="0">
-                <a:solidFill>
-                  <a:srgbClr val="1A3B5B"/>
-                </a:solidFill>
-                <a:effectLst/>
-              </a:rPr>
-              <a:t>): 13.6 million — Android TTS</a:t>
-            </a:r>
-          </a:p>
-          <a:p>
-            <a:pPr marL="651510" lvl="1" indent="-285750" fontAlgn="base">
-              <a:buClr>
-                <a:srgbClr val="1A3B5B"/>
-              </a:buClr>
-              <a:buFont typeface="Wingdings" pitchFamily="2" charset="2"/>
-              <a:buChar char="§"/>
-            </a:pPr>
-            <a:r>
-              <a:rPr lang="en-US" sz="1800" dirty="0">
-                <a:solidFill>
-                  <a:srgbClr val="1A3B5B"/>
-                </a:solidFill>
-              </a:rPr>
-              <a:t>Konkani (</a:t>
-            </a:r>
-            <a:r>
-              <a:rPr lang="en-US" sz="1800" dirty="0" err="1">
-                <a:solidFill>
-                  <a:srgbClr val="1A3B5B"/>
-                </a:solidFill>
-              </a:rPr>
-              <a:t>knn</a:t>
-            </a:r>
-            <a:r>
-              <a:rPr lang="en-US" sz="1800" dirty="0">
-                <a:solidFill>
-                  <a:srgbClr val="1A3B5B"/>
-                </a:solidFill>
-              </a:rPr>
-              <a:t>): 2.6 million — Android TTS and </a:t>
-            </a:r>
-            <a:r>
-              <a:rPr lang="en-US" sz="1800" dirty="0" err="1">
-                <a:solidFill>
-                  <a:srgbClr val="1A3B5B"/>
-                </a:solidFill>
-              </a:rPr>
-              <a:t>NVDA+eSpeak</a:t>
-            </a:r>
-            <a:endParaRPr lang="en-US" sz="1800" dirty="0">
-              <a:solidFill>
-                <a:srgbClr val="1A3B5B"/>
-              </a:solidFill>
-            </a:endParaRPr>
-          </a:p>
-          <a:p>
-            <a:pPr marL="651510" lvl="1" indent="-285750" fontAlgn="base">
-              <a:buClr>
-                <a:srgbClr val="1A3B5B"/>
-              </a:buClr>
-              <a:buFont typeface="Wingdings" pitchFamily="2" charset="2"/>
-              <a:buChar char="§"/>
-            </a:pPr>
-            <a:r>
-              <a:rPr lang="en-US" sz="1800" dirty="0">
-                <a:solidFill>
-                  <a:srgbClr val="1A3B5B"/>
-                </a:solidFill>
-              </a:rPr>
-              <a:t>5 other languages: 17.7 million — Android TTS</a:t>
-            </a:r>
-            <a:endParaRPr lang="en-US" sz="1800" b="0" i="0" dirty="0">
-              <a:solidFill>
-                <a:srgbClr val="1A3B5B"/>
-              </a:solidFill>
-              <a:effectLst/>
-            </a:endParaRPr>
-          </a:p>
-        </p:txBody>
-      </p:sp>
-      <p:sp>
-        <p:nvSpPr>
           <p:cNvPr id="2" name="Title 1">
             <a:extLst>
               <a:ext uri="{FF2B5EF4-FFF2-40B4-BE49-F238E27FC236}">
@@ -10724,6 +11144,228 @@
               </a:rPr>
               <a:t>= some problems</a:t>
             </a:r>
+          </a:p>
+        </p:txBody>
+      </p:sp>
+      <p:sp>
+        <p:nvSpPr>
+          <p:cNvPr id="5" name="Content Placeholder 2">
+            <a:extLst>
+              <a:ext uri="{FF2B5EF4-FFF2-40B4-BE49-F238E27FC236}">
+                <a16:creationId xmlns:a16="http://schemas.microsoft.com/office/drawing/2014/main" id="{135DB9AC-4B6B-607E-391B-00F92415C8F8}"/>
+              </a:ext>
+            </a:extLst>
+          </p:cNvPr>
+          <p:cNvSpPr>
+            <a:spLocks noGrp="1"/>
+          </p:cNvSpPr>
+          <p:nvPr>
+            <p:ph sz="quarter" idx="10"/>
+          </p:nvPr>
+        </p:nvSpPr>
+        <p:spPr>
+          <a:xfrm>
+            <a:off x="960120" y="1371600"/>
+            <a:ext cx="7498080" cy="3977640"/>
+          </a:xfrm>
+        </p:spPr>
+        <p:txBody>
+          <a:bodyPr>
+            <a:normAutofit/>
+          </a:bodyPr>
+          <a:lstStyle/>
+          <a:p>
+            <a:pPr fontAlgn="base">
+              <a:buClr>
+                <a:srgbClr val="1A3B5B"/>
+              </a:buClr>
+            </a:pPr>
+            <a:r>
+              <a:rPr lang="en-US" b="0" i="0" dirty="0">
+                <a:solidFill>
+                  <a:srgbClr val="1A3B5B"/>
+                </a:solidFill>
+                <a:effectLst/>
+              </a:rPr>
+              <a:t>People must use a </a:t>
+            </a:r>
+            <a:r>
+              <a:rPr lang="en-US" b="0" i="1" dirty="0">
+                <a:solidFill>
+                  <a:srgbClr val="1A3B5B"/>
+                </a:solidFill>
+                <a:effectLst/>
+              </a:rPr>
+              <a:t>lingua franca</a:t>
+            </a:r>
+            <a:r>
+              <a:rPr lang="en-US" b="0" i="0" dirty="0">
+                <a:solidFill>
+                  <a:srgbClr val="1A3B5B"/>
+                </a:solidFill>
+                <a:effectLst/>
+              </a:rPr>
+              <a:t> for their OS UI.</a:t>
+            </a:r>
+          </a:p>
+          <a:p>
+            <a:pPr marL="285750" indent="-285750" fontAlgn="base">
+              <a:buClr>
+                <a:srgbClr val="1A3B5B"/>
+              </a:buClr>
+              <a:buFont typeface="Wingdings" pitchFamily="2" charset="2"/>
+              <a:buChar char="§"/>
+            </a:pPr>
+            <a:r>
+              <a:rPr lang="en-US" b="0" i="0" dirty="0">
+                <a:solidFill>
+                  <a:srgbClr val="1A3B5B"/>
+                </a:solidFill>
+                <a:effectLst/>
+              </a:rPr>
+              <a:t>Javanese (</a:t>
+            </a:r>
+            <a:r>
+              <a:rPr lang="en-US" b="0" i="0" dirty="0" err="1">
+                <a:solidFill>
+                  <a:srgbClr val="1A3B5B"/>
+                </a:solidFill>
+                <a:effectLst/>
+              </a:rPr>
+              <a:t>jv</a:t>
+            </a:r>
+            <a:r>
+              <a:rPr lang="en-US" b="0" i="0" dirty="0">
+                <a:solidFill>
+                  <a:srgbClr val="1A3B5B"/>
+                </a:solidFill>
+                <a:effectLst/>
+              </a:rPr>
+              <a:t>): 68 million — Java (Indonesia, Southeast Asia)</a:t>
+            </a:r>
+          </a:p>
+          <a:p>
+            <a:pPr marL="285750" indent="-285750" fontAlgn="base">
+              <a:buClr>
+                <a:srgbClr val="1A3B5B"/>
+              </a:buClr>
+              <a:buFont typeface="Wingdings" pitchFamily="2" charset="2"/>
+              <a:buChar char="§"/>
+            </a:pPr>
+            <a:r>
+              <a:rPr lang="en-US" b="0" i="0" dirty="0">
+                <a:solidFill>
+                  <a:srgbClr val="1A3B5B"/>
+                </a:solidFill>
+                <a:effectLst/>
+              </a:rPr>
+              <a:t>India 8th Schedule (South Asia)</a:t>
+            </a:r>
+          </a:p>
+          <a:p>
+            <a:pPr marL="651510" lvl="1" indent="-285750" fontAlgn="base">
+              <a:buClr>
+                <a:srgbClr val="1A3B5B"/>
+              </a:buClr>
+              <a:buFont typeface="Wingdings" pitchFamily="2" charset="2"/>
+              <a:buChar char="§"/>
+            </a:pPr>
+            <a:r>
+              <a:rPr lang="en-US" sz="1800" b="0" i="0" dirty="0">
+                <a:solidFill>
+                  <a:srgbClr val="1A3B5B"/>
+                </a:solidFill>
+                <a:effectLst/>
+              </a:rPr>
+              <a:t>Maithili (</a:t>
+            </a:r>
+            <a:r>
+              <a:rPr lang="en-US" sz="1800" b="0" i="0" dirty="0" err="1">
+                <a:solidFill>
+                  <a:srgbClr val="1A3B5B"/>
+                </a:solidFill>
+                <a:effectLst/>
+              </a:rPr>
+              <a:t>mai</a:t>
+            </a:r>
+            <a:r>
+              <a:rPr lang="en-US" sz="1800" b="0" i="0" dirty="0">
+                <a:solidFill>
+                  <a:srgbClr val="1A3B5B"/>
+                </a:solidFill>
+                <a:effectLst/>
+              </a:rPr>
+              <a:t>): 13.6 million — Android TTS</a:t>
+            </a:r>
+          </a:p>
+          <a:p>
+            <a:pPr marL="651510" lvl="1" indent="-285750" fontAlgn="base">
+              <a:buClr>
+                <a:srgbClr val="1A3B5B"/>
+              </a:buClr>
+              <a:buFont typeface="Wingdings" pitchFamily="2" charset="2"/>
+              <a:buChar char="§"/>
+            </a:pPr>
+            <a:r>
+              <a:rPr lang="en-US" sz="1800" dirty="0">
+                <a:solidFill>
+                  <a:srgbClr val="1A3B5B"/>
+                </a:solidFill>
+              </a:rPr>
+              <a:t>Konkani (</a:t>
+            </a:r>
+            <a:r>
+              <a:rPr lang="en-US" sz="1800" dirty="0" err="1">
+                <a:solidFill>
+                  <a:srgbClr val="1A3B5B"/>
+                </a:solidFill>
+              </a:rPr>
+              <a:t>knn</a:t>
+            </a:r>
+            <a:r>
+              <a:rPr lang="en-US" sz="1800" dirty="0">
+                <a:solidFill>
+                  <a:srgbClr val="1A3B5B"/>
+                </a:solidFill>
+              </a:rPr>
+              <a:t>): 2.6 million — Android TTS and </a:t>
+            </a:r>
+            <a:r>
+              <a:rPr lang="en-US" sz="1800" dirty="0" err="1">
+                <a:solidFill>
+                  <a:srgbClr val="1A3B5B"/>
+                </a:solidFill>
+              </a:rPr>
+              <a:t>NVDA+eSpeak</a:t>
+            </a:r>
+            <a:endParaRPr lang="en-US" sz="1800" dirty="0">
+              <a:solidFill>
+                <a:srgbClr val="1A3B5B"/>
+              </a:solidFill>
+            </a:endParaRPr>
+          </a:p>
+          <a:p>
+            <a:pPr marL="651510" lvl="1" indent="-285750" fontAlgn="base">
+              <a:buClr>
+                <a:srgbClr val="1A3B5B"/>
+              </a:buClr>
+              <a:buFont typeface="Wingdings" pitchFamily="2" charset="2"/>
+              <a:buChar char="§"/>
+            </a:pPr>
+            <a:r>
+              <a:rPr lang="en-US" sz="1800" dirty="0">
+                <a:solidFill>
+                  <a:srgbClr val="1A3B5B"/>
+                </a:solidFill>
+              </a:rPr>
+              <a:t>5 other languages: 17.7 million — Android TTS</a:t>
+            </a:r>
+            <a:endParaRPr lang="en-US" sz="1800" b="0" i="0" dirty="0">
+              <a:solidFill>
+                <a:srgbClr val="1A3B5B"/>
+              </a:solidFill>
+              <a:effectLst/>
+            </a:endParaRPr>
           </a:p>
         </p:txBody>
       </p:sp>
@@ -10889,7 +11531,7 @@
       </p:sp>
       <p:pic>
         <p:nvPicPr>
-          <p:cNvPr id="3" name="de-mismatch">
+          <p:cNvPr id="3" name="de-mismatch" descr="Play German TTS with English text">
             <a:hlinkClick r:id="" action="ppaction://media"/>
             <a:extLst>
               <a:ext uri="{FF2B5EF4-FFF2-40B4-BE49-F238E27FC236}">
@@ -10925,6 +11567,55 @@
           </a:prstGeom>
         </p:spPr>
       </p:pic>
+      <p:sp>
+        <p:nvSpPr>
+          <p:cNvPr id="4" name="TextBox 3">
+            <a:extLst>
+              <a:ext uri="{FF2B5EF4-FFF2-40B4-BE49-F238E27FC236}">
+                <a16:creationId xmlns:a16="http://schemas.microsoft.com/office/drawing/2014/main" id="{694AA408-59A2-680B-06CB-B6C77688050C}"/>
+              </a:ext>
+            </a:extLst>
+          </p:cNvPr>
+          <p:cNvSpPr txBox="1"/>
+          <p:nvPr/>
+        </p:nvSpPr>
+        <p:spPr>
+          <a:xfrm>
+            <a:off x="1097772" y="6370689"/>
+            <a:ext cx="7352892" cy="276999"/>
+          </a:xfrm>
+          <a:prstGeom prst="rect">
+            <a:avLst/>
+          </a:prstGeom>
+          <a:noFill/>
+        </p:spPr>
+        <p:txBody>
+          <a:bodyPr wrap="square">
+            <a:spAutoFit/>
+          </a:bodyPr>
+          <a:lstStyle/>
+          <a:p>
+            <a:r>
+              <a:rPr lang="en-US" sz="1200" dirty="0">
+                <a:solidFill>
+                  <a:schemeClr val="accent1">
+                    <a:lumMod val="25000"/>
+                  </a:schemeClr>
+                </a:solidFill>
+                <a:latin typeface="Arial" panose="020B0604020202020204" pitchFamily="34" charset="0"/>
+              </a:rPr>
+              <a:t>This audio is mostly unintelligible. The next slide has a clearer version of the same text.</a:t>
+            </a:r>
+            <a:endParaRPr lang="en-US" sz="1200" dirty="0">
+              <a:solidFill>
+                <a:schemeClr val="accent1">
+                  <a:lumMod val="25000"/>
+                </a:schemeClr>
+              </a:solidFill>
+            </a:endParaRPr>
+          </a:p>
+        </p:txBody>
+      </p:sp>
     </p:spTree>
     <p:extLst>
       <p:ext uri="{BB962C8B-B14F-4D97-AF65-F5344CB8AC3E}">
@@ -11082,7 +11773,7 @@
       </p:sp>
       <p:pic>
         <p:nvPicPr>
-          <p:cNvPr id="4" name="en">
+          <p:cNvPr id="4" name="en" descr="Play English TTS with English text">
             <a:hlinkClick r:id="" action="ppaction://media"/>
             <a:extLst>
               <a:ext uri="{FF2B5EF4-FFF2-40B4-BE49-F238E27FC236}">
@@ -11360,14 +12051,14 @@
         </p:spPr>
         <p:txBody>
           <a:bodyPr>
-            <a:normAutofit fontScale="90000"/>
+            <a:normAutofit/>
           </a:bodyPr>
           <a:lstStyle/>
           <a:p>
             <a:pPr algn="ctr"/>
             <a:r>
               <a:rPr lang="en-US" dirty="0"/>
-              <a:t>How do these problems affect people?</a:t>
+              <a:t>How does the TTS gap affect people?</a:t>
             </a:r>
           </a:p>
         </p:txBody>
@@ -11393,6 +12084,107 @@
         <p:cNvPr id="1" name="">
           <a:extLst>
             <a:ext uri="{FF2B5EF4-FFF2-40B4-BE49-F238E27FC236}">
+              <a16:creationId xmlns:a16="http://schemas.microsoft.com/office/drawing/2014/main" id="{70A6BB41-202E-5EBC-122B-357A36A753BE}"/>
+            </a:ext>
+          </a:extLst>
+        </p:cNvPr>
+        <p:cNvGrpSpPr/>
+        <p:nvPr/>
+      </p:nvGrpSpPr>
+      <p:grpSpPr>
+        <a:xfrm>
+          <a:off x="0" y="0"/>
+          <a:ext cx="0" cy="0"/>
+          <a:chOff x="0" y="0"/>
+          <a:chExt cx="0" cy="0"/>
+        </a:xfrm>
+      </p:grpSpPr>
+      <p:sp>
+        <p:nvSpPr>
+          <p:cNvPr id="2" name="Title 1">
+            <a:extLst>
+              <a:ext uri="{FF2B5EF4-FFF2-40B4-BE49-F238E27FC236}">
+                <a16:creationId xmlns:a16="http://schemas.microsoft.com/office/drawing/2014/main" id="{792B1302-51AE-0B64-EB92-477F205AB4E6}"/>
+              </a:ext>
+            </a:extLst>
+          </p:cNvPr>
+          <p:cNvSpPr>
+            <a:spLocks noGrp="1"/>
+          </p:cNvSpPr>
+          <p:nvPr>
+            <p:ph type="title"/>
+          </p:nvPr>
+        </p:nvSpPr>
+        <p:spPr>
+          <a:xfrm>
+            <a:off x="1173479" y="-712228"/>
+            <a:ext cx="9845042" cy="712227"/>
+          </a:xfrm>
+        </p:spPr>
+        <p:txBody>
+          <a:bodyPr anchor="t">
+            <a:normAutofit/>
+          </a:bodyPr>
+          <a:lstStyle/>
+          <a:p>
+            <a:r>
+              <a:rPr lang="en-US" dirty="0"/>
+              <a:t>A demo page in Urdu</a:t>
+            </a:r>
+          </a:p>
+        </p:txBody>
+      </p:sp>
+      <p:pic>
+        <p:nvPicPr>
+          <p:cNvPr id="9" name="Picture 8" descr="&quot;Location and Language&quot; switcher; sections and a table in Urdu right-to-left script">
+            <a:extLst>
+              <a:ext uri="{FF2B5EF4-FFF2-40B4-BE49-F238E27FC236}">
+                <a16:creationId xmlns:a16="http://schemas.microsoft.com/office/drawing/2014/main" id="{05DA9B91-4863-F941-C8C2-0831E83BB0DA}"/>
+              </a:ext>
+            </a:extLst>
+          </p:cNvPr>
+          <p:cNvPicPr>
+            <a:picLocks noChangeAspect="1"/>
+          </p:cNvPicPr>
+          <p:nvPr/>
+        </p:nvPicPr>
+        <p:blipFill>
+          <a:blip r:embed="rId3"/>
+          <a:stretch>
+            <a:fillRect/>
+          </a:stretch>
+        </p:blipFill>
+        <p:spPr>
+          <a:xfrm>
+            <a:off x="2626235" y="380736"/>
+            <a:ext cx="7361558" cy="6096528"/>
+          </a:xfrm>
+          <a:prstGeom prst="rect">
+            <a:avLst/>
+          </a:prstGeom>
+        </p:spPr>
+      </p:pic>
+    </p:spTree>
+    <p:extLst>
+      <p:ext uri="{BB962C8B-B14F-4D97-AF65-F5344CB8AC3E}">
+        <p14:creationId xmlns:p14="http://schemas.microsoft.com/office/powerpoint/2010/main" val="545680260"/>
+      </p:ext>
+    </p:extLst>
+  </p:cSld>
+  <p:clrMapOvr>
+    <a:masterClrMapping/>
+  </p:clrMapOvr>
+</p:sld>
+</file>
+
+<file path=ppt/slides/slide15.xml><?xml version="1.0" encoding="utf-8"?>
+<p:sld xmlns:a="http://schemas.openxmlformats.org/drawingml/2006/main" xmlns:r="http://schemas.openxmlformats.org/officeDocument/2006/relationships" xmlns:p="http://schemas.openxmlformats.org/presentationml/2006/main">
+  <p:cSld>
+    <p:spTree>
+      <p:nvGrpSpPr>
+        <p:cNvPr id="1" name="">
+          <a:extLst>
+            <a:ext uri="{FF2B5EF4-FFF2-40B4-BE49-F238E27FC236}">
               <a16:creationId xmlns:a16="http://schemas.microsoft.com/office/drawing/2014/main" id="{342E051F-B41B-D326-2548-65FC17EEF333}"/>
             </a:ext>
           </a:extLst>
@@ -11408,6 +12200,41 @@
           <a:chExt cx="0" cy="0"/>
         </a:xfrm>
       </p:grpSpPr>
+      <p:sp>
+        <p:nvSpPr>
+          <p:cNvPr id="2" name="Title 1">
+            <a:extLst>
+              <a:ext uri="{FF2B5EF4-FFF2-40B4-BE49-F238E27FC236}">
+                <a16:creationId xmlns:a16="http://schemas.microsoft.com/office/drawing/2014/main" id="{4203199B-654B-A7CD-0DA9-64F1FEF7C8A4}"/>
+              </a:ext>
+            </a:extLst>
+          </p:cNvPr>
+          <p:cNvSpPr>
+            <a:spLocks noGrp="1"/>
+          </p:cNvSpPr>
+          <p:nvPr>
+            <p:ph type="title"/>
+          </p:nvPr>
+        </p:nvSpPr>
+        <p:spPr>
+          <a:xfrm>
+            <a:off x="503447" y="209677"/>
+            <a:ext cx="11059287" cy="877239"/>
+          </a:xfrm>
+        </p:spPr>
+        <p:txBody>
+          <a:bodyPr>
+            <a:normAutofit/>
+          </a:bodyPr>
+          <a:lstStyle/>
+          <a:p>
+            <a:r>
+              <a:rPr lang="en-US" dirty="0"/>
+              <a:t>Participant: Spanish and English</a:t>
+            </a:r>
+          </a:p>
+        </p:txBody>
+      </p:sp>
       <p:sp>
         <p:nvSpPr>
           <p:cNvPr id="5" name="Content Placeholder 2">
@@ -11455,7 +12282,7 @@
                   <a:srgbClr val="1A3B5B"/>
                 </a:solidFill>
               </a:rPr>
-              <a:t>Daniel, L1 Spanish, works in English, blind</a:t>
+              <a:t>Hector (name changed), L1 Spanish, works in English, blind</a:t>
             </a:r>
           </a:p>
           <a:p>
@@ -11478,7 +12305,7 @@
                   <a:srgbClr val="1A3B5B"/>
                 </a:solidFill>
               </a:rPr>
-              <a:t>Daniel uses multiple screen readers. For our interview he used NVDA with speech and braille. Windows UI and NVDA UI are set to English.</a:t>
+              <a:t>Hector uses multiple screen readers. For our interview he used NVDA with speech and braille. Windows UI and NVDA UI are set to English.</a:t>
             </a:r>
           </a:p>
           <a:p>
@@ -11616,42 +12443,30 @@
                   <a:srgbClr val="1A3B5B"/>
                 </a:solidFill>
               </a:rPr>
-              <a:t>Coping strategies. Daniel first learned English braille with the wrong braille table. He can handle hearing English role names like “table” and “heading” mispronounced as Spanish, especially when combined with braille.</a:t>
-            </a:r>
-          </a:p>
-        </p:txBody>
-      </p:sp>
-      <p:sp>
-        <p:nvSpPr>
-          <p:cNvPr id="2" name="Title 1">
-            <a:extLst>
-              <a:ext uri="{FF2B5EF4-FFF2-40B4-BE49-F238E27FC236}">
-                <a16:creationId xmlns:a16="http://schemas.microsoft.com/office/drawing/2014/main" id="{4203199B-654B-A7CD-0DA9-64F1FEF7C8A4}"/>
-              </a:ext>
-            </a:extLst>
-          </p:cNvPr>
-          <p:cNvSpPr>
-            <a:spLocks noGrp="1"/>
-          </p:cNvSpPr>
-          <p:nvPr>
-            <p:ph type="title"/>
-          </p:nvPr>
-        </p:nvSpPr>
-        <p:spPr>
-          <a:xfrm>
-            <a:off x="503447" y="209677"/>
-            <a:ext cx="11059287" cy="877239"/>
-          </a:xfrm>
-        </p:spPr>
-        <p:txBody>
-          <a:bodyPr>
-            <a:normAutofit/>
-          </a:bodyPr>
-          <a:lstStyle/>
-          <a:p>
-            <a:r>
-              <a:rPr lang="en-US" dirty="0"/>
-              <a:t>Participant: Spanish and English</a:t>
+              <a:t>Coping strategies. He can handle hearing English role names like “table” and “heading” mispronounced as Spanish, especially when combined with braille.</a:t>
+            </a:r>
+          </a:p>
+          <a:p>
+            <a:pPr marL="651510" lvl="1" indent="-285750" fontAlgn="base">
+              <a:spcBef>
+                <a:spcPts val="600"/>
+              </a:spcBef>
+              <a:spcAft>
+                <a:spcPts val="600"/>
+              </a:spcAft>
+              <a:buClr>
+                <a:srgbClr val="1A3B5B"/>
+              </a:buClr>
+              <a:buFont typeface="Wingdings" pitchFamily="2" charset="2"/>
+              <a:buChar char="§"/>
+            </a:pPr>
+            <a:r>
+              <a:rPr lang="en-US" sz="1400" dirty="0">
+                <a:solidFill>
+                  <a:srgbClr val="1A3B5B"/>
+                </a:solidFill>
+              </a:rPr>
+              <a:t>Hector first learned English braille with the wrong braille table.</a:t>
             </a:r>
           </a:p>
         </p:txBody>
@@ -11666,10 +12481,535 @@
   <p:clrMapOvr>
     <a:masterClrMapping/>
   </p:clrMapOvr>
+  <p:timing>
+    <p:tnLst>
+      <p:par>
+        <p:cTn id="1" dur="indefinite" restart="never" nodeType="tmRoot">
+          <p:childTnLst>
+            <p:seq concurrent="1" nextAc="seek">
+              <p:cTn id="2" dur="indefinite" nodeType="mainSeq">
+                <p:childTnLst>
+                  <p:par>
+                    <p:cTn id="3" fill="hold">
+                      <p:stCondLst>
+                        <p:cond delay="indefinite"/>
+                      </p:stCondLst>
+                      <p:childTnLst>
+                        <p:par>
+                          <p:cTn id="4" fill="hold">
+                            <p:stCondLst>
+                              <p:cond delay="0"/>
+                            </p:stCondLst>
+                            <p:childTnLst>
+                              <p:par>
+                                <p:cTn id="5" presetID="10" presetClass="entr" presetSubtype="0" fill="hold" nodeType="clickEffect">
+                                  <p:stCondLst>
+                                    <p:cond delay="0"/>
+                                  </p:stCondLst>
+                                  <p:childTnLst>
+                                    <p:set>
+                                      <p:cBhvr>
+                                        <p:cTn id="6" dur="1" fill="hold">
+                                          <p:stCondLst>
+                                            <p:cond delay="0"/>
+                                          </p:stCondLst>
+                                        </p:cTn>
+                                        <p:tgtEl>
+                                          <p:spTgt spid="5">
+                                            <p:txEl>
+                                              <p:pRg st="0" end="0"/>
+                                            </p:txEl>
+                                          </p:spTgt>
+                                        </p:tgtEl>
+                                        <p:attrNameLst>
+                                          <p:attrName>style.visibility</p:attrName>
+                                        </p:attrNameLst>
+                                      </p:cBhvr>
+                                      <p:to>
+                                        <p:strVal val="visible"/>
+                                      </p:to>
+                                    </p:set>
+                                    <p:animEffect transition="in" filter="fade">
+                                      <p:cBhvr>
+                                        <p:cTn id="7" dur="500"/>
+                                        <p:tgtEl>
+                                          <p:spTgt spid="5">
+                                            <p:txEl>
+                                              <p:pRg st="0" end="0"/>
+                                            </p:txEl>
+                                          </p:spTgt>
+                                        </p:tgtEl>
+                                      </p:cBhvr>
+                                    </p:animEffect>
+                                  </p:childTnLst>
+                                </p:cTn>
+                              </p:par>
+                            </p:childTnLst>
+                          </p:cTn>
+                        </p:par>
+                        <p:par>
+                          <p:cTn id="8" fill="hold">
+                            <p:stCondLst>
+                              <p:cond delay="500"/>
+                            </p:stCondLst>
+                            <p:childTnLst>
+                              <p:par>
+                                <p:cTn id="9" presetID="10" presetClass="entr" presetSubtype="0" fill="hold" nodeType="afterEffect">
+                                  <p:stCondLst>
+                                    <p:cond delay="0"/>
+                                  </p:stCondLst>
+                                  <p:childTnLst>
+                                    <p:set>
+                                      <p:cBhvr>
+                                        <p:cTn id="10" dur="1" fill="hold">
+                                          <p:stCondLst>
+                                            <p:cond delay="0"/>
+                                          </p:stCondLst>
+                                        </p:cTn>
+                                        <p:tgtEl>
+                                          <p:spTgt spid="5">
+                                            <p:txEl>
+                                              <p:pRg st="1" end="1"/>
+                                            </p:txEl>
+                                          </p:spTgt>
+                                        </p:tgtEl>
+                                        <p:attrNameLst>
+                                          <p:attrName>style.visibility</p:attrName>
+                                        </p:attrNameLst>
+                                      </p:cBhvr>
+                                      <p:to>
+                                        <p:strVal val="visible"/>
+                                      </p:to>
+                                    </p:set>
+                                    <p:animEffect transition="in" filter="fade">
+                                      <p:cBhvr>
+                                        <p:cTn id="11" dur="500"/>
+                                        <p:tgtEl>
+                                          <p:spTgt spid="5">
+                                            <p:txEl>
+                                              <p:pRg st="1" end="1"/>
+                                            </p:txEl>
+                                          </p:spTgt>
+                                        </p:tgtEl>
+                                      </p:cBhvr>
+                                    </p:animEffect>
+                                  </p:childTnLst>
+                                </p:cTn>
+                              </p:par>
+                            </p:childTnLst>
+                          </p:cTn>
+                        </p:par>
+                      </p:childTnLst>
+                    </p:cTn>
+                  </p:par>
+                  <p:par>
+                    <p:cTn id="12" fill="hold">
+                      <p:stCondLst>
+                        <p:cond delay="indefinite"/>
+                      </p:stCondLst>
+                      <p:childTnLst>
+                        <p:par>
+                          <p:cTn id="13" fill="hold">
+                            <p:stCondLst>
+                              <p:cond delay="0"/>
+                            </p:stCondLst>
+                            <p:childTnLst>
+                              <p:par>
+                                <p:cTn id="14" presetID="10" presetClass="entr" presetSubtype="0" fill="hold" nodeType="clickEffect">
+                                  <p:stCondLst>
+                                    <p:cond delay="0"/>
+                                  </p:stCondLst>
+                                  <p:childTnLst>
+                                    <p:set>
+                                      <p:cBhvr>
+                                        <p:cTn id="15" dur="1" fill="hold">
+                                          <p:stCondLst>
+                                            <p:cond delay="0"/>
+                                          </p:stCondLst>
+                                        </p:cTn>
+                                        <p:tgtEl>
+                                          <p:spTgt spid="5">
+                                            <p:txEl>
+                                              <p:pRg st="2" end="2"/>
+                                            </p:txEl>
+                                          </p:spTgt>
+                                        </p:tgtEl>
+                                        <p:attrNameLst>
+                                          <p:attrName>style.visibility</p:attrName>
+                                        </p:attrNameLst>
+                                      </p:cBhvr>
+                                      <p:to>
+                                        <p:strVal val="visible"/>
+                                      </p:to>
+                                    </p:set>
+                                    <p:animEffect transition="in" filter="fade">
+                                      <p:cBhvr>
+                                        <p:cTn id="16" dur="500"/>
+                                        <p:tgtEl>
+                                          <p:spTgt spid="5">
+                                            <p:txEl>
+                                              <p:pRg st="2" end="2"/>
+                                            </p:txEl>
+                                          </p:spTgt>
+                                        </p:tgtEl>
+                                      </p:cBhvr>
+                                    </p:animEffect>
+                                  </p:childTnLst>
+                                </p:cTn>
+                              </p:par>
+                            </p:childTnLst>
+                          </p:cTn>
+                        </p:par>
+                        <p:par>
+                          <p:cTn id="17" fill="hold">
+                            <p:stCondLst>
+                              <p:cond delay="500"/>
+                            </p:stCondLst>
+                            <p:childTnLst>
+                              <p:par>
+                                <p:cTn id="18" presetID="10" presetClass="entr" presetSubtype="0" fill="hold" nodeType="afterEffect">
+                                  <p:stCondLst>
+                                    <p:cond delay="0"/>
+                                  </p:stCondLst>
+                                  <p:childTnLst>
+                                    <p:set>
+                                      <p:cBhvr>
+                                        <p:cTn id="19" dur="1" fill="hold">
+                                          <p:stCondLst>
+                                            <p:cond delay="0"/>
+                                          </p:stCondLst>
+                                        </p:cTn>
+                                        <p:tgtEl>
+                                          <p:spTgt spid="5">
+                                            <p:txEl>
+                                              <p:pRg st="3" end="3"/>
+                                            </p:txEl>
+                                          </p:spTgt>
+                                        </p:tgtEl>
+                                        <p:attrNameLst>
+                                          <p:attrName>style.visibility</p:attrName>
+                                        </p:attrNameLst>
+                                      </p:cBhvr>
+                                      <p:to>
+                                        <p:strVal val="visible"/>
+                                      </p:to>
+                                    </p:set>
+                                    <p:animEffect transition="in" filter="fade">
+                                      <p:cBhvr>
+                                        <p:cTn id="20" dur="500"/>
+                                        <p:tgtEl>
+                                          <p:spTgt spid="5">
+                                            <p:txEl>
+                                              <p:pRg st="3" end="3"/>
+                                            </p:txEl>
+                                          </p:spTgt>
+                                        </p:tgtEl>
+                                      </p:cBhvr>
+                                    </p:animEffect>
+                                  </p:childTnLst>
+                                </p:cTn>
+                              </p:par>
+                            </p:childTnLst>
+                          </p:cTn>
+                        </p:par>
+                        <p:par>
+                          <p:cTn id="21" fill="hold">
+                            <p:stCondLst>
+                              <p:cond delay="1000"/>
+                            </p:stCondLst>
+                            <p:childTnLst>
+                              <p:par>
+                                <p:cTn id="22" presetID="10" presetClass="entr" presetSubtype="0" fill="hold" nodeType="afterEffect">
+                                  <p:stCondLst>
+                                    <p:cond delay="0"/>
+                                  </p:stCondLst>
+                                  <p:childTnLst>
+                                    <p:set>
+                                      <p:cBhvr>
+                                        <p:cTn id="23" dur="1" fill="hold">
+                                          <p:stCondLst>
+                                            <p:cond delay="0"/>
+                                          </p:stCondLst>
+                                        </p:cTn>
+                                        <p:tgtEl>
+                                          <p:spTgt spid="5">
+                                            <p:txEl>
+                                              <p:pRg st="4" end="4"/>
+                                            </p:txEl>
+                                          </p:spTgt>
+                                        </p:tgtEl>
+                                        <p:attrNameLst>
+                                          <p:attrName>style.visibility</p:attrName>
+                                        </p:attrNameLst>
+                                      </p:cBhvr>
+                                      <p:to>
+                                        <p:strVal val="visible"/>
+                                      </p:to>
+                                    </p:set>
+                                    <p:animEffect transition="in" filter="fade">
+                                      <p:cBhvr>
+                                        <p:cTn id="24" dur="500"/>
+                                        <p:tgtEl>
+                                          <p:spTgt spid="5">
+                                            <p:txEl>
+                                              <p:pRg st="4" end="4"/>
+                                            </p:txEl>
+                                          </p:spTgt>
+                                        </p:tgtEl>
+                                      </p:cBhvr>
+                                    </p:animEffect>
+                                  </p:childTnLst>
+                                </p:cTn>
+                              </p:par>
+                            </p:childTnLst>
+                          </p:cTn>
+                        </p:par>
+                      </p:childTnLst>
+                    </p:cTn>
+                  </p:par>
+                  <p:par>
+                    <p:cTn id="25" fill="hold">
+                      <p:stCondLst>
+                        <p:cond delay="indefinite"/>
+                      </p:stCondLst>
+                      <p:childTnLst>
+                        <p:par>
+                          <p:cTn id="26" fill="hold">
+                            <p:stCondLst>
+                              <p:cond delay="0"/>
+                            </p:stCondLst>
+                            <p:childTnLst>
+                              <p:par>
+                                <p:cTn id="27" presetID="10" presetClass="entr" presetSubtype="0" fill="hold" nodeType="clickEffect">
+                                  <p:stCondLst>
+                                    <p:cond delay="0"/>
+                                  </p:stCondLst>
+                                  <p:childTnLst>
+                                    <p:set>
+                                      <p:cBhvr>
+                                        <p:cTn id="28" dur="1" fill="hold">
+                                          <p:stCondLst>
+                                            <p:cond delay="0"/>
+                                          </p:stCondLst>
+                                        </p:cTn>
+                                        <p:tgtEl>
+                                          <p:spTgt spid="5">
+                                            <p:txEl>
+                                              <p:pRg st="5" end="5"/>
+                                            </p:txEl>
+                                          </p:spTgt>
+                                        </p:tgtEl>
+                                        <p:attrNameLst>
+                                          <p:attrName>style.visibility</p:attrName>
+                                        </p:attrNameLst>
+                                      </p:cBhvr>
+                                      <p:to>
+                                        <p:strVal val="visible"/>
+                                      </p:to>
+                                    </p:set>
+                                    <p:animEffect transition="in" filter="fade">
+                                      <p:cBhvr>
+                                        <p:cTn id="29" dur="500"/>
+                                        <p:tgtEl>
+                                          <p:spTgt spid="5">
+                                            <p:txEl>
+                                              <p:pRg st="5" end="5"/>
+                                            </p:txEl>
+                                          </p:spTgt>
+                                        </p:tgtEl>
+                                      </p:cBhvr>
+                                    </p:animEffect>
+                                  </p:childTnLst>
+                                </p:cTn>
+                              </p:par>
+                            </p:childTnLst>
+                          </p:cTn>
+                        </p:par>
+                        <p:par>
+                          <p:cTn id="30" fill="hold">
+                            <p:stCondLst>
+                              <p:cond delay="500"/>
+                            </p:stCondLst>
+                            <p:childTnLst>
+                              <p:par>
+                                <p:cTn id="31" presetID="10" presetClass="entr" presetSubtype="0" fill="hold" nodeType="afterEffect">
+                                  <p:stCondLst>
+                                    <p:cond delay="0"/>
+                                  </p:stCondLst>
+                                  <p:childTnLst>
+                                    <p:set>
+                                      <p:cBhvr>
+                                        <p:cTn id="32" dur="1" fill="hold">
+                                          <p:stCondLst>
+                                            <p:cond delay="0"/>
+                                          </p:stCondLst>
+                                        </p:cTn>
+                                        <p:tgtEl>
+                                          <p:spTgt spid="5">
+                                            <p:txEl>
+                                              <p:pRg st="6" end="6"/>
+                                            </p:txEl>
+                                          </p:spTgt>
+                                        </p:tgtEl>
+                                        <p:attrNameLst>
+                                          <p:attrName>style.visibility</p:attrName>
+                                        </p:attrNameLst>
+                                      </p:cBhvr>
+                                      <p:to>
+                                        <p:strVal val="visible"/>
+                                      </p:to>
+                                    </p:set>
+                                    <p:animEffect transition="in" filter="fade">
+                                      <p:cBhvr>
+                                        <p:cTn id="33" dur="500"/>
+                                        <p:tgtEl>
+                                          <p:spTgt spid="5">
+                                            <p:txEl>
+                                              <p:pRg st="6" end="6"/>
+                                            </p:txEl>
+                                          </p:spTgt>
+                                        </p:tgtEl>
+                                      </p:cBhvr>
+                                    </p:animEffect>
+                                  </p:childTnLst>
+                                </p:cTn>
+                              </p:par>
+                            </p:childTnLst>
+                          </p:cTn>
+                        </p:par>
+                        <p:par>
+                          <p:cTn id="34" fill="hold">
+                            <p:stCondLst>
+                              <p:cond delay="1000"/>
+                            </p:stCondLst>
+                            <p:childTnLst>
+                              <p:par>
+                                <p:cTn id="35" presetID="10" presetClass="entr" presetSubtype="0" fill="hold" nodeType="afterEffect">
+                                  <p:stCondLst>
+                                    <p:cond delay="0"/>
+                                  </p:stCondLst>
+                                  <p:childTnLst>
+                                    <p:set>
+                                      <p:cBhvr>
+                                        <p:cTn id="36" dur="1" fill="hold">
+                                          <p:stCondLst>
+                                            <p:cond delay="0"/>
+                                          </p:stCondLst>
+                                        </p:cTn>
+                                        <p:tgtEl>
+                                          <p:spTgt spid="5">
+                                            <p:txEl>
+                                              <p:pRg st="7" end="7"/>
+                                            </p:txEl>
+                                          </p:spTgt>
+                                        </p:tgtEl>
+                                        <p:attrNameLst>
+                                          <p:attrName>style.visibility</p:attrName>
+                                        </p:attrNameLst>
+                                      </p:cBhvr>
+                                      <p:to>
+                                        <p:strVal val="visible"/>
+                                      </p:to>
+                                    </p:set>
+                                    <p:animEffect transition="in" filter="fade">
+                                      <p:cBhvr>
+                                        <p:cTn id="37" dur="500"/>
+                                        <p:tgtEl>
+                                          <p:spTgt spid="5">
+                                            <p:txEl>
+                                              <p:pRg st="7" end="7"/>
+                                            </p:txEl>
+                                          </p:spTgt>
+                                        </p:tgtEl>
+                                      </p:cBhvr>
+                                    </p:animEffect>
+                                  </p:childTnLst>
+                                </p:cTn>
+                              </p:par>
+                            </p:childTnLst>
+                          </p:cTn>
+                        </p:par>
+                        <p:par>
+                          <p:cTn id="38" fill="hold">
+                            <p:stCondLst>
+                              <p:cond delay="1500"/>
+                            </p:stCondLst>
+                            <p:childTnLst>
+                              <p:par>
+                                <p:cTn id="39" presetID="10" presetClass="entr" presetSubtype="0" fill="hold" nodeType="afterEffect">
+                                  <p:stCondLst>
+                                    <p:cond delay="0"/>
+                                  </p:stCondLst>
+                                  <p:childTnLst>
+                                    <p:set>
+                                      <p:cBhvr>
+                                        <p:cTn id="40" dur="1" fill="hold">
+                                          <p:stCondLst>
+                                            <p:cond delay="0"/>
+                                          </p:stCondLst>
+                                        </p:cTn>
+                                        <p:tgtEl>
+                                          <p:spTgt spid="5">
+                                            <p:txEl>
+                                              <p:pRg st="8" end="8"/>
+                                            </p:txEl>
+                                          </p:spTgt>
+                                        </p:tgtEl>
+                                        <p:attrNameLst>
+                                          <p:attrName>style.visibility</p:attrName>
+                                        </p:attrNameLst>
+                                      </p:cBhvr>
+                                      <p:to>
+                                        <p:strVal val="visible"/>
+                                      </p:to>
+                                    </p:set>
+                                    <p:animEffect transition="in" filter="fade">
+                                      <p:cBhvr>
+                                        <p:cTn id="41" dur="500"/>
+                                        <p:tgtEl>
+                                          <p:spTgt spid="5">
+                                            <p:txEl>
+                                              <p:pRg st="8" end="8"/>
+                                            </p:txEl>
+                                          </p:spTgt>
+                                        </p:tgtEl>
+                                      </p:cBhvr>
+                                    </p:animEffect>
+                                  </p:childTnLst>
+                                </p:cTn>
+                              </p:par>
+                            </p:childTnLst>
+                          </p:cTn>
+                        </p:par>
+                      </p:childTnLst>
+                    </p:cTn>
+                  </p:par>
+                </p:childTnLst>
+              </p:cTn>
+              <p:prevCondLst>
+                <p:cond evt="onPrev" delay="0">
+                  <p:tgtEl>
+                    <p:sldTgt/>
+                  </p:tgtEl>
+                </p:cond>
+              </p:prevCondLst>
+              <p:nextCondLst>
+                <p:cond evt="onNext" delay="0">
+                  <p:tgtEl>
+                    <p:sldTgt/>
+                  </p:tgtEl>
+                </p:cond>
+              </p:nextCondLst>
+            </p:seq>
+          </p:childTnLst>
+        </p:cTn>
+      </p:par>
+    </p:tnLst>
+  </p:timing>
 </p:sld>
 </file>
 
-<file path=ppt/slides/slide15.xml><?xml version="1.0" encoding="utf-8"?>
+<file path=ppt/slides/slide16.xml><?xml version="1.0" encoding="utf-8"?>
 <p:sld xmlns:a="http://schemas.openxmlformats.org/drawingml/2006/main" xmlns:r="http://schemas.openxmlformats.org/officeDocument/2006/relationships" xmlns:p="http://schemas.openxmlformats.org/presentationml/2006/main">
   <p:cSld>
     <p:spTree>
@@ -11692,6 +13032,41 @@
           <a:chExt cx="0" cy="0"/>
         </a:xfrm>
       </p:grpSpPr>
+      <p:sp>
+        <p:nvSpPr>
+          <p:cNvPr id="2" name="Title 1">
+            <a:extLst>
+              <a:ext uri="{FF2B5EF4-FFF2-40B4-BE49-F238E27FC236}">
+                <a16:creationId xmlns:a16="http://schemas.microsoft.com/office/drawing/2014/main" id="{747EE741-293A-7E08-F664-926C7FE245DF}"/>
+              </a:ext>
+            </a:extLst>
+          </p:cNvPr>
+          <p:cNvSpPr>
+            <a:spLocks noGrp="1"/>
+          </p:cNvSpPr>
+          <p:nvPr>
+            <p:ph type="title"/>
+          </p:nvPr>
+        </p:nvSpPr>
+        <p:spPr>
+          <a:xfrm>
+            <a:off x="503447" y="209677"/>
+            <a:ext cx="11059287" cy="877239"/>
+          </a:xfrm>
+        </p:spPr>
+        <p:txBody>
+          <a:bodyPr>
+            <a:normAutofit/>
+          </a:bodyPr>
+          <a:lstStyle/>
+          <a:p>
+            <a:r>
+              <a:rPr lang="en-US" dirty="0"/>
+              <a:t>Participant: Italian, Calabrian, English</a:t>
+            </a:r>
+          </a:p>
+        </p:txBody>
+      </p:sp>
       <p:sp>
         <p:nvSpPr>
           <p:cNvPr id="5" name="Content Placeholder 2">
@@ -11944,41 +13319,6 @@
           </a:p>
         </p:txBody>
       </p:sp>
-      <p:sp>
-        <p:nvSpPr>
-          <p:cNvPr id="2" name="Title 1">
-            <a:extLst>
-              <a:ext uri="{FF2B5EF4-FFF2-40B4-BE49-F238E27FC236}">
-                <a16:creationId xmlns:a16="http://schemas.microsoft.com/office/drawing/2014/main" id="{747EE741-293A-7E08-F664-926C7FE245DF}"/>
-              </a:ext>
-            </a:extLst>
-          </p:cNvPr>
-          <p:cNvSpPr>
-            <a:spLocks noGrp="1"/>
-          </p:cNvSpPr>
-          <p:nvPr>
-            <p:ph type="title"/>
-          </p:nvPr>
-        </p:nvSpPr>
-        <p:spPr>
-          <a:xfrm>
-            <a:off x="503447" y="209677"/>
-            <a:ext cx="11059287" cy="877239"/>
-          </a:xfrm>
-        </p:spPr>
-        <p:txBody>
-          <a:bodyPr>
-            <a:normAutofit/>
-          </a:bodyPr>
-          <a:lstStyle/>
-          <a:p>
-            <a:r>
-              <a:rPr lang="en-US" dirty="0"/>
-              <a:t>Participant: Italian, Calabrian, English</a:t>
-            </a:r>
-          </a:p>
-        </p:txBody>
-      </p:sp>
     </p:spTree>
     <p:extLst>
       <p:ext uri="{BB962C8B-B14F-4D97-AF65-F5344CB8AC3E}">
@@ -11989,10 +13329,535 @@
   <p:clrMapOvr>
     <a:masterClrMapping/>
   </p:clrMapOvr>
+  <p:timing>
+    <p:tnLst>
+      <p:par>
+        <p:cTn id="1" dur="indefinite" restart="never" nodeType="tmRoot">
+          <p:childTnLst>
+            <p:seq concurrent="1" nextAc="seek">
+              <p:cTn id="2" dur="indefinite" nodeType="mainSeq">
+                <p:childTnLst>
+                  <p:par>
+                    <p:cTn id="3" fill="hold">
+                      <p:stCondLst>
+                        <p:cond delay="indefinite"/>
+                      </p:stCondLst>
+                      <p:childTnLst>
+                        <p:par>
+                          <p:cTn id="4" fill="hold">
+                            <p:stCondLst>
+                              <p:cond delay="0"/>
+                            </p:stCondLst>
+                            <p:childTnLst>
+                              <p:par>
+                                <p:cTn id="5" presetID="10" presetClass="entr" presetSubtype="0" fill="hold" nodeType="clickEffect">
+                                  <p:stCondLst>
+                                    <p:cond delay="0"/>
+                                  </p:stCondLst>
+                                  <p:childTnLst>
+                                    <p:set>
+                                      <p:cBhvr>
+                                        <p:cTn id="6" dur="1" fill="hold">
+                                          <p:stCondLst>
+                                            <p:cond delay="0"/>
+                                          </p:stCondLst>
+                                        </p:cTn>
+                                        <p:tgtEl>
+                                          <p:spTgt spid="5">
+                                            <p:txEl>
+                                              <p:pRg st="0" end="0"/>
+                                            </p:txEl>
+                                          </p:spTgt>
+                                        </p:tgtEl>
+                                        <p:attrNameLst>
+                                          <p:attrName>style.visibility</p:attrName>
+                                        </p:attrNameLst>
+                                      </p:cBhvr>
+                                      <p:to>
+                                        <p:strVal val="visible"/>
+                                      </p:to>
+                                    </p:set>
+                                    <p:animEffect transition="in" filter="fade">
+                                      <p:cBhvr>
+                                        <p:cTn id="7" dur="500"/>
+                                        <p:tgtEl>
+                                          <p:spTgt spid="5">
+                                            <p:txEl>
+                                              <p:pRg st="0" end="0"/>
+                                            </p:txEl>
+                                          </p:spTgt>
+                                        </p:tgtEl>
+                                      </p:cBhvr>
+                                    </p:animEffect>
+                                  </p:childTnLst>
+                                </p:cTn>
+                              </p:par>
+                            </p:childTnLst>
+                          </p:cTn>
+                        </p:par>
+                        <p:par>
+                          <p:cTn id="8" fill="hold">
+                            <p:stCondLst>
+                              <p:cond delay="500"/>
+                            </p:stCondLst>
+                            <p:childTnLst>
+                              <p:par>
+                                <p:cTn id="9" presetID="10" presetClass="entr" presetSubtype="0" fill="hold" nodeType="afterEffect">
+                                  <p:stCondLst>
+                                    <p:cond delay="0"/>
+                                  </p:stCondLst>
+                                  <p:childTnLst>
+                                    <p:set>
+                                      <p:cBhvr>
+                                        <p:cTn id="10" dur="1" fill="hold">
+                                          <p:stCondLst>
+                                            <p:cond delay="0"/>
+                                          </p:stCondLst>
+                                        </p:cTn>
+                                        <p:tgtEl>
+                                          <p:spTgt spid="5">
+                                            <p:txEl>
+                                              <p:pRg st="1" end="1"/>
+                                            </p:txEl>
+                                          </p:spTgt>
+                                        </p:tgtEl>
+                                        <p:attrNameLst>
+                                          <p:attrName>style.visibility</p:attrName>
+                                        </p:attrNameLst>
+                                      </p:cBhvr>
+                                      <p:to>
+                                        <p:strVal val="visible"/>
+                                      </p:to>
+                                    </p:set>
+                                    <p:animEffect transition="in" filter="fade">
+                                      <p:cBhvr>
+                                        <p:cTn id="11" dur="500"/>
+                                        <p:tgtEl>
+                                          <p:spTgt spid="5">
+                                            <p:txEl>
+                                              <p:pRg st="1" end="1"/>
+                                            </p:txEl>
+                                          </p:spTgt>
+                                        </p:tgtEl>
+                                      </p:cBhvr>
+                                    </p:animEffect>
+                                  </p:childTnLst>
+                                </p:cTn>
+                              </p:par>
+                            </p:childTnLst>
+                          </p:cTn>
+                        </p:par>
+                      </p:childTnLst>
+                    </p:cTn>
+                  </p:par>
+                  <p:par>
+                    <p:cTn id="12" fill="hold">
+                      <p:stCondLst>
+                        <p:cond delay="indefinite"/>
+                      </p:stCondLst>
+                      <p:childTnLst>
+                        <p:par>
+                          <p:cTn id="13" fill="hold">
+                            <p:stCondLst>
+                              <p:cond delay="0"/>
+                            </p:stCondLst>
+                            <p:childTnLst>
+                              <p:par>
+                                <p:cTn id="14" presetID="10" presetClass="entr" presetSubtype="0" fill="hold" nodeType="clickEffect">
+                                  <p:stCondLst>
+                                    <p:cond delay="0"/>
+                                  </p:stCondLst>
+                                  <p:childTnLst>
+                                    <p:set>
+                                      <p:cBhvr>
+                                        <p:cTn id="15" dur="1" fill="hold">
+                                          <p:stCondLst>
+                                            <p:cond delay="0"/>
+                                          </p:stCondLst>
+                                        </p:cTn>
+                                        <p:tgtEl>
+                                          <p:spTgt spid="5">
+                                            <p:txEl>
+                                              <p:pRg st="2" end="2"/>
+                                            </p:txEl>
+                                          </p:spTgt>
+                                        </p:tgtEl>
+                                        <p:attrNameLst>
+                                          <p:attrName>style.visibility</p:attrName>
+                                        </p:attrNameLst>
+                                      </p:cBhvr>
+                                      <p:to>
+                                        <p:strVal val="visible"/>
+                                      </p:to>
+                                    </p:set>
+                                    <p:animEffect transition="in" filter="fade">
+                                      <p:cBhvr>
+                                        <p:cTn id="16" dur="500"/>
+                                        <p:tgtEl>
+                                          <p:spTgt spid="5">
+                                            <p:txEl>
+                                              <p:pRg st="2" end="2"/>
+                                            </p:txEl>
+                                          </p:spTgt>
+                                        </p:tgtEl>
+                                      </p:cBhvr>
+                                    </p:animEffect>
+                                  </p:childTnLst>
+                                </p:cTn>
+                              </p:par>
+                            </p:childTnLst>
+                          </p:cTn>
+                        </p:par>
+                        <p:par>
+                          <p:cTn id="17" fill="hold">
+                            <p:stCondLst>
+                              <p:cond delay="500"/>
+                            </p:stCondLst>
+                            <p:childTnLst>
+                              <p:par>
+                                <p:cTn id="18" presetID="10" presetClass="entr" presetSubtype="0" fill="hold" nodeType="afterEffect">
+                                  <p:stCondLst>
+                                    <p:cond delay="0"/>
+                                  </p:stCondLst>
+                                  <p:childTnLst>
+                                    <p:set>
+                                      <p:cBhvr>
+                                        <p:cTn id="19" dur="1" fill="hold">
+                                          <p:stCondLst>
+                                            <p:cond delay="0"/>
+                                          </p:stCondLst>
+                                        </p:cTn>
+                                        <p:tgtEl>
+                                          <p:spTgt spid="5">
+                                            <p:txEl>
+                                              <p:pRg st="3" end="3"/>
+                                            </p:txEl>
+                                          </p:spTgt>
+                                        </p:tgtEl>
+                                        <p:attrNameLst>
+                                          <p:attrName>style.visibility</p:attrName>
+                                        </p:attrNameLst>
+                                      </p:cBhvr>
+                                      <p:to>
+                                        <p:strVal val="visible"/>
+                                      </p:to>
+                                    </p:set>
+                                    <p:animEffect transition="in" filter="fade">
+                                      <p:cBhvr>
+                                        <p:cTn id="20" dur="500"/>
+                                        <p:tgtEl>
+                                          <p:spTgt spid="5">
+                                            <p:txEl>
+                                              <p:pRg st="3" end="3"/>
+                                            </p:txEl>
+                                          </p:spTgt>
+                                        </p:tgtEl>
+                                      </p:cBhvr>
+                                    </p:animEffect>
+                                  </p:childTnLst>
+                                </p:cTn>
+                              </p:par>
+                            </p:childTnLst>
+                          </p:cTn>
+                        </p:par>
+                        <p:par>
+                          <p:cTn id="21" fill="hold">
+                            <p:stCondLst>
+                              <p:cond delay="1000"/>
+                            </p:stCondLst>
+                            <p:childTnLst>
+                              <p:par>
+                                <p:cTn id="22" presetID="10" presetClass="entr" presetSubtype="0" fill="hold" nodeType="afterEffect">
+                                  <p:stCondLst>
+                                    <p:cond delay="0"/>
+                                  </p:stCondLst>
+                                  <p:childTnLst>
+                                    <p:set>
+                                      <p:cBhvr>
+                                        <p:cTn id="23" dur="1" fill="hold">
+                                          <p:stCondLst>
+                                            <p:cond delay="0"/>
+                                          </p:stCondLst>
+                                        </p:cTn>
+                                        <p:tgtEl>
+                                          <p:spTgt spid="5">
+                                            <p:txEl>
+                                              <p:pRg st="4" end="4"/>
+                                            </p:txEl>
+                                          </p:spTgt>
+                                        </p:tgtEl>
+                                        <p:attrNameLst>
+                                          <p:attrName>style.visibility</p:attrName>
+                                        </p:attrNameLst>
+                                      </p:cBhvr>
+                                      <p:to>
+                                        <p:strVal val="visible"/>
+                                      </p:to>
+                                    </p:set>
+                                    <p:animEffect transition="in" filter="fade">
+                                      <p:cBhvr>
+                                        <p:cTn id="24" dur="500"/>
+                                        <p:tgtEl>
+                                          <p:spTgt spid="5">
+                                            <p:txEl>
+                                              <p:pRg st="4" end="4"/>
+                                            </p:txEl>
+                                          </p:spTgt>
+                                        </p:tgtEl>
+                                      </p:cBhvr>
+                                    </p:animEffect>
+                                  </p:childTnLst>
+                                </p:cTn>
+                              </p:par>
+                            </p:childTnLst>
+                          </p:cTn>
+                        </p:par>
+                      </p:childTnLst>
+                    </p:cTn>
+                  </p:par>
+                  <p:par>
+                    <p:cTn id="25" fill="hold">
+                      <p:stCondLst>
+                        <p:cond delay="indefinite"/>
+                      </p:stCondLst>
+                      <p:childTnLst>
+                        <p:par>
+                          <p:cTn id="26" fill="hold">
+                            <p:stCondLst>
+                              <p:cond delay="0"/>
+                            </p:stCondLst>
+                            <p:childTnLst>
+                              <p:par>
+                                <p:cTn id="27" presetID="10" presetClass="entr" presetSubtype="0" fill="hold" nodeType="clickEffect">
+                                  <p:stCondLst>
+                                    <p:cond delay="0"/>
+                                  </p:stCondLst>
+                                  <p:childTnLst>
+                                    <p:set>
+                                      <p:cBhvr>
+                                        <p:cTn id="28" dur="1" fill="hold">
+                                          <p:stCondLst>
+                                            <p:cond delay="0"/>
+                                          </p:stCondLst>
+                                        </p:cTn>
+                                        <p:tgtEl>
+                                          <p:spTgt spid="5">
+                                            <p:txEl>
+                                              <p:pRg st="5" end="5"/>
+                                            </p:txEl>
+                                          </p:spTgt>
+                                        </p:tgtEl>
+                                        <p:attrNameLst>
+                                          <p:attrName>style.visibility</p:attrName>
+                                        </p:attrNameLst>
+                                      </p:cBhvr>
+                                      <p:to>
+                                        <p:strVal val="visible"/>
+                                      </p:to>
+                                    </p:set>
+                                    <p:animEffect transition="in" filter="fade">
+                                      <p:cBhvr>
+                                        <p:cTn id="29" dur="500"/>
+                                        <p:tgtEl>
+                                          <p:spTgt spid="5">
+                                            <p:txEl>
+                                              <p:pRg st="5" end="5"/>
+                                            </p:txEl>
+                                          </p:spTgt>
+                                        </p:tgtEl>
+                                      </p:cBhvr>
+                                    </p:animEffect>
+                                  </p:childTnLst>
+                                </p:cTn>
+                              </p:par>
+                            </p:childTnLst>
+                          </p:cTn>
+                        </p:par>
+                        <p:par>
+                          <p:cTn id="30" fill="hold">
+                            <p:stCondLst>
+                              <p:cond delay="500"/>
+                            </p:stCondLst>
+                            <p:childTnLst>
+                              <p:par>
+                                <p:cTn id="31" presetID="10" presetClass="entr" presetSubtype="0" fill="hold" nodeType="afterEffect">
+                                  <p:stCondLst>
+                                    <p:cond delay="0"/>
+                                  </p:stCondLst>
+                                  <p:childTnLst>
+                                    <p:set>
+                                      <p:cBhvr>
+                                        <p:cTn id="32" dur="1" fill="hold">
+                                          <p:stCondLst>
+                                            <p:cond delay="0"/>
+                                          </p:stCondLst>
+                                        </p:cTn>
+                                        <p:tgtEl>
+                                          <p:spTgt spid="5">
+                                            <p:txEl>
+                                              <p:pRg st="6" end="6"/>
+                                            </p:txEl>
+                                          </p:spTgt>
+                                        </p:tgtEl>
+                                        <p:attrNameLst>
+                                          <p:attrName>style.visibility</p:attrName>
+                                        </p:attrNameLst>
+                                      </p:cBhvr>
+                                      <p:to>
+                                        <p:strVal val="visible"/>
+                                      </p:to>
+                                    </p:set>
+                                    <p:animEffect transition="in" filter="fade">
+                                      <p:cBhvr>
+                                        <p:cTn id="33" dur="500"/>
+                                        <p:tgtEl>
+                                          <p:spTgt spid="5">
+                                            <p:txEl>
+                                              <p:pRg st="6" end="6"/>
+                                            </p:txEl>
+                                          </p:spTgt>
+                                        </p:tgtEl>
+                                      </p:cBhvr>
+                                    </p:animEffect>
+                                  </p:childTnLst>
+                                </p:cTn>
+                              </p:par>
+                            </p:childTnLst>
+                          </p:cTn>
+                        </p:par>
+                        <p:par>
+                          <p:cTn id="34" fill="hold">
+                            <p:stCondLst>
+                              <p:cond delay="1000"/>
+                            </p:stCondLst>
+                            <p:childTnLst>
+                              <p:par>
+                                <p:cTn id="35" presetID="10" presetClass="entr" presetSubtype="0" fill="hold" nodeType="afterEffect">
+                                  <p:stCondLst>
+                                    <p:cond delay="0"/>
+                                  </p:stCondLst>
+                                  <p:childTnLst>
+                                    <p:set>
+                                      <p:cBhvr>
+                                        <p:cTn id="36" dur="1" fill="hold">
+                                          <p:stCondLst>
+                                            <p:cond delay="0"/>
+                                          </p:stCondLst>
+                                        </p:cTn>
+                                        <p:tgtEl>
+                                          <p:spTgt spid="5">
+                                            <p:txEl>
+                                              <p:pRg st="7" end="7"/>
+                                            </p:txEl>
+                                          </p:spTgt>
+                                        </p:tgtEl>
+                                        <p:attrNameLst>
+                                          <p:attrName>style.visibility</p:attrName>
+                                        </p:attrNameLst>
+                                      </p:cBhvr>
+                                      <p:to>
+                                        <p:strVal val="visible"/>
+                                      </p:to>
+                                    </p:set>
+                                    <p:animEffect transition="in" filter="fade">
+                                      <p:cBhvr>
+                                        <p:cTn id="37" dur="500"/>
+                                        <p:tgtEl>
+                                          <p:spTgt spid="5">
+                                            <p:txEl>
+                                              <p:pRg st="7" end="7"/>
+                                            </p:txEl>
+                                          </p:spTgt>
+                                        </p:tgtEl>
+                                      </p:cBhvr>
+                                    </p:animEffect>
+                                  </p:childTnLst>
+                                </p:cTn>
+                              </p:par>
+                            </p:childTnLst>
+                          </p:cTn>
+                        </p:par>
+                        <p:par>
+                          <p:cTn id="38" fill="hold">
+                            <p:stCondLst>
+                              <p:cond delay="1500"/>
+                            </p:stCondLst>
+                            <p:childTnLst>
+                              <p:par>
+                                <p:cTn id="39" presetID="10" presetClass="entr" presetSubtype="0" fill="hold" nodeType="afterEffect">
+                                  <p:stCondLst>
+                                    <p:cond delay="0"/>
+                                  </p:stCondLst>
+                                  <p:childTnLst>
+                                    <p:set>
+                                      <p:cBhvr>
+                                        <p:cTn id="40" dur="1" fill="hold">
+                                          <p:stCondLst>
+                                            <p:cond delay="0"/>
+                                          </p:stCondLst>
+                                        </p:cTn>
+                                        <p:tgtEl>
+                                          <p:spTgt spid="5">
+                                            <p:txEl>
+                                              <p:pRg st="8" end="8"/>
+                                            </p:txEl>
+                                          </p:spTgt>
+                                        </p:tgtEl>
+                                        <p:attrNameLst>
+                                          <p:attrName>style.visibility</p:attrName>
+                                        </p:attrNameLst>
+                                      </p:cBhvr>
+                                      <p:to>
+                                        <p:strVal val="visible"/>
+                                      </p:to>
+                                    </p:set>
+                                    <p:animEffect transition="in" filter="fade">
+                                      <p:cBhvr>
+                                        <p:cTn id="41" dur="500"/>
+                                        <p:tgtEl>
+                                          <p:spTgt spid="5">
+                                            <p:txEl>
+                                              <p:pRg st="8" end="8"/>
+                                            </p:txEl>
+                                          </p:spTgt>
+                                        </p:tgtEl>
+                                      </p:cBhvr>
+                                    </p:animEffect>
+                                  </p:childTnLst>
+                                </p:cTn>
+                              </p:par>
+                            </p:childTnLst>
+                          </p:cTn>
+                        </p:par>
+                      </p:childTnLst>
+                    </p:cTn>
+                  </p:par>
+                </p:childTnLst>
+              </p:cTn>
+              <p:prevCondLst>
+                <p:cond evt="onPrev" delay="0">
+                  <p:tgtEl>
+                    <p:sldTgt/>
+                  </p:tgtEl>
+                </p:cond>
+              </p:prevCondLst>
+              <p:nextCondLst>
+                <p:cond evt="onNext" delay="0">
+                  <p:tgtEl>
+                    <p:sldTgt/>
+                  </p:tgtEl>
+                </p:cond>
+              </p:nextCondLst>
+            </p:seq>
+          </p:childTnLst>
+        </p:cTn>
+      </p:par>
+    </p:tnLst>
+  </p:timing>
 </p:sld>
 </file>
 
-<file path=ppt/slides/slide16.xml><?xml version="1.0" encoding="utf-8"?>
+<file path=ppt/slides/slide17.xml><?xml version="1.0" encoding="utf-8"?>
 <p:sld xmlns:a="http://schemas.openxmlformats.org/drawingml/2006/main" xmlns:r="http://schemas.openxmlformats.org/officeDocument/2006/relationships" xmlns:p="http://schemas.openxmlformats.org/presentationml/2006/main">
   <p:cSld>
     <p:spTree>
@@ -12015,6 +13880,41 @@
           <a:chExt cx="0" cy="0"/>
         </a:xfrm>
       </p:grpSpPr>
+      <p:sp>
+        <p:nvSpPr>
+          <p:cNvPr id="2" name="Title 1">
+            <a:extLst>
+              <a:ext uri="{FF2B5EF4-FFF2-40B4-BE49-F238E27FC236}">
+                <a16:creationId xmlns:a16="http://schemas.microsoft.com/office/drawing/2014/main" id="{CD56257C-94D7-488A-1F37-D53D75A9D6E4}"/>
+              </a:ext>
+            </a:extLst>
+          </p:cNvPr>
+          <p:cNvSpPr>
+            <a:spLocks noGrp="1"/>
+          </p:cNvSpPr>
+          <p:nvPr>
+            <p:ph type="title"/>
+          </p:nvPr>
+        </p:nvSpPr>
+        <p:spPr>
+          <a:xfrm>
+            <a:off x="503447" y="209677"/>
+            <a:ext cx="11059287" cy="877239"/>
+          </a:xfrm>
+        </p:spPr>
+        <p:txBody>
+          <a:bodyPr>
+            <a:normAutofit/>
+          </a:bodyPr>
+          <a:lstStyle/>
+          <a:p>
+            <a:r>
+              <a:rPr lang="en-US" dirty="0"/>
+              <a:t>Participant: German, English, Polish</a:t>
+            </a:r>
+          </a:p>
+        </p:txBody>
+      </p:sp>
       <p:sp>
         <p:nvSpPr>
           <p:cNvPr id="5" name="Content Placeholder 2">
@@ -12205,41 +14105,6 @@
           </a:p>
         </p:txBody>
       </p:sp>
-      <p:sp>
-        <p:nvSpPr>
-          <p:cNvPr id="2" name="Title 1">
-            <a:extLst>
-              <a:ext uri="{FF2B5EF4-FFF2-40B4-BE49-F238E27FC236}">
-                <a16:creationId xmlns:a16="http://schemas.microsoft.com/office/drawing/2014/main" id="{CD56257C-94D7-488A-1F37-D53D75A9D6E4}"/>
-              </a:ext>
-            </a:extLst>
-          </p:cNvPr>
-          <p:cNvSpPr>
-            <a:spLocks noGrp="1"/>
-          </p:cNvSpPr>
-          <p:nvPr>
-            <p:ph type="title"/>
-          </p:nvPr>
-        </p:nvSpPr>
-        <p:spPr>
-          <a:xfrm>
-            <a:off x="503447" y="209677"/>
-            <a:ext cx="11059287" cy="877239"/>
-          </a:xfrm>
-        </p:spPr>
-        <p:txBody>
-          <a:bodyPr>
-            <a:normAutofit/>
-          </a:bodyPr>
-          <a:lstStyle/>
-          <a:p>
-            <a:r>
-              <a:rPr lang="en-US" dirty="0"/>
-              <a:t>Participant: German, English, Polish</a:t>
-            </a:r>
-          </a:p>
-        </p:txBody>
-      </p:sp>
     </p:spTree>
     <p:extLst>
       <p:ext uri="{BB962C8B-B14F-4D97-AF65-F5344CB8AC3E}">
@@ -12250,10 +14115,431 @@
   <p:clrMapOvr>
     <a:masterClrMapping/>
   </p:clrMapOvr>
+  <p:timing>
+    <p:tnLst>
+      <p:par>
+        <p:cTn id="1" dur="indefinite" restart="never" nodeType="tmRoot">
+          <p:childTnLst>
+            <p:seq concurrent="1" nextAc="seek">
+              <p:cTn id="2" dur="indefinite" nodeType="mainSeq">
+                <p:childTnLst>
+                  <p:par>
+                    <p:cTn id="3" fill="hold">
+                      <p:stCondLst>
+                        <p:cond delay="indefinite"/>
+                      </p:stCondLst>
+                      <p:childTnLst>
+                        <p:par>
+                          <p:cTn id="4" fill="hold">
+                            <p:stCondLst>
+                              <p:cond delay="0"/>
+                            </p:stCondLst>
+                            <p:childTnLst>
+                              <p:par>
+                                <p:cTn id="5" presetID="10" presetClass="entr" presetSubtype="0" fill="hold" nodeType="clickEffect">
+                                  <p:stCondLst>
+                                    <p:cond delay="0"/>
+                                  </p:stCondLst>
+                                  <p:childTnLst>
+                                    <p:set>
+                                      <p:cBhvr>
+                                        <p:cTn id="6" dur="1" fill="hold">
+                                          <p:stCondLst>
+                                            <p:cond delay="0"/>
+                                          </p:stCondLst>
+                                        </p:cTn>
+                                        <p:tgtEl>
+                                          <p:spTgt spid="5">
+                                            <p:txEl>
+                                              <p:pRg st="0" end="0"/>
+                                            </p:txEl>
+                                          </p:spTgt>
+                                        </p:tgtEl>
+                                        <p:attrNameLst>
+                                          <p:attrName>style.visibility</p:attrName>
+                                        </p:attrNameLst>
+                                      </p:cBhvr>
+                                      <p:to>
+                                        <p:strVal val="visible"/>
+                                      </p:to>
+                                    </p:set>
+                                    <p:animEffect transition="in" filter="fade">
+                                      <p:cBhvr>
+                                        <p:cTn id="7" dur="500"/>
+                                        <p:tgtEl>
+                                          <p:spTgt spid="5">
+                                            <p:txEl>
+                                              <p:pRg st="0" end="0"/>
+                                            </p:txEl>
+                                          </p:spTgt>
+                                        </p:tgtEl>
+                                      </p:cBhvr>
+                                    </p:animEffect>
+                                  </p:childTnLst>
+                                </p:cTn>
+                              </p:par>
+                            </p:childTnLst>
+                          </p:cTn>
+                        </p:par>
+                        <p:par>
+                          <p:cTn id="8" fill="hold">
+                            <p:stCondLst>
+                              <p:cond delay="500"/>
+                            </p:stCondLst>
+                            <p:childTnLst>
+                              <p:par>
+                                <p:cTn id="9" presetID="10" presetClass="entr" presetSubtype="0" fill="hold" nodeType="afterEffect">
+                                  <p:stCondLst>
+                                    <p:cond delay="0"/>
+                                  </p:stCondLst>
+                                  <p:childTnLst>
+                                    <p:set>
+                                      <p:cBhvr>
+                                        <p:cTn id="10" dur="1" fill="hold">
+                                          <p:stCondLst>
+                                            <p:cond delay="0"/>
+                                          </p:stCondLst>
+                                        </p:cTn>
+                                        <p:tgtEl>
+                                          <p:spTgt spid="5">
+                                            <p:txEl>
+                                              <p:pRg st="1" end="1"/>
+                                            </p:txEl>
+                                          </p:spTgt>
+                                        </p:tgtEl>
+                                        <p:attrNameLst>
+                                          <p:attrName>style.visibility</p:attrName>
+                                        </p:attrNameLst>
+                                      </p:cBhvr>
+                                      <p:to>
+                                        <p:strVal val="visible"/>
+                                      </p:to>
+                                    </p:set>
+                                    <p:animEffect transition="in" filter="fade">
+                                      <p:cBhvr>
+                                        <p:cTn id="11" dur="500"/>
+                                        <p:tgtEl>
+                                          <p:spTgt spid="5">
+                                            <p:txEl>
+                                              <p:pRg st="1" end="1"/>
+                                            </p:txEl>
+                                          </p:spTgt>
+                                        </p:tgtEl>
+                                      </p:cBhvr>
+                                    </p:animEffect>
+                                  </p:childTnLst>
+                                </p:cTn>
+                              </p:par>
+                            </p:childTnLst>
+                          </p:cTn>
+                        </p:par>
+                      </p:childTnLst>
+                    </p:cTn>
+                  </p:par>
+                  <p:par>
+                    <p:cTn id="12" fill="hold">
+                      <p:stCondLst>
+                        <p:cond delay="indefinite"/>
+                      </p:stCondLst>
+                      <p:childTnLst>
+                        <p:par>
+                          <p:cTn id="13" fill="hold">
+                            <p:stCondLst>
+                              <p:cond delay="0"/>
+                            </p:stCondLst>
+                            <p:childTnLst>
+                              <p:par>
+                                <p:cTn id="14" presetID="10" presetClass="entr" presetSubtype="0" fill="hold" nodeType="clickEffect">
+                                  <p:stCondLst>
+                                    <p:cond delay="0"/>
+                                  </p:stCondLst>
+                                  <p:childTnLst>
+                                    <p:set>
+                                      <p:cBhvr>
+                                        <p:cTn id="15" dur="1" fill="hold">
+                                          <p:stCondLst>
+                                            <p:cond delay="0"/>
+                                          </p:stCondLst>
+                                        </p:cTn>
+                                        <p:tgtEl>
+                                          <p:spTgt spid="5">
+                                            <p:txEl>
+                                              <p:pRg st="2" end="2"/>
+                                            </p:txEl>
+                                          </p:spTgt>
+                                        </p:tgtEl>
+                                        <p:attrNameLst>
+                                          <p:attrName>style.visibility</p:attrName>
+                                        </p:attrNameLst>
+                                      </p:cBhvr>
+                                      <p:to>
+                                        <p:strVal val="visible"/>
+                                      </p:to>
+                                    </p:set>
+                                    <p:animEffect transition="in" filter="fade">
+                                      <p:cBhvr>
+                                        <p:cTn id="16" dur="500"/>
+                                        <p:tgtEl>
+                                          <p:spTgt spid="5">
+                                            <p:txEl>
+                                              <p:pRg st="2" end="2"/>
+                                            </p:txEl>
+                                          </p:spTgt>
+                                        </p:tgtEl>
+                                      </p:cBhvr>
+                                    </p:animEffect>
+                                  </p:childTnLst>
+                                </p:cTn>
+                              </p:par>
+                            </p:childTnLst>
+                          </p:cTn>
+                        </p:par>
+                      </p:childTnLst>
+                    </p:cTn>
+                  </p:par>
+                  <p:par>
+                    <p:cTn id="17" fill="hold">
+                      <p:stCondLst>
+                        <p:cond delay="indefinite"/>
+                      </p:stCondLst>
+                      <p:childTnLst>
+                        <p:par>
+                          <p:cTn id="18" fill="hold">
+                            <p:stCondLst>
+                              <p:cond delay="0"/>
+                            </p:stCondLst>
+                            <p:childTnLst>
+                              <p:par>
+                                <p:cTn id="19" presetID="10" presetClass="entr" presetSubtype="0" fill="hold" nodeType="clickEffect">
+                                  <p:stCondLst>
+                                    <p:cond delay="0"/>
+                                  </p:stCondLst>
+                                  <p:childTnLst>
+                                    <p:set>
+                                      <p:cBhvr>
+                                        <p:cTn id="20" dur="1" fill="hold">
+                                          <p:stCondLst>
+                                            <p:cond delay="0"/>
+                                          </p:stCondLst>
+                                        </p:cTn>
+                                        <p:tgtEl>
+                                          <p:spTgt spid="5">
+                                            <p:txEl>
+                                              <p:pRg st="3" end="3"/>
+                                            </p:txEl>
+                                          </p:spTgt>
+                                        </p:tgtEl>
+                                        <p:attrNameLst>
+                                          <p:attrName>style.visibility</p:attrName>
+                                        </p:attrNameLst>
+                                      </p:cBhvr>
+                                      <p:to>
+                                        <p:strVal val="visible"/>
+                                      </p:to>
+                                    </p:set>
+                                    <p:animEffect transition="in" filter="fade">
+                                      <p:cBhvr>
+                                        <p:cTn id="21" dur="500"/>
+                                        <p:tgtEl>
+                                          <p:spTgt spid="5">
+                                            <p:txEl>
+                                              <p:pRg st="3" end="3"/>
+                                            </p:txEl>
+                                          </p:spTgt>
+                                        </p:tgtEl>
+                                      </p:cBhvr>
+                                    </p:animEffect>
+                                  </p:childTnLst>
+                                </p:cTn>
+                              </p:par>
+                            </p:childTnLst>
+                          </p:cTn>
+                        </p:par>
+                        <p:par>
+                          <p:cTn id="22" fill="hold">
+                            <p:stCondLst>
+                              <p:cond delay="500"/>
+                            </p:stCondLst>
+                            <p:childTnLst>
+                              <p:par>
+                                <p:cTn id="23" presetID="10" presetClass="entr" presetSubtype="0" fill="hold" nodeType="afterEffect">
+                                  <p:stCondLst>
+                                    <p:cond delay="0"/>
+                                  </p:stCondLst>
+                                  <p:childTnLst>
+                                    <p:set>
+                                      <p:cBhvr>
+                                        <p:cTn id="24" dur="1" fill="hold">
+                                          <p:stCondLst>
+                                            <p:cond delay="0"/>
+                                          </p:stCondLst>
+                                        </p:cTn>
+                                        <p:tgtEl>
+                                          <p:spTgt spid="5">
+                                            <p:txEl>
+                                              <p:pRg st="4" end="4"/>
+                                            </p:txEl>
+                                          </p:spTgt>
+                                        </p:tgtEl>
+                                        <p:attrNameLst>
+                                          <p:attrName>style.visibility</p:attrName>
+                                        </p:attrNameLst>
+                                      </p:cBhvr>
+                                      <p:to>
+                                        <p:strVal val="visible"/>
+                                      </p:to>
+                                    </p:set>
+                                    <p:animEffect transition="in" filter="fade">
+                                      <p:cBhvr>
+                                        <p:cTn id="25" dur="500"/>
+                                        <p:tgtEl>
+                                          <p:spTgt spid="5">
+                                            <p:txEl>
+                                              <p:pRg st="4" end="4"/>
+                                            </p:txEl>
+                                          </p:spTgt>
+                                        </p:tgtEl>
+                                      </p:cBhvr>
+                                    </p:animEffect>
+                                  </p:childTnLst>
+                                </p:cTn>
+                              </p:par>
+                            </p:childTnLst>
+                          </p:cTn>
+                        </p:par>
+                        <p:par>
+                          <p:cTn id="26" fill="hold">
+                            <p:stCondLst>
+                              <p:cond delay="1000"/>
+                            </p:stCondLst>
+                            <p:childTnLst>
+                              <p:par>
+                                <p:cTn id="27" presetID="10" presetClass="entr" presetSubtype="0" fill="hold" nodeType="afterEffect">
+                                  <p:stCondLst>
+                                    <p:cond delay="0"/>
+                                  </p:stCondLst>
+                                  <p:childTnLst>
+                                    <p:set>
+                                      <p:cBhvr>
+                                        <p:cTn id="28" dur="1" fill="hold">
+                                          <p:stCondLst>
+                                            <p:cond delay="0"/>
+                                          </p:stCondLst>
+                                        </p:cTn>
+                                        <p:tgtEl>
+                                          <p:spTgt spid="5">
+                                            <p:txEl>
+                                              <p:pRg st="5" end="5"/>
+                                            </p:txEl>
+                                          </p:spTgt>
+                                        </p:tgtEl>
+                                        <p:attrNameLst>
+                                          <p:attrName>style.visibility</p:attrName>
+                                        </p:attrNameLst>
+                                      </p:cBhvr>
+                                      <p:to>
+                                        <p:strVal val="visible"/>
+                                      </p:to>
+                                    </p:set>
+                                    <p:animEffect transition="in" filter="fade">
+                                      <p:cBhvr>
+                                        <p:cTn id="29" dur="500"/>
+                                        <p:tgtEl>
+                                          <p:spTgt spid="5">
+                                            <p:txEl>
+                                              <p:pRg st="5" end="5"/>
+                                            </p:txEl>
+                                          </p:spTgt>
+                                        </p:tgtEl>
+                                      </p:cBhvr>
+                                    </p:animEffect>
+                                  </p:childTnLst>
+                                </p:cTn>
+                              </p:par>
+                            </p:childTnLst>
+                          </p:cTn>
+                        </p:par>
+                        <p:par>
+                          <p:cTn id="30" fill="hold">
+                            <p:stCondLst>
+                              <p:cond delay="1500"/>
+                            </p:stCondLst>
+                            <p:childTnLst>
+                              <p:par>
+                                <p:cTn id="31" presetID="10" presetClass="entr" presetSubtype="0" fill="hold" nodeType="afterEffect">
+                                  <p:stCondLst>
+                                    <p:cond delay="0"/>
+                                  </p:stCondLst>
+                                  <p:childTnLst>
+                                    <p:set>
+                                      <p:cBhvr>
+                                        <p:cTn id="32" dur="1" fill="hold">
+                                          <p:stCondLst>
+                                            <p:cond delay="0"/>
+                                          </p:stCondLst>
+                                        </p:cTn>
+                                        <p:tgtEl>
+                                          <p:spTgt spid="5">
+                                            <p:txEl>
+                                              <p:pRg st="6" end="6"/>
+                                            </p:txEl>
+                                          </p:spTgt>
+                                        </p:tgtEl>
+                                        <p:attrNameLst>
+                                          <p:attrName>style.visibility</p:attrName>
+                                        </p:attrNameLst>
+                                      </p:cBhvr>
+                                      <p:to>
+                                        <p:strVal val="visible"/>
+                                      </p:to>
+                                    </p:set>
+                                    <p:animEffect transition="in" filter="fade">
+                                      <p:cBhvr>
+                                        <p:cTn id="33" dur="500"/>
+                                        <p:tgtEl>
+                                          <p:spTgt spid="5">
+                                            <p:txEl>
+                                              <p:pRg st="6" end="6"/>
+                                            </p:txEl>
+                                          </p:spTgt>
+                                        </p:tgtEl>
+                                      </p:cBhvr>
+                                    </p:animEffect>
+                                  </p:childTnLst>
+                                </p:cTn>
+                              </p:par>
+                            </p:childTnLst>
+                          </p:cTn>
+                        </p:par>
+                      </p:childTnLst>
+                    </p:cTn>
+                  </p:par>
+                </p:childTnLst>
+              </p:cTn>
+              <p:prevCondLst>
+                <p:cond evt="onPrev" delay="0">
+                  <p:tgtEl>
+                    <p:sldTgt/>
+                  </p:tgtEl>
+                </p:cond>
+              </p:prevCondLst>
+              <p:nextCondLst>
+                <p:cond evt="onNext" delay="0">
+                  <p:tgtEl>
+                    <p:sldTgt/>
+                  </p:tgtEl>
+                </p:cond>
+              </p:nextCondLst>
+            </p:seq>
+          </p:childTnLst>
+        </p:cTn>
+      </p:par>
+    </p:tnLst>
+  </p:timing>
 </p:sld>
 </file>
 
-<file path=ppt/slides/slide17.xml><?xml version="1.0" encoding="utf-8"?>
+<file path=ppt/slides/slide18.xml><?xml version="1.0" encoding="utf-8"?>
 <p:sld xmlns:a="http://schemas.openxmlformats.org/drawingml/2006/main" xmlns:r="http://schemas.openxmlformats.org/officeDocument/2006/relationships" xmlns:p="http://schemas.openxmlformats.org/presentationml/2006/main">
   <p:cSld>
     <p:spTree>
@@ -12276,6 +14562,41 @@
           <a:chExt cx="0" cy="0"/>
         </a:xfrm>
       </p:grpSpPr>
+      <p:sp>
+        <p:nvSpPr>
+          <p:cNvPr id="2" name="Title 1">
+            <a:extLst>
+              <a:ext uri="{FF2B5EF4-FFF2-40B4-BE49-F238E27FC236}">
+                <a16:creationId xmlns:a16="http://schemas.microsoft.com/office/drawing/2014/main" id="{B0D1E022-F42B-64B5-7F75-3A26046DBAA2}"/>
+              </a:ext>
+            </a:extLst>
+          </p:cNvPr>
+          <p:cNvSpPr>
+            <a:spLocks noGrp="1"/>
+          </p:cNvSpPr>
+          <p:nvPr>
+            <p:ph type="title"/>
+          </p:nvPr>
+        </p:nvSpPr>
+        <p:spPr>
+          <a:xfrm>
+            <a:off x="503447" y="209677"/>
+            <a:ext cx="11059287" cy="877239"/>
+          </a:xfrm>
+        </p:spPr>
+        <p:txBody>
+          <a:bodyPr>
+            <a:normAutofit/>
+          </a:bodyPr>
+          <a:lstStyle/>
+          <a:p>
+            <a:r>
+              <a:rPr lang="en-US" dirty="0"/>
+              <a:t>Overall insights for TTS</a:t>
+            </a:r>
+          </a:p>
+        </p:txBody>
+      </p:sp>
       <p:sp>
         <p:nvSpPr>
           <p:cNvPr id="5" name="Content Placeholder 2">
@@ -12335,41 +14656,6 @@
                 </a:solidFill>
               </a:rPr>
               <a:t>Advanced coping strategies are better than I expected (like mispronounced element roles), but screen readers need improvements.</a:t>
-            </a:r>
-          </a:p>
-        </p:txBody>
-      </p:sp>
-      <p:sp>
-        <p:nvSpPr>
-          <p:cNvPr id="2" name="Title 1">
-            <a:extLst>
-              <a:ext uri="{FF2B5EF4-FFF2-40B4-BE49-F238E27FC236}">
-                <a16:creationId xmlns:a16="http://schemas.microsoft.com/office/drawing/2014/main" id="{B0D1E022-F42B-64B5-7F75-3A26046DBAA2}"/>
-              </a:ext>
-            </a:extLst>
-          </p:cNvPr>
-          <p:cNvSpPr>
-            <a:spLocks noGrp="1"/>
-          </p:cNvSpPr>
-          <p:nvPr>
-            <p:ph type="title"/>
-          </p:nvPr>
-        </p:nvSpPr>
-        <p:spPr>
-          <a:xfrm>
-            <a:off x="503447" y="209677"/>
-            <a:ext cx="11059287" cy="877239"/>
-          </a:xfrm>
-        </p:spPr>
-        <p:txBody>
-          <a:bodyPr>
-            <a:normAutofit/>
-          </a:bodyPr>
-          <a:lstStyle/>
-          <a:p>
-            <a:r>
-              <a:rPr lang="en-US" dirty="0"/>
-              <a:t>Overall insights for TTS</a:t>
             </a:r>
           </a:p>
         </p:txBody>
@@ -12539,7 +14825,7 @@
 </p:sld>
 </file>
 
-<file path=ppt/slides/slide18.xml><?xml version="1.0" encoding="utf-8"?>
+<file path=ppt/slides/slide19.xml><?xml version="1.0" encoding="utf-8"?>
 <p:sld xmlns:a="http://schemas.openxmlformats.org/drawingml/2006/main" xmlns:r="http://schemas.openxmlformats.org/officeDocument/2006/relationships" xmlns:p="http://schemas.openxmlformats.org/presentationml/2006/main">
   <p:cSld>
     <p:spTree>
@@ -12562,154 +14848,6 @@
           <a:chExt cx="0" cy="0"/>
         </a:xfrm>
       </p:grpSpPr>
-      <p:sp>
-        <p:nvSpPr>
-          <p:cNvPr id="5" name="Content Placeholder 2">
-            <a:extLst>
-              <a:ext uri="{FF2B5EF4-FFF2-40B4-BE49-F238E27FC236}">
-                <a16:creationId xmlns:a16="http://schemas.microsoft.com/office/drawing/2014/main" id="{C640E855-165B-84BB-C797-01AF44E47379}"/>
-              </a:ext>
-            </a:extLst>
-          </p:cNvPr>
-          <p:cNvSpPr>
-            <a:spLocks noGrp="1"/>
-          </p:cNvSpPr>
-          <p:nvPr>
-            <p:ph sz="quarter" idx="10"/>
-          </p:nvPr>
-        </p:nvSpPr>
-        <p:spPr>
-          <a:xfrm>
-            <a:off x="960120" y="1371600"/>
-            <a:ext cx="7498080" cy="3977640"/>
-          </a:xfrm>
-        </p:spPr>
-        <p:txBody>
-          <a:bodyPr>
-            <a:normAutofit/>
-          </a:bodyPr>
-          <a:lstStyle/>
-          <a:p>
-            <a:pPr fontAlgn="base">
-              <a:buClr>
-                <a:srgbClr val="1A3B5B"/>
-              </a:buClr>
-            </a:pPr>
-            <a:r>
-              <a:rPr lang="en-US" dirty="0">
-                <a:solidFill>
-                  <a:srgbClr val="1A3B5B"/>
-                </a:solidFill>
-                <a:latin typeface="Courier New" panose="02070309020205020404" pitchFamily="49" charset="0"/>
-                <a:cs typeface="Courier New" panose="02070309020205020404" pitchFamily="49" charset="0"/>
-              </a:rPr>
-              <a:t>&lt;html lang="</a:t>
-            </a:r>
-            <a:r>
-              <a:rPr lang="en-US" dirty="0" err="1">
-                <a:solidFill>
-                  <a:srgbClr val="1A3B5B"/>
-                </a:solidFill>
-                <a:latin typeface="Courier New" panose="02070309020205020404" pitchFamily="49" charset="0"/>
-                <a:cs typeface="Courier New" panose="02070309020205020404" pitchFamily="49" charset="0"/>
-              </a:rPr>
-              <a:t>en</a:t>
-            </a:r>
-            <a:r>
-              <a:rPr lang="en-US" dirty="0">
-                <a:solidFill>
-                  <a:srgbClr val="1A3B5B"/>
-                </a:solidFill>
-                <a:latin typeface="Courier New" panose="02070309020205020404" pitchFamily="49" charset="0"/>
-                <a:cs typeface="Courier New" panose="02070309020205020404" pitchFamily="49" charset="0"/>
-              </a:rPr>
-              <a:t>"&gt;</a:t>
-            </a:r>
-          </a:p>
-          <a:p>
-            <a:pPr marL="285750" indent="-285750" fontAlgn="base">
-              <a:buClr>
-                <a:srgbClr val="1A3B5B"/>
-              </a:buClr>
-              <a:buFont typeface="Wingdings" pitchFamily="2" charset="2"/>
-              <a:buChar char="§"/>
-            </a:pPr>
-            <a:r>
-              <a:rPr lang="en-US" dirty="0">
-                <a:solidFill>
-                  <a:srgbClr val="1A3B5B"/>
-                </a:solidFill>
-              </a:rPr>
-              <a:t>Accessibility theory says: Required for correct pronunciation</a:t>
-            </a:r>
-          </a:p>
-          <a:p>
-            <a:pPr marL="285750" indent="-285750" fontAlgn="base">
-              <a:buClr>
-                <a:srgbClr val="1A3B5B"/>
-              </a:buClr>
-              <a:buFont typeface="Wingdings" pitchFamily="2" charset="2"/>
-              <a:buChar char="§"/>
-            </a:pPr>
-            <a:r>
-              <a:rPr lang="en-US" dirty="0">
-                <a:solidFill>
-                  <a:srgbClr val="1A3B5B"/>
-                </a:solidFill>
-              </a:rPr>
-              <a:t>Reality: </a:t>
-            </a:r>
-            <a:r>
-              <a:rPr lang="en-US" sz="1800" dirty="0">
-                <a:solidFill>
-                  <a:srgbClr val="1A3B5B"/>
-                </a:solidFill>
-              </a:rPr>
-              <a:t>Search results and content negotiation funnel users to their preferred language.</a:t>
-            </a:r>
-            <a:endParaRPr lang="en-US" dirty="0">
-              <a:solidFill>
-                <a:srgbClr val="1A3B5B"/>
-              </a:solidFill>
-            </a:endParaRPr>
-          </a:p>
-          <a:p>
-            <a:pPr marL="285750" indent="-285750" fontAlgn="base">
-              <a:buClr>
-                <a:srgbClr val="1A3B5B"/>
-              </a:buClr>
-              <a:buFont typeface="Wingdings" pitchFamily="2" charset="2"/>
-              <a:buChar char="§"/>
-            </a:pPr>
-            <a:r>
-              <a:rPr lang="en-US" dirty="0">
-                <a:solidFill>
-                  <a:srgbClr val="1A3B5B"/>
-                </a:solidFill>
-              </a:rPr>
-              <a:t>For multilingual users the </a:t>
-            </a:r>
-            <a:r>
-              <a:rPr lang="en-US" dirty="0">
-                <a:solidFill>
-                  <a:srgbClr val="1A3B5B"/>
-                </a:solidFill>
-                <a:latin typeface="Courier New" panose="02070309020205020404" pitchFamily="49" charset="0"/>
-                <a:cs typeface="Courier New" panose="02070309020205020404" pitchFamily="49" charset="0"/>
-              </a:rPr>
-              <a:t>lang</a:t>
-            </a:r>
-            <a:r>
-              <a:rPr lang="en-US" dirty="0">
-                <a:solidFill>
-                  <a:srgbClr val="1A3B5B"/>
-                </a:solidFill>
-              </a:rPr>
-              <a:t> attribute is important.</a:t>
-            </a:r>
-          </a:p>
-        </p:txBody>
-      </p:sp>
       <p:sp>
         <p:nvSpPr>
           <p:cNvPr id="2" name="Title 1">
@@ -12800,6 +14938,136 @@
             <a:r>
               <a:rPr lang="en-US" sz="1100" b="1" dirty="0"/>
               <a:t>Dominant languages = support</a:t>
+            </a:r>
+          </a:p>
+        </p:txBody>
+      </p:sp>
+      <p:sp>
+        <p:nvSpPr>
+          <p:cNvPr id="5" name="Content Placeholder 2">
+            <a:extLst>
+              <a:ext uri="{FF2B5EF4-FFF2-40B4-BE49-F238E27FC236}">
+                <a16:creationId xmlns:a16="http://schemas.microsoft.com/office/drawing/2014/main" id="{C640E855-165B-84BB-C797-01AF44E47379}"/>
+              </a:ext>
+            </a:extLst>
+          </p:cNvPr>
+          <p:cNvSpPr>
+            <a:spLocks noGrp="1"/>
+          </p:cNvSpPr>
+          <p:nvPr>
+            <p:ph sz="quarter" idx="10"/>
+          </p:nvPr>
+        </p:nvSpPr>
+        <p:spPr>
+          <a:xfrm>
+            <a:off x="960120" y="1371600"/>
+            <a:ext cx="7498080" cy="3977640"/>
+          </a:xfrm>
+        </p:spPr>
+        <p:txBody>
+          <a:bodyPr>
+            <a:normAutofit/>
+          </a:bodyPr>
+          <a:lstStyle/>
+          <a:p>
+            <a:pPr fontAlgn="base">
+              <a:buClr>
+                <a:srgbClr val="1A3B5B"/>
+              </a:buClr>
+            </a:pPr>
+            <a:r>
+              <a:rPr lang="en-US" dirty="0">
+                <a:solidFill>
+                  <a:srgbClr val="1A3B5B"/>
+                </a:solidFill>
+                <a:latin typeface="Courier New" panose="02070309020205020404" pitchFamily="49" charset="0"/>
+                <a:cs typeface="Courier New" panose="02070309020205020404" pitchFamily="49" charset="0"/>
+              </a:rPr>
+              <a:t>&lt;html lang="</a:t>
+            </a:r>
+            <a:r>
+              <a:rPr lang="en-US" dirty="0" err="1">
+                <a:solidFill>
+                  <a:srgbClr val="1A3B5B"/>
+                </a:solidFill>
+                <a:latin typeface="Courier New" panose="02070309020205020404" pitchFamily="49" charset="0"/>
+                <a:cs typeface="Courier New" panose="02070309020205020404" pitchFamily="49" charset="0"/>
+              </a:rPr>
+              <a:t>en</a:t>
+            </a:r>
+            <a:r>
+              <a:rPr lang="en-US" dirty="0">
+                <a:solidFill>
+                  <a:srgbClr val="1A3B5B"/>
+                </a:solidFill>
+                <a:latin typeface="Courier New" panose="02070309020205020404" pitchFamily="49" charset="0"/>
+                <a:cs typeface="Courier New" panose="02070309020205020404" pitchFamily="49" charset="0"/>
+              </a:rPr>
+              <a:t>"&gt;</a:t>
+            </a:r>
+          </a:p>
+          <a:p>
+            <a:pPr marL="285750" indent="-285750" fontAlgn="base">
+              <a:buClr>
+                <a:srgbClr val="1A3B5B"/>
+              </a:buClr>
+              <a:buFont typeface="Wingdings" pitchFamily="2" charset="2"/>
+              <a:buChar char="§"/>
+            </a:pPr>
+            <a:r>
+              <a:rPr lang="en-US" dirty="0">
+                <a:solidFill>
+                  <a:srgbClr val="1A3B5B"/>
+                </a:solidFill>
+              </a:rPr>
+              <a:t>Accessibility theory says: Required for correct pronunciation</a:t>
+            </a:r>
+          </a:p>
+          <a:p>
+            <a:pPr marL="285750" indent="-285750" fontAlgn="base">
+              <a:buClr>
+                <a:srgbClr val="1A3B5B"/>
+              </a:buClr>
+              <a:buFont typeface="Wingdings" pitchFamily="2" charset="2"/>
+              <a:buChar char="§"/>
+            </a:pPr>
+            <a:r>
+              <a:rPr lang="en-US" dirty="0">
+                <a:solidFill>
+                  <a:srgbClr val="1A3B5B"/>
+                </a:solidFill>
+              </a:rPr>
+              <a:t>Reality: </a:t>
+            </a:r>
+            <a:r>
+              <a:rPr lang="en-US" sz="1800" dirty="0">
+                <a:solidFill>
+                  <a:srgbClr val="1A3B5B"/>
+                </a:solidFill>
+              </a:rPr>
+              <a:t>Search results and content negotiation funnel users to their preferred language.</a:t>
+            </a:r>
+            <a:endParaRPr lang="en-US" dirty="0">
+              <a:solidFill>
+                <a:srgbClr val="1A3B5B"/>
+              </a:solidFill>
+            </a:endParaRPr>
+          </a:p>
+          <a:p>
+            <a:pPr marL="285750" indent="-285750" fontAlgn="base">
+              <a:buClr>
+                <a:srgbClr val="1A3B5B"/>
+              </a:buClr>
+              <a:buFont typeface="Wingdings" pitchFamily="2" charset="2"/>
+              <a:buChar char="§"/>
+            </a:pPr>
+            <a:r>
+              <a:rPr lang="en-US" dirty="0">
+                <a:solidFill>
+                  <a:srgbClr val="1A3B5B"/>
+                </a:solidFill>
+              </a:rPr>
+              <a:t>Language of page is important for multilingual users.</a:t>
             </a:r>
           </a:p>
         </p:txBody>
@@ -12878,6 +15146,241 @@
                       </p:childTnLst>
                     </p:cTn>
                   </p:par>
+                  <p:par>
+                    <p:cTn id="8" fill="hold">
+                      <p:stCondLst>
+                        <p:cond delay="indefinite"/>
+                      </p:stCondLst>
+                      <p:childTnLst>
+                        <p:par>
+                          <p:cTn id="9" fill="hold">
+                            <p:stCondLst>
+                              <p:cond delay="0"/>
+                            </p:stCondLst>
+                            <p:childTnLst>
+                              <p:par>
+                                <p:cTn id="10" presetID="10" presetClass="entr" presetSubtype="0" fill="hold" nodeType="clickEffect">
+                                  <p:stCondLst>
+                                    <p:cond delay="0"/>
+                                  </p:stCondLst>
+                                  <p:childTnLst>
+                                    <p:set>
+                                      <p:cBhvr>
+                                        <p:cTn id="11" dur="1" fill="hold">
+                                          <p:stCondLst>
+                                            <p:cond delay="0"/>
+                                          </p:stCondLst>
+                                        </p:cTn>
+                                        <p:tgtEl>
+                                          <p:spTgt spid="5">
+                                            <p:txEl>
+                                              <p:pRg st="0" end="0"/>
+                                            </p:txEl>
+                                          </p:spTgt>
+                                        </p:tgtEl>
+                                        <p:attrNameLst>
+                                          <p:attrName>style.visibility</p:attrName>
+                                        </p:attrNameLst>
+                                      </p:cBhvr>
+                                      <p:to>
+                                        <p:strVal val="visible"/>
+                                      </p:to>
+                                    </p:set>
+                                    <p:animEffect transition="in" filter="fade">
+                                      <p:cBhvr>
+                                        <p:cTn id="12" dur="500"/>
+                                        <p:tgtEl>
+                                          <p:spTgt spid="5">
+                                            <p:txEl>
+                                              <p:pRg st="0" end="0"/>
+                                            </p:txEl>
+                                          </p:spTgt>
+                                        </p:tgtEl>
+                                      </p:cBhvr>
+                                    </p:animEffect>
+                                  </p:childTnLst>
+                                </p:cTn>
+                              </p:par>
+                            </p:childTnLst>
+                          </p:cTn>
+                        </p:par>
+                        <p:par>
+                          <p:cTn id="13" fill="hold">
+                            <p:stCondLst>
+                              <p:cond delay="500"/>
+                            </p:stCondLst>
+                            <p:childTnLst>
+                              <p:par>
+                                <p:cTn id="14" presetID="10" presetClass="entr" presetSubtype="0" fill="hold" nodeType="afterEffect">
+                                  <p:stCondLst>
+                                    <p:cond delay="0"/>
+                                  </p:stCondLst>
+                                  <p:childTnLst>
+                                    <p:set>
+                                      <p:cBhvr>
+                                        <p:cTn id="15" dur="1" fill="hold">
+                                          <p:stCondLst>
+                                            <p:cond delay="0"/>
+                                          </p:stCondLst>
+                                        </p:cTn>
+                                        <p:tgtEl>
+                                          <p:spTgt spid="5">
+                                            <p:txEl>
+                                              <p:pRg st="1" end="1"/>
+                                            </p:txEl>
+                                          </p:spTgt>
+                                        </p:tgtEl>
+                                        <p:attrNameLst>
+                                          <p:attrName>style.visibility</p:attrName>
+                                        </p:attrNameLst>
+                                      </p:cBhvr>
+                                      <p:to>
+                                        <p:strVal val="visible"/>
+                                      </p:to>
+                                    </p:set>
+                                    <p:animEffect transition="in" filter="fade">
+                                      <p:cBhvr>
+                                        <p:cTn id="16" dur="500"/>
+                                        <p:tgtEl>
+                                          <p:spTgt spid="5">
+                                            <p:txEl>
+                                              <p:pRg st="1" end="1"/>
+                                            </p:txEl>
+                                          </p:spTgt>
+                                        </p:tgtEl>
+                                      </p:cBhvr>
+                                    </p:animEffect>
+                                  </p:childTnLst>
+                                </p:cTn>
+                              </p:par>
+                            </p:childTnLst>
+                          </p:cTn>
+                        </p:par>
+                      </p:childTnLst>
+                    </p:cTn>
+                  </p:par>
+                  <p:par>
+                    <p:cTn id="17" fill="hold">
+                      <p:stCondLst>
+                        <p:cond delay="indefinite"/>
+                      </p:stCondLst>
+                      <p:childTnLst>
+                        <p:par>
+                          <p:cTn id="18" fill="hold">
+                            <p:stCondLst>
+                              <p:cond delay="0"/>
+                            </p:stCondLst>
+                            <p:childTnLst>
+                              <p:par>
+                                <p:cTn id="19" presetID="10" presetClass="entr" presetSubtype="0" fill="hold" nodeType="clickEffect">
+                                  <p:stCondLst>
+                                    <p:cond delay="0"/>
+                                  </p:stCondLst>
+                                  <p:childTnLst>
+                                    <p:set>
+                                      <p:cBhvr>
+                                        <p:cTn id="20" dur="1" fill="hold">
+                                          <p:stCondLst>
+                                            <p:cond delay="0"/>
+                                          </p:stCondLst>
+                                        </p:cTn>
+                                        <p:tgtEl>
+                                          <p:spTgt spid="5">
+                                            <p:txEl>
+                                              <p:pRg st="2" end="2"/>
+                                            </p:txEl>
+                                          </p:spTgt>
+                                        </p:tgtEl>
+                                        <p:attrNameLst>
+                                          <p:attrName>style.visibility</p:attrName>
+                                        </p:attrNameLst>
+                                      </p:cBhvr>
+                                      <p:to>
+                                        <p:strVal val="visible"/>
+                                      </p:to>
+                                    </p:set>
+                                    <p:animEffect transition="in" filter="fade">
+                                      <p:cBhvr>
+                                        <p:cTn id="21" dur="500"/>
+                                        <p:tgtEl>
+                                          <p:spTgt spid="5">
+                                            <p:txEl>
+                                              <p:pRg st="2" end="2"/>
+                                            </p:txEl>
+                                          </p:spTgt>
+                                        </p:tgtEl>
+                                      </p:cBhvr>
+                                    </p:animEffect>
+                                  </p:childTnLst>
+                                </p:cTn>
+                              </p:par>
+                            </p:childTnLst>
+                          </p:cTn>
+                        </p:par>
+                      </p:childTnLst>
+                    </p:cTn>
+                  </p:par>
+                  <p:par>
+                    <p:cTn id="22" fill="hold">
+                      <p:stCondLst>
+                        <p:cond delay="indefinite"/>
+                      </p:stCondLst>
+                      <p:childTnLst>
+                        <p:par>
+                          <p:cTn id="23" fill="hold">
+                            <p:stCondLst>
+                              <p:cond delay="0"/>
+                            </p:stCondLst>
+                            <p:childTnLst>
+                              <p:par>
+                                <p:cTn id="24" presetID="10" presetClass="entr" presetSubtype="0" fill="hold" nodeType="clickEffect">
+                                  <p:stCondLst>
+                                    <p:cond delay="0"/>
+                                  </p:stCondLst>
+                                  <p:childTnLst>
+                                    <p:set>
+                                      <p:cBhvr>
+                                        <p:cTn id="25" dur="1" fill="hold">
+                                          <p:stCondLst>
+                                            <p:cond delay="0"/>
+                                          </p:stCondLst>
+                                        </p:cTn>
+                                        <p:tgtEl>
+                                          <p:spTgt spid="5">
+                                            <p:txEl>
+                                              <p:pRg st="3" end="3"/>
+                                            </p:txEl>
+                                          </p:spTgt>
+                                        </p:tgtEl>
+                                        <p:attrNameLst>
+                                          <p:attrName>style.visibility</p:attrName>
+                                        </p:attrNameLst>
+                                      </p:cBhvr>
+                                      <p:to>
+                                        <p:strVal val="visible"/>
+                                      </p:to>
+                                    </p:set>
+                                    <p:animEffect transition="in" filter="fade">
+                                      <p:cBhvr>
+                                        <p:cTn id="26" dur="500"/>
+                                        <p:tgtEl>
+                                          <p:spTgt spid="5">
+                                            <p:txEl>
+                                              <p:pRg st="3" end="3"/>
+                                            </p:txEl>
+                                          </p:spTgt>
+                                        </p:tgtEl>
+                                      </p:cBhvr>
+                                    </p:animEffect>
+                                  </p:childTnLst>
+                                </p:cTn>
+                              </p:par>
+                            </p:childTnLst>
+                          </p:cTn>
+                        </p:par>
+                      </p:childTnLst>
+                    </p:cTn>
+                  </p:par>
                 </p:childTnLst>
               </p:cTn>
               <p:prevCondLst>
@@ -12906,7 +15409,80 @@
 </p:sld>
 </file>
 
-<file path=ppt/slides/slide19.xml><?xml version="1.0" encoding="utf-8"?>
+<file path=ppt/slides/slide2.xml><?xml version="1.0" encoding="utf-8"?>
+<p:sld xmlns:a="http://schemas.openxmlformats.org/drawingml/2006/main" xmlns:r="http://schemas.openxmlformats.org/officeDocument/2006/relationships" xmlns:p="http://schemas.openxmlformats.org/presentationml/2006/main">
+  <p:cSld>
+    <p:spTree>
+      <p:nvGrpSpPr>
+        <p:cNvPr id="1" name=""/>
+        <p:cNvGrpSpPr/>
+        <p:nvPr/>
+      </p:nvGrpSpPr>
+      <p:grpSpPr>
+        <a:xfrm>
+          <a:off x="0" y="0"/>
+          <a:ext cx="0" cy="0"/>
+          <a:chOff x="0" y="0"/>
+          <a:chExt cx="0" cy="0"/>
+        </a:xfrm>
+      </p:grpSpPr>
+      <p:sp>
+        <p:nvSpPr>
+          <p:cNvPr id="10" name="Title 9">
+            <a:extLst>
+              <a:ext uri="{FF2B5EF4-FFF2-40B4-BE49-F238E27FC236}">
+                <a16:creationId xmlns:a16="http://schemas.microsoft.com/office/drawing/2014/main" id="{B3756FD4-9481-578D-C3BC-004335DE1490}"/>
+              </a:ext>
+            </a:extLst>
+          </p:cNvPr>
+          <p:cNvSpPr>
+            <a:spLocks noGrp="1"/>
+          </p:cNvSpPr>
+          <p:nvPr>
+            <p:ph type="title"/>
+          </p:nvPr>
+        </p:nvSpPr>
+        <p:spPr>
+          <a:xfrm>
+            <a:off x="1258802" y="2467951"/>
+            <a:ext cx="9674395" cy="961049"/>
+          </a:xfrm>
+        </p:spPr>
+        <p:txBody>
+          <a:bodyPr>
+            <a:normAutofit fontScale="90000"/>
+          </a:bodyPr>
+          <a:lstStyle/>
+          <a:p>
+            <a:pPr algn="ctr"/>
+            <a:r>
+              <a:rPr lang="en-US" dirty="0"/>
+              <a:t>Who is excluded because of</a:t>
+            </a:r>
+            <a:br>
+              <a:rPr lang="en-US" dirty="0"/>
+            </a:br>
+            <a:r>
+              <a:rPr lang="en-US" dirty="0"/>
+              <a:t>language and disability?</a:t>
+            </a:r>
+          </a:p>
+        </p:txBody>
+      </p:sp>
+    </p:spTree>
+    <p:extLst>
+      <p:ext uri="{BB962C8B-B14F-4D97-AF65-F5344CB8AC3E}">
+        <p14:creationId xmlns:p14="http://schemas.microsoft.com/office/powerpoint/2010/main" val="190697329"/>
+      </p:ext>
+    </p:extLst>
+  </p:cSld>
+  <p:clrMapOvr>
+    <a:masterClrMapping/>
+  </p:clrMapOvr>
+</p:sld>
+</file>
+
+<file path=ppt/slides/slide20.xml><?xml version="1.0" encoding="utf-8"?>
 <p:sld xmlns:a="http://schemas.openxmlformats.org/drawingml/2006/main" xmlns:r="http://schemas.openxmlformats.org/officeDocument/2006/relationships" xmlns:p="http://schemas.openxmlformats.org/presentationml/2006/main">
   <p:cSld>
     <p:spTree>
@@ -12929,6 +15505,41 @@
           <a:chExt cx="0" cy="0"/>
         </a:xfrm>
       </p:grpSpPr>
+      <p:sp>
+        <p:nvSpPr>
+          <p:cNvPr id="2" name="Title 1">
+            <a:extLst>
+              <a:ext uri="{FF2B5EF4-FFF2-40B4-BE49-F238E27FC236}">
+                <a16:creationId xmlns:a16="http://schemas.microsoft.com/office/drawing/2014/main" id="{9F5E22AD-E1AF-1123-F848-C045EF0AC9D9}"/>
+              </a:ext>
+            </a:extLst>
+          </p:cNvPr>
+          <p:cNvSpPr>
+            <a:spLocks noGrp="1"/>
+          </p:cNvSpPr>
+          <p:nvPr>
+            <p:ph type="title"/>
+          </p:nvPr>
+        </p:nvSpPr>
+        <p:spPr>
+          <a:xfrm>
+            <a:off x="503447" y="209677"/>
+            <a:ext cx="11059287" cy="877239"/>
+          </a:xfrm>
+        </p:spPr>
+        <p:txBody>
+          <a:bodyPr>
+            <a:normAutofit/>
+          </a:bodyPr>
+          <a:lstStyle/>
+          <a:p>
+            <a:r>
+              <a:rPr lang="en-US" dirty="0"/>
+              <a:t>Sign language observations</a:t>
+            </a:r>
+          </a:p>
+        </p:txBody>
+      </p:sp>
       <p:sp>
         <p:nvSpPr>
           <p:cNvPr id="5" name="Content Placeholder 2">
@@ -13092,41 +15703,6 @@
                 </a:solidFill>
               </a:rPr>
               <a:t>Video messaging is easy, but video creation workflows for websites are more burdensome for sign language content creators.</a:t>
-            </a:r>
-          </a:p>
-        </p:txBody>
-      </p:sp>
-      <p:sp>
-        <p:nvSpPr>
-          <p:cNvPr id="2" name="Title 1">
-            <a:extLst>
-              <a:ext uri="{FF2B5EF4-FFF2-40B4-BE49-F238E27FC236}">
-                <a16:creationId xmlns:a16="http://schemas.microsoft.com/office/drawing/2014/main" id="{9F5E22AD-E1AF-1123-F848-C045EF0AC9D9}"/>
-              </a:ext>
-            </a:extLst>
-          </p:cNvPr>
-          <p:cNvSpPr>
-            <a:spLocks noGrp="1"/>
-          </p:cNvSpPr>
-          <p:nvPr>
-            <p:ph type="title"/>
-          </p:nvPr>
-        </p:nvSpPr>
-        <p:spPr>
-          <a:xfrm>
-            <a:off x="503447" y="209677"/>
-            <a:ext cx="11059287" cy="877239"/>
-          </a:xfrm>
-        </p:spPr>
-        <p:txBody>
-          <a:bodyPr>
-            <a:normAutofit/>
-          </a:bodyPr>
-          <a:lstStyle/>
-          <a:p>
-            <a:r>
-              <a:rPr lang="en-US" dirty="0"/>
-              <a:t>Sign language observations</a:t>
             </a:r>
           </a:p>
         </p:txBody>
@@ -13540,80 +16116,7 @@
 </p:sld>
 </file>
 
-<file path=ppt/slides/slide2.xml><?xml version="1.0" encoding="utf-8"?>
-<p:sld xmlns:a="http://schemas.openxmlformats.org/drawingml/2006/main" xmlns:r="http://schemas.openxmlformats.org/officeDocument/2006/relationships" xmlns:p="http://schemas.openxmlformats.org/presentationml/2006/main">
-  <p:cSld>
-    <p:spTree>
-      <p:nvGrpSpPr>
-        <p:cNvPr id="1" name=""/>
-        <p:cNvGrpSpPr/>
-        <p:nvPr/>
-      </p:nvGrpSpPr>
-      <p:grpSpPr>
-        <a:xfrm>
-          <a:off x="0" y="0"/>
-          <a:ext cx="0" cy="0"/>
-          <a:chOff x="0" y="0"/>
-          <a:chExt cx="0" cy="0"/>
-        </a:xfrm>
-      </p:grpSpPr>
-      <p:sp>
-        <p:nvSpPr>
-          <p:cNvPr id="10" name="Title 9">
-            <a:extLst>
-              <a:ext uri="{FF2B5EF4-FFF2-40B4-BE49-F238E27FC236}">
-                <a16:creationId xmlns:a16="http://schemas.microsoft.com/office/drawing/2014/main" id="{B3756FD4-9481-578D-C3BC-004335DE1490}"/>
-              </a:ext>
-            </a:extLst>
-          </p:cNvPr>
-          <p:cNvSpPr>
-            <a:spLocks noGrp="1"/>
-          </p:cNvSpPr>
-          <p:nvPr>
-            <p:ph type="title"/>
-          </p:nvPr>
-        </p:nvSpPr>
-        <p:spPr>
-          <a:xfrm>
-            <a:off x="1258802" y="2467951"/>
-            <a:ext cx="9674395" cy="961049"/>
-          </a:xfrm>
-        </p:spPr>
-        <p:txBody>
-          <a:bodyPr>
-            <a:normAutofit fontScale="90000"/>
-          </a:bodyPr>
-          <a:lstStyle/>
-          <a:p>
-            <a:pPr algn="ctr"/>
-            <a:r>
-              <a:rPr lang="en-US" dirty="0"/>
-              <a:t>Who is excluded because of</a:t>
-            </a:r>
-            <a:br>
-              <a:rPr lang="en-US" dirty="0"/>
-            </a:br>
-            <a:r>
-              <a:rPr lang="en-US" dirty="0"/>
-              <a:t>language and disability?</a:t>
-            </a:r>
-          </a:p>
-        </p:txBody>
-      </p:sp>
-    </p:spTree>
-    <p:extLst>
-      <p:ext uri="{BB962C8B-B14F-4D97-AF65-F5344CB8AC3E}">
-        <p14:creationId xmlns:p14="http://schemas.microsoft.com/office/powerpoint/2010/main" val="190697329"/>
-      </p:ext>
-    </p:extLst>
-  </p:cSld>
-  <p:clrMapOvr>
-    <a:masterClrMapping/>
-  </p:clrMapOvr>
-</p:sld>
-</file>
-
-<file path=ppt/slides/slide20.xml><?xml version="1.0" encoding="utf-8"?>
+<file path=ppt/slides/slide21.xml><?xml version="1.0" encoding="utf-8"?>
 <p:sld xmlns:a="http://schemas.openxmlformats.org/drawingml/2006/main" xmlns:r="http://schemas.openxmlformats.org/officeDocument/2006/relationships" xmlns:p="http://schemas.openxmlformats.org/presentationml/2006/main">
   <p:cSld>
     <p:spTree>
@@ -13685,7 +16188,7 @@
 </p:sld>
 </file>
 
-<file path=ppt/slides/slide21.xml><?xml version="1.0" encoding="utf-8"?>
+<file path=ppt/slides/slide22.xml><?xml version="1.0" encoding="utf-8"?>
 <p:sld xmlns:a="http://schemas.openxmlformats.org/drawingml/2006/main" xmlns:r="http://schemas.openxmlformats.org/officeDocument/2006/relationships" xmlns:p="http://schemas.openxmlformats.org/presentationml/2006/main">
   <p:cSld>
     <p:spTree>
@@ -13708,6 +16211,39 @@
           <a:chExt cx="0" cy="0"/>
         </a:xfrm>
       </p:grpSpPr>
+      <p:sp>
+        <p:nvSpPr>
+          <p:cNvPr id="2" name="Title 1">
+            <a:extLst>
+              <a:ext uri="{FF2B5EF4-FFF2-40B4-BE49-F238E27FC236}">
+                <a16:creationId xmlns:a16="http://schemas.microsoft.com/office/drawing/2014/main" id="{D5E6C15C-785D-EF55-28E3-6503D3213D9E}"/>
+              </a:ext>
+            </a:extLst>
+          </p:cNvPr>
+          <p:cNvSpPr>
+            <a:spLocks noGrp="1"/>
+          </p:cNvSpPr>
+          <p:nvPr>
+            <p:ph type="title"/>
+          </p:nvPr>
+        </p:nvSpPr>
+        <p:spPr>
+          <a:xfrm>
+            <a:off x="503447" y="209677"/>
+            <a:ext cx="11059287" cy="877239"/>
+          </a:xfrm>
+        </p:spPr>
+        <p:txBody>
+          <a:bodyPr/>
+          <a:lstStyle/>
+          <a:p>
+            <a:r>
+              <a:rPr lang="en-US" dirty="0"/>
+              <a:t>Ideas for users, feasible today</a:t>
+            </a:r>
+          </a:p>
+        </p:txBody>
+      </p:sp>
       <p:sp>
         <p:nvSpPr>
           <p:cNvPr id="5" name="Content Placeholder 2">
@@ -13749,7 +16285,7 @@
                   <a:srgbClr val="1A3B5B"/>
                 </a:solidFill>
               </a:rPr>
-              <a:t>Set up input methods</a:t>
+              <a:t>Set content preferences in the platform</a:t>
             </a:r>
           </a:p>
           <a:p>
@@ -13766,7 +16302,7 @@
                   <a:srgbClr val="1A3B5B"/>
                 </a:solidFill>
               </a:rPr>
-              <a:t>Set content preferences in the platform</a:t>
+              <a:t>Set up input methods</a:t>
             </a:r>
           </a:p>
           <a:p>
@@ -13819,39 +16355,6 @@
                 <a:effectLst/>
               </a:rPr>
               <a:t>Complain if something doesn’t work well</a:t>
-            </a:r>
-          </a:p>
-        </p:txBody>
-      </p:sp>
-      <p:sp>
-        <p:nvSpPr>
-          <p:cNvPr id="2" name="Title 1">
-            <a:extLst>
-              <a:ext uri="{FF2B5EF4-FFF2-40B4-BE49-F238E27FC236}">
-                <a16:creationId xmlns:a16="http://schemas.microsoft.com/office/drawing/2014/main" id="{D5E6C15C-785D-EF55-28E3-6503D3213D9E}"/>
-              </a:ext>
-            </a:extLst>
-          </p:cNvPr>
-          <p:cNvSpPr>
-            <a:spLocks noGrp="1"/>
-          </p:cNvSpPr>
-          <p:nvPr>
-            <p:ph type="title"/>
-          </p:nvPr>
-        </p:nvSpPr>
-        <p:spPr>
-          <a:xfrm>
-            <a:off x="503447" y="209677"/>
-            <a:ext cx="11059287" cy="877239"/>
-          </a:xfrm>
-        </p:spPr>
-        <p:txBody>
-          <a:bodyPr/>
-          <a:lstStyle/>
-          <a:p>
-            <a:r>
-              <a:rPr lang="en-US" dirty="0"/>
-              <a:t>Ideas for users, feasible today</a:t>
             </a:r>
           </a:p>
         </p:txBody>
@@ -13866,10 +16369,345 @@
   <p:clrMapOvr>
     <a:masterClrMapping/>
   </p:clrMapOvr>
+  <p:timing>
+    <p:tnLst>
+      <p:par>
+        <p:cTn id="1" dur="indefinite" restart="never" nodeType="tmRoot">
+          <p:childTnLst>
+            <p:seq concurrent="1" nextAc="seek">
+              <p:cTn id="2" dur="indefinite" nodeType="mainSeq">
+                <p:childTnLst>
+                  <p:par>
+                    <p:cTn id="3" fill="hold">
+                      <p:stCondLst>
+                        <p:cond delay="indefinite"/>
+                      </p:stCondLst>
+                      <p:childTnLst>
+                        <p:par>
+                          <p:cTn id="4" fill="hold">
+                            <p:stCondLst>
+                              <p:cond delay="0"/>
+                            </p:stCondLst>
+                            <p:childTnLst>
+                              <p:par>
+                                <p:cTn id="5" presetID="10" presetClass="entr" presetSubtype="0" fill="hold" nodeType="clickEffect">
+                                  <p:stCondLst>
+                                    <p:cond delay="0"/>
+                                  </p:stCondLst>
+                                  <p:childTnLst>
+                                    <p:set>
+                                      <p:cBhvr>
+                                        <p:cTn id="6" dur="1" fill="hold">
+                                          <p:stCondLst>
+                                            <p:cond delay="0"/>
+                                          </p:stCondLst>
+                                        </p:cTn>
+                                        <p:tgtEl>
+                                          <p:spTgt spid="5">
+                                            <p:txEl>
+                                              <p:pRg st="0" end="0"/>
+                                            </p:txEl>
+                                          </p:spTgt>
+                                        </p:tgtEl>
+                                        <p:attrNameLst>
+                                          <p:attrName>style.visibility</p:attrName>
+                                        </p:attrNameLst>
+                                      </p:cBhvr>
+                                      <p:to>
+                                        <p:strVal val="visible"/>
+                                      </p:to>
+                                    </p:set>
+                                    <p:animEffect transition="in" filter="fade">
+                                      <p:cBhvr>
+                                        <p:cTn id="7" dur="500"/>
+                                        <p:tgtEl>
+                                          <p:spTgt spid="5">
+                                            <p:txEl>
+                                              <p:pRg st="0" end="0"/>
+                                            </p:txEl>
+                                          </p:spTgt>
+                                        </p:tgtEl>
+                                      </p:cBhvr>
+                                    </p:animEffect>
+                                  </p:childTnLst>
+                                </p:cTn>
+                              </p:par>
+                            </p:childTnLst>
+                          </p:cTn>
+                        </p:par>
+                      </p:childTnLst>
+                    </p:cTn>
+                  </p:par>
+                  <p:par>
+                    <p:cTn id="8" fill="hold">
+                      <p:stCondLst>
+                        <p:cond delay="indefinite"/>
+                      </p:stCondLst>
+                      <p:childTnLst>
+                        <p:par>
+                          <p:cTn id="9" fill="hold">
+                            <p:stCondLst>
+                              <p:cond delay="0"/>
+                            </p:stCondLst>
+                            <p:childTnLst>
+                              <p:par>
+                                <p:cTn id="10" presetID="10" presetClass="entr" presetSubtype="0" fill="hold" nodeType="clickEffect">
+                                  <p:stCondLst>
+                                    <p:cond delay="0"/>
+                                  </p:stCondLst>
+                                  <p:childTnLst>
+                                    <p:set>
+                                      <p:cBhvr>
+                                        <p:cTn id="11" dur="1" fill="hold">
+                                          <p:stCondLst>
+                                            <p:cond delay="0"/>
+                                          </p:stCondLst>
+                                        </p:cTn>
+                                        <p:tgtEl>
+                                          <p:spTgt spid="5">
+                                            <p:txEl>
+                                              <p:pRg st="1" end="1"/>
+                                            </p:txEl>
+                                          </p:spTgt>
+                                        </p:tgtEl>
+                                        <p:attrNameLst>
+                                          <p:attrName>style.visibility</p:attrName>
+                                        </p:attrNameLst>
+                                      </p:cBhvr>
+                                      <p:to>
+                                        <p:strVal val="visible"/>
+                                      </p:to>
+                                    </p:set>
+                                    <p:animEffect transition="in" filter="fade">
+                                      <p:cBhvr>
+                                        <p:cTn id="12" dur="500"/>
+                                        <p:tgtEl>
+                                          <p:spTgt spid="5">
+                                            <p:txEl>
+                                              <p:pRg st="1" end="1"/>
+                                            </p:txEl>
+                                          </p:spTgt>
+                                        </p:tgtEl>
+                                      </p:cBhvr>
+                                    </p:animEffect>
+                                  </p:childTnLst>
+                                </p:cTn>
+                              </p:par>
+                            </p:childTnLst>
+                          </p:cTn>
+                        </p:par>
+                      </p:childTnLst>
+                    </p:cTn>
+                  </p:par>
+                  <p:par>
+                    <p:cTn id="13" fill="hold">
+                      <p:stCondLst>
+                        <p:cond delay="indefinite"/>
+                      </p:stCondLst>
+                      <p:childTnLst>
+                        <p:par>
+                          <p:cTn id="14" fill="hold">
+                            <p:stCondLst>
+                              <p:cond delay="0"/>
+                            </p:stCondLst>
+                            <p:childTnLst>
+                              <p:par>
+                                <p:cTn id="15" presetID="10" presetClass="entr" presetSubtype="0" fill="hold" nodeType="clickEffect">
+                                  <p:stCondLst>
+                                    <p:cond delay="0"/>
+                                  </p:stCondLst>
+                                  <p:childTnLst>
+                                    <p:set>
+                                      <p:cBhvr>
+                                        <p:cTn id="16" dur="1" fill="hold">
+                                          <p:stCondLst>
+                                            <p:cond delay="0"/>
+                                          </p:stCondLst>
+                                        </p:cTn>
+                                        <p:tgtEl>
+                                          <p:spTgt spid="5">
+                                            <p:txEl>
+                                              <p:pRg st="2" end="2"/>
+                                            </p:txEl>
+                                          </p:spTgt>
+                                        </p:tgtEl>
+                                        <p:attrNameLst>
+                                          <p:attrName>style.visibility</p:attrName>
+                                        </p:attrNameLst>
+                                      </p:cBhvr>
+                                      <p:to>
+                                        <p:strVal val="visible"/>
+                                      </p:to>
+                                    </p:set>
+                                    <p:animEffect transition="in" filter="fade">
+                                      <p:cBhvr>
+                                        <p:cTn id="17" dur="500"/>
+                                        <p:tgtEl>
+                                          <p:spTgt spid="5">
+                                            <p:txEl>
+                                              <p:pRg st="2" end="2"/>
+                                            </p:txEl>
+                                          </p:spTgt>
+                                        </p:tgtEl>
+                                      </p:cBhvr>
+                                    </p:animEffect>
+                                  </p:childTnLst>
+                                </p:cTn>
+                              </p:par>
+                            </p:childTnLst>
+                          </p:cTn>
+                        </p:par>
+                      </p:childTnLst>
+                    </p:cTn>
+                  </p:par>
+                  <p:par>
+                    <p:cTn id="18" fill="hold">
+                      <p:stCondLst>
+                        <p:cond delay="indefinite"/>
+                      </p:stCondLst>
+                      <p:childTnLst>
+                        <p:par>
+                          <p:cTn id="19" fill="hold">
+                            <p:stCondLst>
+                              <p:cond delay="0"/>
+                            </p:stCondLst>
+                            <p:childTnLst>
+                              <p:par>
+                                <p:cTn id="20" presetID="10" presetClass="entr" presetSubtype="0" fill="hold" nodeType="clickEffect">
+                                  <p:stCondLst>
+                                    <p:cond delay="0"/>
+                                  </p:stCondLst>
+                                  <p:childTnLst>
+                                    <p:set>
+                                      <p:cBhvr>
+                                        <p:cTn id="21" dur="1" fill="hold">
+                                          <p:stCondLst>
+                                            <p:cond delay="0"/>
+                                          </p:stCondLst>
+                                        </p:cTn>
+                                        <p:tgtEl>
+                                          <p:spTgt spid="5">
+                                            <p:txEl>
+                                              <p:pRg st="3" end="3"/>
+                                            </p:txEl>
+                                          </p:spTgt>
+                                        </p:tgtEl>
+                                        <p:attrNameLst>
+                                          <p:attrName>style.visibility</p:attrName>
+                                        </p:attrNameLst>
+                                      </p:cBhvr>
+                                      <p:to>
+                                        <p:strVal val="visible"/>
+                                      </p:to>
+                                    </p:set>
+                                    <p:animEffect transition="in" filter="fade">
+                                      <p:cBhvr>
+                                        <p:cTn id="22" dur="500"/>
+                                        <p:tgtEl>
+                                          <p:spTgt spid="5">
+                                            <p:txEl>
+                                              <p:pRg st="3" end="3"/>
+                                            </p:txEl>
+                                          </p:spTgt>
+                                        </p:tgtEl>
+                                      </p:cBhvr>
+                                    </p:animEffect>
+                                  </p:childTnLst>
+                                </p:cTn>
+                              </p:par>
+                            </p:childTnLst>
+                          </p:cTn>
+                        </p:par>
+                      </p:childTnLst>
+                    </p:cTn>
+                  </p:par>
+                  <p:par>
+                    <p:cTn id="23" fill="hold">
+                      <p:stCondLst>
+                        <p:cond delay="indefinite"/>
+                      </p:stCondLst>
+                      <p:childTnLst>
+                        <p:par>
+                          <p:cTn id="24" fill="hold">
+                            <p:stCondLst>
+                              <p:cond delay="0"/>
+                            </p:stCondLst>
+                            <p:childTnLst>
+                              <p:par>
+                                <p:cTn id="25" presetID="10" presetClass="entr" presetSubtype="0" fill="hold" nodeType="clickEffect">
+                                  <p:stCondLst>
+                                    <p:cond delay="0"/>
+                                  </p:stCondLst>
+                                  <p:childTnLst>
+                                    <p:set>
+                                      <p:cBhvr>
+                                        <p:cTn id="26" dur="1" fill="hold">
+                                          <p:stCondLst>
+                                            <p:cond delay="0"/>
+                                          </p:stCondLst>
+                                        </p:cTn>
+                                        <p:tgtEl>
+                                          <p:spTgt spid="5">
+                                            <p:txEl>
+                                              <p:pRg st="4" end="4"/>
+                                            </p:txEl>
+                                          </p:spTgt>
+                                        </p:tgtEl>
+                                        <p:attrNameLst>
+                                          <p:attrName>style.visibility</p:attrName>
+                                        </p:attrNameLst>
+                                      </p:cBhvr>
+                                      <p:to>
+                                        <p:strVal val="visible"/>
+                                      </p:to>
+                                    </p:set>
+                                    <p:animEffect transition="in" filter="fade">
+                                      <p:cBhvr>
+                                        <p:cTn id="27" dur="500"/>
+                                        <p:tgtEl>
+                                          <p:spTgt spid="5">
+                                            <p:txEl>
+                                              <p:pRg st="4" end="4"/>
+                                            </p:txEl>
+                                          </p:spTgt>
+                                        </p:tgtEl>
+                                      </p:cBhvr>
+                                    </p:animEffect>
+                                  </p:childTnLst>
+                                </p:cTn>
+                              </p:par>
+                            </p:childTnLst>
+                          </p:cTn>
+                        </p:par>
+                      </p:childTnLst>
+                    </p:cTn>
+                  </p:par>
+                </p:childTnLst>
+              </p:cTn>
+              <p:prevCondLst>
+                <p:cond evt="onPrev" delay="0">
+                  <p:tgtEl>
+                    <p:sldTgt/>
+                  </p:tgtEl>
+                </p:cond>
+              </p:prevCondLst>
+              <p:nextCondLst>
+                <p:cond evt="onNext" delay="0">
+                  <p:tgtEl>
+                    <p:sldTgt/>
+                  </p:tgtEl>
+                </p:cond>
+              </p:nextCondLst>
+            </p:seq>
+          </p:childTnLst>
+        </p:cTn>
+      </p:par>
+    </p:tnLst>
+  </p:timing>
 </p:sld>
 </file>
 
-<file path=ppt/slides/slide22.xml><?xml version="1.0" encoding="utf-8"?>
+<file path=ppt/slides/slide23.xml><?xml version="1.0" encoding="utf-8"?>
 <p:sld xmlns:a="http://schemas.openxmlformats.org/drawingml/2006/main" xmlns:r="http://schemas.openxmlformats.org/officeDocument/2006/relationships" xmlns:p="http://schemas.openxmlformats.org/presentationml/2006/main">
   <p:cSld>
     <p:spTree>
@@ -14084,7 +16922,7 @@
 </p:sld>
 </file>
 
-<file path=ppt/slides/slide23.xml><?xml version="1.0" encoding="utf-8"?>
+<file path=ppt/slides/slide24.xml><?xml version="1.0" encoding="utf-8"?>
 <p:sld xmlns:a="http://schemas.openxmlformats.org/drawingml/2006/main" xmlns:r="http://schemas.openxmlformats.org/officeDocument/2006/relationships" xmlns:p="http://schemas.openxmlformats.org/presentationml/2006/main">
   <p:cSld>
     <p:spTree>
@@ -14107,6 +16945,39 @@
           <a:chExt cx="0" cy="0"/>
         </a:xfrm>
       </p:grpSpPr>
+      <p:sp>
+        <p:nvSpPr>
+          <p:cNvPr id="2" name="Title 1">
+            <a:extLst>
+              <a:ext uri="{FF2B5EF4-FFF2-40B4-BE49-F238E27FC236}">
+                <a16:creationId xmlns:a16="http://schemas.microsoft.com/office/drawing/2014/main" id="{E5B256CF-E15E-2167-7761-E89BA5F36D76}"/>
+              </a:ext>
+            </a:extLst>
+          </p:cNvPr>
+          <p:cNvSpPr>
+            <a:spLocks noGrp="1"/>
+          </p:cNvSpPr>
+          <p:nvPr>
+            <p:ph type="title"/>
+          </p:nvPr>
+        </p:nvSpPr>
+        <p:spPr>
+          <a:xfrm>
+            <a:off x="503447" y="209677"/>
+            <a:ext cx="11059287" cy="877239"/>
+          </a:xfrm>
+        </p:spPr>
+        <p:txBody>
+          <a:bodyPr/>
+          <a:lstStyle/>
+          <a:p>
+            <a:r>
+              <a:rPr lang="en-US" dirty="0"/>
+              <a:t>Ideas for web and app dev teams</a:t>
+            </a:r>
+          </a:p>
+        </p:txBody>
+      </p:sp>
       <p:sp>
         <p:nvSpPr>
           <p:cNvPr id="5" name="Content Placeholder 2">
@@ -14235,39 +17106,6 @@
                 </a:solidFill>
               </a:rPr>
               <a:t>Eschew obfuscation</a:t>
-            </a:r>
-          </a:p>
-        </p:txBody>
-      </p:sp>
-      <p:sp>
-        <p:nvSpPr>
-          <p:cNvPr id="2" name="Title 1">
-            <a:extLst>
-              <a:ext uri="{FF2B5EF4-FFF2-40B4-BE49-F238E27FC236}">
-                <a16:creationId xmlns:a16="http://schemas.microsoft.com/office/drawing/2014/main" id="{E5B256CF-E15E-2167-7761-E89BA5F36D76}"/>
-              </a:ext>
-            </a:extLst>
-          </p:cNvPr>
-          <p:cNvSpPr>
-            <a:spLocks noGrp="1"/>
-          </p:cNvSpPr>
-          <p:nvPr>
-            <p:ph type="title"/>
-          </p:nvPr>
-        </p:nvSpPr>
-        <p:spPr>
-          <a:xfrm>
-            <a:off x="503447" y="209677"/>
-            <a:ext cx="11059287" cy="877239"/>
-          </a:xfrm>
-        </p:spPr>
-        <p:txBody>
-          <a:bodyPr/>
-          <a:lstStyle/>
-          <a:p>
-            <a:r>
-              <a:rPr lang="en-US" dirty="0"/>
-              <a:t>Ideas for web and app dev teams</a:t>
             </a:r>
           </a:p>
         </p:txBody>
@@ -14303,7 +17141,7 @@
                             </p:stCondLst>
                             <p:childTnLst>
                               <p:par>
-                                <p:cTn id="5" presetID="1" presetClass="entr" presetSubtype="0" fill="hold" nodeType="clickEffect">
+                                <p:cTn id="5" presetID="10" presetClass="entr" presetSubtype="0" fill="hold" nodeType="clickEffect">
                                   <p:stCondLst>
                                     <p:cond delay="0"/>
                                   </p:stCondLst>
@@ -14330,6 +17168,18 @@
                                         <p:strVal val="visible"/>
                                       </p:to>
                                     </p:set>
+                                    <p:animEffect transition="in" filter="fade">
+                                      <p:cBhvr>
+                                        <p:cTn id="7" dur="500"/>
+                                        <p:tgtEl>
+                                          <p:spTgt spid="5">
+                                            <p:txEl>
+                                              <p:pRg st="0" end="0"/>
+                                            </p:txEl>
+                                          </p:spTgt>
+                                        </p:tgtEl>
+                                      </p:cBhvr>
+                                    </p:animEffect>
                                   </p:childTnLst>
                                 </p:cTn>
                               </p:par>
@@ -14340,26 +17190,26 @@
                     </p:cTn>
                   </p:par>
                   <p:par>
-                    <p:cTn id="7" fill="hold">
+                    <p:cTn id="8" fill="hold">
                       <p:stCondLst>
                         <p:cond delay="indefinite"/>
                       </p:stCondLst>
                       <p:childTnLst>
                         <p:par>
-                          <p:cTn id="8" fill="hold">
+                          <p:cTn id="9" fill="hold">
                             <p:stCondLst>
                               <p:cond delay="0"/>
                             </p:stCondLst>
                             <p:childTnLst>
                               <p:par>
-                                <p:cTn id="9" presetID="1" presetClass="entr" presetSubtype="0" fill="hold" nodeType="clickEffect">
+                                <p:cTn id="10" presetID="10" presetClass="entr" presetSubtype="0" fill="hold" nodeType="clickEffect">
                                   <p:stCondLst>
                                     <p:cond delay="0"/>
                                   </p:stCondLst>
                                   <p:childTnLst>
                                     <p:set>
                                       <p:cBhvr>
-                                        <p:cTn id="10" dur="1" fill="hold">
+                                        <p:cTn id="11" dur="1" fill="hold">
                                           <p:stCondLst>
                                             <p:cond delay="0"/>
                                           </p:stCondLst>
@@ -14379,6 +17229,18 @@
                                         <p:strVal val="visible"/>
                                       </p:to>
                                     </p:set>
+                                    <p:animEffect transition="in" filter="fade">
+                                      <p:cBhvr>
+                                        <p:cTn id="12" dur="500"/>
+                                        <p:tgtEl>
+                                          <p:spTgt spid="5">
+                                            <p:txEl>
+                                              <p:pRg st="1" end="1"/>
+                                            </p:txEl>
+                                          </p:spTgt>
+                                        </p:tgtEl>
+                                      </p:cBhvr>
+                                    </p:animEffect>
                                   </p:childTnLst>
                                 </p:cTn>
                               </p:par>
@@ -14389,26 +17251,26 @@
                     </p:cTn>
                   </p:par>
                   <p:par>
-                    <p:cTn id="11" fill="hold">
+                    <p:cTn id="13" fill="hold">
                       <p:stCondLst>
                         <p:cond delay="indefinite"/>
                       </p:stCondLst>
                       <p:childTnLst>
                         <p:par>
-                          <p:cTn id="12" fill="hold">
+                          <p:cTn id="14" fill="hold">
                             <p:stCondLst>
                               <p:cond delay="0"/>
                             </p:stCondLst>
                             <p:childTnLst>
                               <p:par>
-                                <p:cTn id="13" presetID="1" presetClass="entr" presetSubtype="0" fill="hold" nodeType="clickEffect">
+                                <p:cTn id="15" presetID="10" presetClass="entr" presetSubtype="0" fill="hold" nodeType="clickEffect">
                                   <p:stCondLst>
                                     <p:cond delay="0"/>
                                   </p:stCondLst>
                                   <p:childTnLst>
                                     <p:set>
                                       <p:cBhvr>
-                                        <p:cTn id="14" dur="1" fill="hold">
+                                        <p:cTn id="16" dur="1" fill="hold">
                                           <p:stCondLst>
                                             <p:cond delay="0"/>
                                           </p:stCondLst>
@@ -14428,6 +17290,18 @@
                                         <p:strVal val="visible"/>
                                       </p:to>
                                     </p:set>
+                                    <p:animEffect transition="in" filter="fade">
+                                      <p:cBhvr>
+                                        <p:cTn id="17" dur="500"/>
+                                        <p:tgtEl>
+                                          <p:spTgt spid="5">
+                                            <p:txEl>
+                                              <p:pRg st="2" end="2"/>
+                                            </p:txEl>
+                                          </p:spTgt>
+                                        </p:tgtEl>
+                                      </p:cBhvr>
+                                    </p:animEffect>
                                   </p:childTnLst>
                                 </p:cTn>
                               </p:par>
@@ -14438,75 +17312,26 @@
                     </p:cTn>
                   </p:par>
                   <p:par>
-                    <p:cTn id="15" fill="hold">
+                    <p:cTn id="18" fill="hold">
                       <p:stCondLst>
                         <p:cond delay="indefinite"/>
                       </p:stCondLst>
                       <p:childTnLst>
                         <p:par>
-                          <p:cTn id="16" fill="hold">
+                          <p:cTn id="19" fill="hold">
                             <p:stCondLst>
                               <p:cond delay="0"/>
                             </p:stCondLst>
                             <p:childTnLst>
                               <p:par>
-                                <p:cTn id="17" presetID="1" presetClass="entr" presetSubtype="0" fill="hold" nodeType="clickEffect">
+                                <p:cTn id="20" presetID="10" presetClass="entr" presetSubtype="0" fill="hold" nodeType="clickEffect">
                                   <p:stCondLst>
                                     <p:cond delay="0"/>
                                   </p:stCondLst>
                                   <p:childTnLst>
                                     <p:set>
                                       <p:cBhvr>
-                                        <p:cTn id="18" dur="1" fill="hold">
-                                          <p:stCondLst>
-                                            <p:cond delay="0"/>
-                                          </p:stCondLst>
-                                        </p:cTn>
-                                        <p:tgtEl>
-                                          <p:spTgt spid="5">
-                                            <p:txEl>
-                                              <p:pRg st="4" end="4"/>
-                                            </p:txEl>
-                                          </p:spTgt>
-                                        </p:tgtEl>
-                                        <p:attrNameLst>
-                                          <p:attrName>style.visibility</p:attrName>
-                                        </p:attrNameLst>
-                                      </p:cBhvr>
-                                      <p:to>
-                                        <p:strVal val="visible"/>
-                                      </p:to>
-                                    </p:set>
-                                  </p:childTnLst>
-                                </p:cTn>
-                              </p:par>
-                            </p:childTnLst>
-                          </p:cTn>
-                        </p:par>
-                      </p:childTnLst>
-                    </p:cTn>
-                  </p:par>
-                  <p:par>
-                    <p:cTn id="19" fill="hold">
-                      <p:stCondLst>
-                        <p:cond delay="indefinite"/>
-                      </p:stCondLst>
-                      <p:childTnLst>
-                        <p:par>
-                          <p:cTn id="20" fill="hold">
-                            <p:stCondLst>
-                              <p:cond delay="0"/>
-                            </p:stCondLst>
-                            <p:childTnLst>
-                              <p:par>
-                                <p:cTn id="21" presetID="1" presetClass="entr" presetSubtype="0" fill="hold" nodeType="clickEffect">
-                                  <p:stCondLst>
-                                    <p:cond delay="0"/>
-                                  </p:stCondLst>
-                                  <p:childTnLst>
-                                    <p:set>
-                                      <p:cBhvr>
-                                        <p:cTn id="22" dur="1" fill="hold">
+                                        <p:cTn id="21" dur="1" fill="hold">
                                           <p:stCondLst>
                                             <p:cond delay="0"/>
                                           </p:stCondLst>
@@ -14526,6 +17351,18 @@
                                         <p:strVal val="visible"/>
                                       </p:to>
                                     </p:set>
+                                    <p:animEffect transition="in" filter="fade">
+                                      <p:cBhvr>
+                                        <p:cTn id="22" dur="500"/>
+                                        <p:tgtEl>
+                                          <p:spTgt spid="5">
+                                            <p:txEl>
+                                              <p:pRg st="3" end="3"/>
+                                            </p:txEl>
+                                          </p:spTgt>
+                                        </p:tgtEl>
+                                      </p:cBhvr>
+                                    </p:animEffect>
                                   </p:childTnLst>
                                 </p:cTn>
                               </p:par>
@@ -14548,7 +17385,7 @@
                             </p:stCondLst>
                             <p:childTnLst>
                               <p:par>
-                                <p:cTn id="25" presetID="1" presetClass="entr" presetSubtype="0" fill="hold" nodeType="clickEffect">
+                                <p:cTn id="25" presetID="10" presetClass="entr" presetSubtype="0" fill="hold" nodeType="clickEffect">
                                   <p:stCondLst>
                                     <p:cond delay="0"/>
                                   </p:stCondLst>
@@ -14556,6 +17393,67 @@
                                     <p:set>
                                       <p:cBhvr>
                                         <p:cTn id="26" dur="1" fill="hold">
+                                          <p:stCondLst>
+                                            <p:cond delay="0"/>
+                                          </p:stCondLst>
+                                        </p:cTn>
+                                        <p:tgtEl>
+                                          <p:spTgt spid="5">
+                                            <p:txEl>
+                                              <p:pRg st="4" end="4"/>
+                                            </p:txEl>
+                                          </p:spTgt>
+                                        </p:tgtEl>
+                                        <p:attrNameLst>
+                                          <p:attrName>style.visibility</p:attrName>
+                                        </p:attrNameLst>
+                                      </p:cBhvr>
+                                      <p:to>
+                                        <p:strVal val="visible"/>
+                                      </p:to>
+                                    </p:set>
+                                    <p:animEffect transition="in" filter="fade">
+                                      <p:cBhvr>
+                                        <p:cTn id="27" dur="500"/>
+                                        <p:tgtEl>
+                                          <p:spTgt spid="5">
+                                            <p:txEl>
+                                              <p:pRg st="4" end="4"/>
+                                            </p:txEl>
+                                          </p:spTgt>
+                                        </p:tgtEl>
+                                      </p:cBhvr>
+                                    </p:animEffect>
+                                  </p:childTnLst>
+                                </p:cTn>
+                              </p:par>
+                            </p:childTnLst>
+                          </p:cTn>
+                        </p:par>
+                      </p:childTnLst>
+                    </p:cTn>
+                  </p:par>
+                  <p:par>
+                    <p:cTn id="28" fill="hold">
+                      <p:stCondLst>
+                        <p:cond delay="indefinite"/>
+                      </p:stCondLst>
+                      <p:childTnLst>
+                        <p:par>
+                          <p:cTn id="29" fill="hold">
+                            <p:stCondLst>
+                              <p:cond delay="0"/>
+                            </p:stCondLst>
+                            <p:childTnLst>
+                              <p:par>
+                                <p:cTn id="30" presetID="10" presetClass="entr" presetSubtype="0" fill="hold" nodeType="clickEffect">
+                                  <p:stCondLst>
+                                    <p:cond delay="0"/>
+                                  </p:stCondLst>
+                                  <p:childTnLst>
+                                    <p:set>
+                                      <p:cBhvr>
+                                        <p:cTn id="31" dur="1" fill="hold">
                                           <p:stCondLst>
                                             <p:cond delay="0"/>
                                           </p:stCondLst>
@@ -14575,6 +17473,18 @@
                                         <p:strVal val="visible"/>
                                       </p:to>
                                     </p:set>
+                                    <p:animEffect transition="in" filter="fade">
+                                      <p:cBhvr>
+                                        <p:cTn id="32" dur="500"/>
+                                        <p:tgtEl>
+                                          <p:spTgt spid="5">
+                                            <p:txEl>
+                                              <p:pRg st="5" end="5"/>
+                                            </p:txEl>
+                                          </p:spTgt>
+                                        </p:tgtEl>
+                                      </p:cBhvr>
+                                    </p:animEffect>
                                   </p:childTnLst>
                                 </p:cTn>
                               </p:par>
@@ -14609,7 +17519,7 @@
 </p:sld>
 </file>
 
-<file path=ppt/slides/slide24.xml><?xml version="1.0" encoding="utf-8"?>
+<file path=ppt/slides/slide25.xml><?xml version="1.0" encoding="utf-8"?>
 <p:sld xmlns:a="http://schemas.openxmlformats.org/drawingml/2006/main" xmlns:r="http://schemas.openxmlformats.org/officeDocument/2006/relationships" xmlns:p="http://schemas.openxmlformats.org/presentationml/2006/main">
   <p:cSld>
     <p:spTree>
@@ -14632,6 +17542,39 @@
           <a:chExt cx="0" cy="0"/>
         </a:xfrm>
       </p:grpSpPr>
+      <p:sp>
+        <p:nvSpPr>
+          <p:cNvPr id="2" name="Title 1">
+            <a:extLst>
+              <a:ext uri="{FF2B5EF4-FFF2-40B4-BE49-F238E27FC236}">
+                <a16:creationId xmlns:a16="http://schemas.microsoft.com/office/drawing/2014/main" id="{95EA3764-530B-7DA3-48DB-6288030D5108}"/>
+              </a:ext>
+            </a:extLst>
+          </p:cNvPr>
+          <p:cNvSpPr>
+            <a:spLocks noGrp="1"/>
+          </p:cNvSpPr>
+          <p:nvPr>
+            <p:ph type="title"/>
+          </p:nvPr>
+        </p:nvSpPr>
+        <p:spPr>
+          <a:xfrm>
+            <a:off x="503447" y="209677"/>
+            <a:ext cx="11059287" cy="877239"/>
+          </a:xfrm>
+        </p:spPr>
+        <p:txBody>
+          <a:bodyPr/>
+          <a:lstStyle/>
+          <a:p>
+            <a:r>
+              <a:rPr lang="en-US" dirty="0"/>
+              <a:t>Ideas for AT and platform</a:t>
+            </a:r>
+          </a:p>
+        </p:txBody>
+      </p:sp>
       <p:sp>
         <p:nvSpPr>
           <p:cNvPr id="5" name="Content Placeholder 2">
@@ -14873,39 +17816,6 @@
                 </a:solidFill>
               </a:rPr>
               <a:t>Voice recognition</a:t>
-            </a:r>
-          </a:p>
-        </p:txBody>
-      </p:sp>
-      <p:sp>
-        <p:nvSpPr>
-          <p:cNvPr id="2" name="Title 1">
-            <a:extLst>
-              <a:ext uri="{FF2B5EF4-FFF2-40B4-BE49-F238E27FC236}">
-                <a16:creationId xmlns:a16="http://schemas.microsoft.com/office/drawing/2014/main" id="{95EA3764-530B-7DA3-48DB-6288030D5108}"/>
-              </a:ext>
-            </a:extLst>
-          </p:cNvPr>
-          <p:cNvSpPr>
-            <a:spLocks noGrp="1"/>
-          </p:cNvSpPr>
-          <p:nvPr>
-            <p:ph type="title"/>
-          </p:nvPr>
-        </p:nvSpPr>
-        <p:spPr>
-          <a:xfrm>
-            <a:off x="503447" y="209677"/>
-            <a:ext cx="11059287" cy="877239"/>
-          </a:xfrm>
-        </p:spPr>
-        <p:txBody>
-          <a:bodyPr/>
-          <a:lstStyle/>
-          <a:p>
-            <a:r>
-              <a:rPr lang="en-US" dirty="0"/>
-              <a:t>Ideas for AT and platform</a:t>
             </a:r>
           </a:p>
         </p:txBody>
@@ -15409,7 +18319,7 @@
 </p:sld>
 </file>
 
-<file path=ppt/slides/slide25.xml><?xml version="1.0" encoding="utf-8"?>
+<file path=ppt/slides/slide26.xml><?xml version="1.0" encoding="utf-8"?>
 <p:sld xmlns:a="http://schemas.openxmlformats.org/drawingml/2006/main" xmlns:r="http://schemas.openxmlformats.org/officeDocument/2006/relationships" xmlns:p="http://schemas.openxmlformats.org/presentationml/2006/main">
   <p:cSld>
     <p:spTree>
@@ -15509,7 +18419,7 @@
 </p:sld>
 </file>
 
-<file path=ppt/slides/slide26.xml><?xml version="1.0" encoding="utf-8"?>
+<file path=ppt/slides/slide27.xml><?xml version="1.0" encoding="utf-8"?>
 <p:sld xmlns:a="http://schemas.openxmlformats.org/drawingml/2006/main" xmlns:r="http://schemas.openxmlformats.org/officeDocument/2006/relationships" xmlns:p="http://schemas.openxmlformats.org/presentationml/2006/main">
   <p:cSld>
     <p:spTree>
@@ -15562,12 +18472,73 @@
           </a:p>
         </p:txBody>
       </p:sp>
+      <p:sp>
+        <p:nvSpPr>
+          <p:cNvPr id="13" name="TextBox 12">
+            <a:extLst>
+              <a:ext uri="{FF2B5EF4-FFF2-40B4-BE49-F238E27FC236}">
+                <a16:creationId xmlns:a16="http://schemas.microsoft.com/office/drawing/2014/main" id="{BEAB21C7-7C02-D669-9118-67A34A47453F}"/>
+              </a:ext>
+            </a:extLst>
+          </p:cNvPr>
+          <p:cNvSpPr txBox="1"/>
+          <p:nvPr/>
+        </p:nvSpPr>
+        <p:spPr>
+          <a:xfrm>
+            <a:off x="5190375" y="5040634"/>
+            <a:ext cx="4634108" cy="954107"/>
+          </a:xfrm>
+          <a:prstGeom prst="rect">
+            <a:avLst/>
+          </a:prstGeom>
+          <a:noFill/>
+        </p:spPr>
+        <p:txBody>
+          <a:bodyPr wrap="square">
+            <a:spAutoFit/>
+          </a:bodyPr>
+          <a:lstStyle/>
+          <a:p>
+            <a:r>
+              <a:rPr lang="en-US" sz="1600" dirty="0">
+                <a:solidFill>
+                  <a:schemeClr val="bg1"/>
+                </a:solidFill>
+              </a:rPr>
+              <a:t>Presentation and demos:</a:t>
+            </a:r>
+            <a:br>
+              <a:rPr lang="en-US" sz="1600" dirty="0">
+                <a:solidFill>
+                  <a:schemeClr val="bg1"/>
+                </a:solidFill>
+              </a:rPr>
+            </a:br>
+            <a:br>
+              <a:rPr lang="en-US" sz="2000" dirty="0">
+                <a:solidFill>
+                  <a:schemeClr val="bg1"/>
+                </a:solidFill>
+              </a:rPr>
+            </a:br>
+            <a:r>
+              <a:rPr lang="en-US" sz="2000" dirty="0">
+                <a:solidFill>
+                  <a:schemeClr val="bg1"/>
+                </a:solidFill>
+              </a:rPr>
+              <a:t>thepaciellogroup.github.io/babel</a:t>
+            </a:r>
+          </a:p>
+        </p:txBody>
+      </p:sp>
       <p:grpSp>
         <p:nvGrpSpPr>
-          <p:cNvPr id="11" name="Group 10">
+          <p:cNvPr id="12" name="Group 11" descr="QR code">
             <a:extLst>
               <a:ext uri="{FF2B5EF4-FFF2-40B4-BE49-F238E27FC236}">
-                <a16:creationId xmlns:a16="http://schemas.microsoft.com/office/drawing/2014/main" id="{6378199E-F95D-4907-BE55-E761F927AAC4}"/>
+                <a16:creationId xmlns:a16="http://schemas.microsoft.com/office/drawing/2014/main" id="{05319E0C-CC09-A331-B9D0-2364B129B487}"/>
               </a:ext>
             </a:extLst>
           </p:cNvPr>
@@ -15577,181 +18548,99 @@
         <p:grpSpPr>
           <a:xfrm>
             <a:off x="2946669" y="4608088"/>
-            <a:ext cx="6877814" cy="1892624"/>
-            <a:chOff x="1097772" y="4965376"/>
-            <a:chExt cx="6877814" cy="1892624"/>
+            <a:ext cx="2017217" cy="1892624"/>
+            <a:chOff x="8581293" y="2629163"/>
+            <a:chExt cx="3416440" cy="3205424"/>
           </a:xfrm>
         </p:grpSpPr>
-        <p:grpSp>
-          <p:nvGrpSpPr>
-            <p:cNvPr id="12" name="Group 11">
+        <p:sp>
+          <p:nvSpPr>
+            <p:cNvPr id="14" name="Rectangle 13">
               <a:extLst>
                 <a:ext uri="{FF2B5EF4-FFF2-40B4-BE49-F238E27FC236}">
-                  <a16:creationId xmlns:a16="http://schemas.microsoft.com/office/drawing/2014/main" id="{05319E0C-CC09-A331-B9D0-2364B129B487}"/>
+                  <a16:creationId xmlns:a16="http://schemas.microsoft.com/office/drawing/2014/main" id="{A764100E-2356-D6B1-293F-92AAB530BACC}"/>
                 </a:ext>
               </a:extLst>
             </p:cNvPr>
-            <p:cNvGrpSpPr/>
-            <p:nvPr/>
-          </p:nvGrpSpPr>
-          <p:grpSpPr>
-            <a:xfrm>
-              <a:off x="1097772" y="4965376"/>
-              <a:ext cx="2017217" cy="1892624"/>
-              <a:chOff x="8581293" y="2629163"/>
-              <a:chExt cx="3416440" cy="3205424"/>
-            </a:xfrm>
-          </p:grpSpPr>
-          <p:sp>
-            <p:nvSpPr>
-              <p:cNvPr id="14" name="Rectangle 13">
-                <a:extLst>
-                  <a:ext uri="{FF2B5EF4-FFF2-40B4-BE49-F238E27FC236}">
-                    <a16:creationId xmlns:a16="http://schemas.microsoft.com/office/drawing/2014/main" id="{A764100E-2356-D6B1-293F-92AAB530BACC}"/>
-                  </a:ext>
-                </a:extLst>
-              </p:cNvPr>
-              <p:cNvSpPr/>
-              <p:nvPr/>
-            </p:nvSpPr>
-            <p:spPr>
-              <a:xfrm>
-                <a:off x="8581293" y="2629163"/>
-                <a:ext cx="3416440" cy="3205424"/>
-              </a:xfrm>
-              <a:prstGeom prst="rect">
-                <a:avLst/>
-              </a:prstGeom>
-              <a:solidFill>
-                <a:schemeClr val="bg1"/>
-              </a:solidFill>
-              <a:ln>
-                <a:noFill/>
-              </a:ln>
-            </p:spPr>
-            <p:style>
-              <a:lnRef idx="2">
-                <a:schemeClr val="accent1">
-                  <a:shade val="50000"/>
-                </a:schemeClr>
-              </a:lnRef>
-              <a:fillRef idx="1">
-                <a:schemeClr val="accent1"/>
-              </a:fillRef>
-              <a:effectRef idx="0">
-                <a:schemeClr val="accent1"/>
-              </a:effectRef>
-              <a:fontRef idx="minor">
-                <a:schemeClr val="lt1"/>
-              </a:fontRef>
-            </p:style>
-            <p:txBody>
-              <a:bodyPr rtlCol="0" anchor="ctr"/>
-              <a:lstStyle/>
-              <a:p>
-                <a:pPr algn="ctr"/>
-                <a:endParaRPr lang="en-US"/>
-              </a:p>
-            </p:txBody>
-          </p:sp>
-          <p:pic>
-            <p:nvPicPr>
-              <p:cNvPr id="15" name="Picture 14" descr="A qr code on a white background&#10;&#10;AI-generated content may be incorrect.">
-                <a:extLst>
-                  <a:ext uri="{FF2B5EF4-FFF2-40B4-BE49-F238E27FC236}">
-                    <a16:creationId xmlns:a16="http://schemas.microsoft.com/office/drawing/2014/main" id="{2954E8E6-9259-3B12-898D-DE7715E1940E}"/>
-                  </a:ext>
-                </a:extLst>
-              </p:cNvPr>
-              <p:cNvPicPr>
-                <a:picLocks noChangeAspect="1"/>
-              </p:cNvPicPr>
-              <p:nvPr/>
-            </p:nvPicPr>
-            <p:blipFill>
-              <a:blip r:embed="rId2">
-                <a:extLst>
-                  <a:ext uri="{28A0092B-C50C-407E-A947-70E740481C1C}">
-                    <a14:useLocalDpi xmlns:a14="http://schemas.microsoft.com/office/drawing/2010/main" val="0"/>
-                  </a:ext>
-                </a:extLst>
-              </a:blip>
-              <a:stretch>
-                <a:fillRect/>
-              </a:stretch>
-            </p:blipFill>
-            <p:spPr>
-              <a:xfrm>
-                <a:off x="8964884" y="2907246"/>
-                <a:ext cx="2629162" cy="2629162"/>
-              </a:xfrm>
-              <a:prstGeom prst="rect">
-                <a:avLst/>
-              </a:prstGeom>
-            </p:spPr>
-          </p:pic>
-        </p:grpSp>
-        <p:sp>
-          <p:nvSpPr>
-            <p:cNvPr id="13" name="TextBox 12">
-              <a:extLst>
-                <a:ext uri="{FF2B5EF4-FFF2-40B4-BE49-F238E27FC236}">
-                  <a16:creationId xmlns:a16="http://schemas.microsoft.com/office/drawing/2014/main" id="{BEAB21C7-7C02-D669-9118-67A34A47453F}"/>
-                </a:ext>
-              </a:extLst>
-            </p:cNvPr>
-            <p:cNvSpPr txBox="1"/>
+            <p:cNvSpPr/>
             <p:nvPr/>
           </p:nvSpPr>
           <p:spPr>
             <a:xfrm>
-              <a:off x="3341478" y="5397922"/>
-              <a:ext cx="4634108" cy="954107"/>
+              <a:off x="8581293" y="2629163"/>
+              <a:ext cx="3416440" cy="3205424"/>
             </a:xfrm>
             <a:prstGeom prst="rect">
               <a:avLst/>
             </a:prstGeom>
-            <a:noFill/>
+            <a:solidFill>
+              <a:schemeClr val="bg1"/>
+            </a:solidFill>
+            <a:ln>
+              <a:noFill/>
+            </a:ln>
           </p:spPr>
+          <p:style>
+            <a:lnRef idx="2">
+              <a:schemeClr val="accent1">
+                <a:shade val="50000"/>
+              </a:schemeClr>
+            </a:lnRef>
+            <a:fillRef idx="1">
+              <a:schemeClr val="accent1"/>
+            </a:fillRef>
+            <a:effectRef idx="0">
+              <a:schemeClr val="accent1"/>
+            </a:effectRef>
+            <a:fontRef idx="minor">
+              <a:schemeClr val="lt1"/>
+            </a:fontRef>
+          </p:style>
           <p:txBody>
-            <a:bodyPr wrap="square">
-              <a:spAutoFit/>
-            </a:bodyPr>
+            <a:bodyPr rtlCol="0" anchor="ctr"/>
             <a:lstStyle/>
             <a:p>
-              <a:r>
-                <a:rPr lang="en-US" sz="1600" dirty="0">
-                  <a:solidFill>
-                    <a:schemeClr val="bg1"/>
-                  </a:solidFill>
-                </a:rPr>
-                <a:t>Presentation and demos:</a:t>
-              </a:r>
-              <a:br>
-                <a:rPr lang="en-US" sz="1600" dirty="0">
-                  <a:solidFill>
-                    <a:schemeClr val="bg1"/>
-                  </a:solidFill>
-                </a:rPr>
-              </a:br>
-              <a:br>
-                <a:rPr lang="en-US" sz="2000" dirty="0">
-                  <a:solidFill>
-                    <a:schemeClr val="bg1"/>
-                  </a:solidFill>
-                </a:rPr>
-              </a:br>
-              <a:r>
-                <a:rPr lang="en-US" sz="2000" dirty="0">
-                  <a:solidFill>
-                    <a:schemeClr val="bg1"/>
-                  </a:solidFill>
-                </a:rPr>
-                <a:t>thepaciellogroup.github.io/babel</a:t>
-              </a:r>
+              <a:pPr algn="ctr"/>
+              <a:endParaRPr lang="en-US"/>
             </a:p>
           </p:txBody>
         </p:sp>
+        <p:pic>
+          <p:nvPicPr>
+            <p:cNvPr id="15" name="Picture 14" descr="A qr code on a white background&#10;&#10;AI-generated content may be incorrect.">
+              <a:extLst>
+                <a:ext uri="{FF2B5EF4-FFF2-40B4-BE49-F238E27FC236}">
+                  <a16:creationId xmlns:a16="http://schemas.microsoft.com/office/drawing/2014/main" id="{2954E8E6-9259-3B12-898D-DE7715E1940E}"/>
+                </a:ext>
+              </a:extLst>
+            </p:cNvPr>
+            <p:cNvPicPr>
+              <a:picLocks noChangeAspect="1"/>
+            </p:cNvPicPr>
+            <p:nvPr/>
+          </p:nvPicPr>
+          <p:blipFill>
+            <a:blip r:embed="rId2">
+              <a:extLst>
+                <a:ext uri="{28A0092B-C50C-407E-A947-70E740481C1C}">
+                  <a14:useLocalDpi xmlns:a14="http://schemas.microsoft.com/office/drawing/2010/main" val="0"/>
+                </a:ext>
+              </a:extLst>
+            </a:blip>
+            <a:stretch>
+              <a:fillRect/>
+            </a:stretch>
+          </p:blipFill>
+          <p:spPr>
+            <a:xfrm>
+              <a:off x="8964884" y="2907246"/>
+              <a:ext cx="2629162" cy="2629162"/>
+            </a:xfrm>
+            <a:prstGeom prst="rect">
+              <a:avLst/>
+            </a:prstGeom>
+          </p:spPr>
+        </p:pic>
       </p:grpSp>
     </p:spTree>
     <p:extLst>
@@ -15766,7 +18655,7 @@
 </p:sld>
 </file>
 
-<file path=ppt/slides/slide27.xml><?xml version="1.0" encoding="utf-8"?>
+<file path=ppt/slides/slide28.xml><?xml version="1.0" encoding="utf-8"?>
 <p:sld xmlns:a="http://schemas.openxmlformats.org/drawingml/2006/main" xmlns:r="http://schemas.openxmlformats.org/officeDocument/2006/relationships" xmlns:p="http://schemas.openxmlformats.org/presentationml/2006/main">
   <p:cSld>
     <p:spTree>
@@ -16562,12 +19451,81 @@
           </a:graphicData>
         </a:graphic>
       </p:graphicFrame>
+      <p:sp>
+        <p:nvSpPr>
+          <p:cNvPr id="7" name="TextBox 6">
+            <a:extLst>
+              <a:ext uri="{FF2B5EF4-FFF2-40B4-BE49-F238E27FC236}">
+                <a16:creationId xmlns:a16="http://schemas.microsoft.com/office/drawing/2014/main" id="{CBE0A639-601E-AC86-F320-9380D625D78D}"/>
+              </a:ext>
+            </a:extLst>
+          </p:cNvPr>
+          <p:cNvSpPr txBox="1"/>
+          <p:nvPr/>
+        </p:nvSpPr>
+        <p:spPr>
+          <a:xfrm>
+            <a:off x="5244147" y="5386615"/>
+            <a:ext cx="4634108" cy="954107"/>
+          </a:xfrm>
+          <a:prstGeom prst="rect">
+            <a:avLst/>
+          </a:prstGeom>
+          <a:noFill/>
+        </p:spPr>
+        <p:txBody>
+          <a:bodyPr wrap="square">
+            <a:spAutoFit/>
+          </a:bodyPr>
+          <a:lstStyle/>
+          <a:p>
+            <a:r>
+              <a:rPr lang="en-US" sz="1600" dirty="0">
+                <a:solidFill>
+                  <a:schemeClr val="tx1">
+                    <a:lumMod val="50000"/>
+                  </a:schemeClr>
+                </a:solidFill>
+              </a:rPr>
+              <a:t>Presentation and demos:</a:t>
+            </a:r>
+            <a:br>
+              <a:rPr lang="en-US" sz="1600" dirty="0">
+                <a:solidFill>
+                  <a:schemeClr val="tx1">
+                    <a:lumMod val="50000"/>
+                  </a:schemeClr>
+                </a:solidFill>
+              </a:rPr>
+            </a:br>
+            <a:br>
+              <a:rPr lang="en-US" sz="2000" dirty="0">
+                <a:solidFill>
+                  <a:schemeClr val="tx1">
+                    <a:lumMod val="50000"/>
+                  </a:schemeClr>
+                </a:solidFill>
+              </a:rPr>
+            </a:br>
+            <a:r>
+              <a:rPr lang="en-US" sz="2000" dirty="0">
+                <a:solidFill>
+                  <a:schemeClr val="tx1">
+                    <a:lumMod val="50000"/>
+                  </a:schemeClr>
+                </a:solidFill>
+              </a:rPr>
+              <a:t>thepaciellogroup.github.io/babel</a:t>
+            </a:r>
+          </a:p>
+        </p:txBody>
+      </p:sp>
       <p:grpSp>
         <p:nvGrpSpPr>
-          <p:cNvPr id="8" name="Group 7">
+          <p:cNvPr id="3" name="Group 2" descr="QR code">
             <a:extLst>
               <a:ext uri="{FF2B5EF4-FFF2-40B4-BE49-F238E27FC236}">
-                <a16:creationId xmlns:a16="http://schemas.microsoft.com/office/drawing/2014/main" id="{BC170DF1-FBF1-BC7D-BD06-57B44071D73B}"/>
+                <a16:creationId xmlns:a16="http://schemas.microsoft.com/office/drawing/2014/main" id="{AAF6FBD0-BA5B-8BBD-E581-99F79A479B18}"/>
               </a:ext>
             </a:extLst>
           </p:cNvPr>
@@ -16577,540 +19535,104 @@
         <p:grpSpPr>
           <a:xfrm>
             <a:off x="3238796" y="4965376"/>
-            <a:ext cx="6639459" cy="1892624"/>
-            <a:chOff x="1097772" y="4965376"/>
-            <a:chExt cx="6639459" cy="1892624"/>
+            <a:ext cx="2017217" cy="1892624"/>
+            <a:chOff x="8581293" y="2629163"/>
+            <a:chExt cx="3416440" cy="3205424"/>
           </a:xfrm>
         </p:grpSpPr>
-        <p:grpSp>
-          <p:nvGrpSpPr>
-            <p:cNvPr id="3" name="Group 2">
+        <p:sp>
+          <p:nvSpPr>
+            <p:cNvPr id="5" name="Rectangle 4">
               <a:extLst>
                 <a:ext uri="{FF2B5EF4-FFF2-40B4-BE49-F238E27FC236}">
-                  <a16:creationId xmlns:a16="http://schemas.microsoft.com/office/drawing/2014/main" id="{AAF6FBD0-BA5B-8BBD-E581-99F79A479B18}"/>
+                  <a16:creationId xmlns:a16="http://schemas.microsoft.com/office/drawing/2014/main" id="{49109567-0FDB-220D-462E-587742059DEA}"/>
                 </a:ext>
               </a:extLst>
             </p:cNvPr>
-            <p:cNvGrpSpPr/>
-            <p:nvPr/>
-          </p:nvGrpSpPr>
-          <p:grpSpPr>
-            <a:xfrm>
-              <a:off x="1097772" y="4965376"/>
-              <a:ext cx="2017217" cy="1892624"/>
-              <a:chOff x="8581293" y="2629163"/>
-              <a:chExt cx="3416440" cy="3205424"/>
-            </a:xfrm>
-          </p:grpSpPr>
-          <p:sp>
-            <p:nvSpPr>
-              <p:cNvPr id="5" name="Rectangle 4">
-                <a:extLst>
-                  <a:ext uri="{FF2B5EF4-FFF2-40B4-BE49-F238E27FC236}">
-                    <a16:creationId xmlns:a16="http://schemas.microsoft.com/office/drawing/2014/main" id="{49109567-0FDB-220D-462E-587742059DEA}"/>
-                  </a:ext>
-                </a:extLst>
-              </p:cNvPr>
-              <p:cNvSpPr/>
-              <p:nvPr/>
-            </p:nvSpPr>
-            <p:spPr>
-              <a:xfrm>
-                <a:off x="8581293" y="2629163"/>
-                <a:ext cx="3416440" cy="3205424"/>
-              </a:xfrm>
-              <a:prstGeom prst="rect">
-                <a:avLst/>
-              </a:prstGeom>
-              <a:solidFill>
-                <a:schemeClr val="bg1"/>
-              </a:solidFill>
-              <a:ln>
-                <a:noFill/>
-              </a:ln>
-            </p:spPr>
-            <p:style>
-              <a:lnRef idx="2">
-                <a:schemeClr val="accent1">
-                  <a:shade val="50000"/>
-                </a:schemeClr>
-              </a:lnRef>
-              <a:fillRef idx="1">
-                <a:schemeClr val="accent1"/>
-              </a:fillRef>
-              <a:effectRef idx="0">
-                <a:schemeClr val="accent1"/>
-              </a:effectRef>
-              <a:fontRef idx="minor">
-                <a:schemeClr val="lt1"/>
-              </a:fontRef>
-            </p:style>
-            <p:txBody>
-              <a:bodyPr rtlCol="0" anchor="ctr"/>
-              <a:lstStyle/>
-              <a:p>
-                <a:pPr algn="ctr"/>
-                <a:endParaRPr lang="en-US"/>
-              </a:p>
-            </p:txBody>
-          </p:sp>
-          <p:pic>
-            <p:nvPicPr>
-              <p:cNvPr id="6" name="Picture 5" descr="A qr code on a white background&#10;&#10;AI-generated content may be incorrect.">
-                <a:extLst>
-                  <a:ext uri="{FF2B5EF4-FFF2-40B4-BE49-F238E27FC236}">
-                    <a16:creationId xmlns:a16="http://schemas.microsoft.com/office/drawing/2014/main" id="{93733ADE-9046-0DD4-2CF4-02DDB9542693}"/>
-                  </a:ext>
-                </a:extLst>
-              </p:cNvPr>
-              <p:cNvPicPr>
-                <a:picLocks noChangeAspect="1"/>
-              </p:cNvPicPr>
-              <p:nvPr/>
-            </p:nvPicPr>
-            <p:blipFill>
-              <a:blip r:embed="rId3">
-                <a:extLst>
-                  <a:ext uri="{28A0092B-C50C-407E-A947-70E740481C1C}">
-                    <a14:useLocalDpi xmlns:a14="http://schemas.microsoft.com/office/drawing/2010/main" val="0"/>
-                  </a:ext>
-                </a:extLst>
-              </a:blip>
-              <a:stretch>
-                <a:fillRect/>
-              </a:stretch>
-            </p:blipFill>
-            <p:spPr>
-              <a:xfrm>
-                <a:off x="8964884" y="2907246"/>
-                <a:ext cx="2629162" cy="2629162"/>
-              </a:xfrm>
-              <a:prstGeom prst="rect">
-                <a:avLst/>
-              </a:prstGeom>
-            </p:spPr>
-          </p:pic>
-        </p:grpSp>
-        <p:sp>
-          <p:nvSpPr>
-            <p:cNvPr id="7" name="TextBox 6">
-              <a:extLst>
-                <a:ext uri="{FF2B5EF4-FFF2-40B4-BE49-F238E27FC236}">
-                  <a16:creationId xmlns:a16="http://schemas.microsoft.com/office/drawing/2014/main" id="{CBE0A639-601E-AC86-F320-9380D625D78D}"/>
-                </a:ext>
-              </a:extLst>
-            </p:cNvPr>
-            <p:cNvSpPr txBox="1"/>
+            <p:cNvSpPr/>
             <p:nvPr/>
           </p:nvSpPr>
           <p:spPr>
             <a:xfrm>
-              <a:off x="3103123" y="5386615"/>
-              <a:ext cx="4634108" cy="954107"/>
+              <a:off x="8581293" y="2629163"/>
+              <a:ext cx="3416440" cy="3205424"/>
             </a:xfrm>
             <a:prstGeom prst="rect">
               <a:avLst/>
             </a:prstGeom>
-            <a:noFill/>
+            <a:solidFill>
+              <a:schemeClr val="bg1"/>
+            </a:solidFill>
+            <a:ln>
+              <a:noFill/>
+            </a:ln>
           </p:spPr>
+          <p:style>
+            <a:lnRef idx="2">
+              <a:schemeClr val="accent1">
+                <a:shade val="50000"/>
+              </a:schemeClr>
+            </a:lnRef>
+            <a:fillRef idx="1">
+              <a:schemeClr val="accent1"/>
+            </a:fillRef>
+            <a:effectRef idx="0">
+              <a:schemeClr val="accent1"/>
+            </a:effectRef>
+            <a:fontRef idx="minor">
+              <a:schemeClr val="lt1"/>
+            </a:fontRef>
+          </p:style>
           <p:txBody>
-            <a:bodyPr wrap="square">
-              <a:spAutoFit/>
-            </a:bodyPr>
+            <a:bodyPr rtlCol="0" anchor="ctr"/>
             <a:lstStyle/>
             <a:p>
-              <a:r>
-                <a:rPr lang="en-US" sz="1600" dirty="0">
-                  <a:solidFill>
-                    <a:schemeClr val="tx1">
-                      <a:lumMod val="50000"/>
-                    </a:schemeClr>
-                  </a:solidFill>
-                </a:rPr>
-                <a:t>Presentation and demos:</a:t>
-              </a:r>
-              <a:br>
-                <a:rPr lang="en-US" sz="1600" dirty="0">
-                  <a:solidFill>
-                    <a:schemeClr val="tx1">
-                      <a:lumMod val="50000"/>
-                    </a:schemeClr>
-                  </a:solidFill>
-                </a:rPr>
-              </a:br>
-              <a:br>
-                <a:rPr lang="en-US" sz="2000" dirty="0">
-                  <a:solidFill>
-                    <a:schemeClr val="tx1">
-                      <a:lumMod val="50000"/>
-                    </a:schemeClr>
-                  </a:solidFill>
-                </a:rPr>
-              </a:br>
-              <a:r>
-                <a:rPr lang="en-US" sz="2000" dirty="0">
-                  <a:solidFill>
-                    <a:schemeClr val="tx1">
-                      <a:lumMod val="50000"/>
-                    </a:schemeClr>
-                  </a:solidFill>
-                </a:rPr>
-                <a:t>thepaciellogroup.github.io/babel</a:t>
-              </a:r>
+              <a:pPr algn="ctr"/>
+              <a:endParaRPr lang="en-US"/>
             </a:p>
           </p:txBody>
         </p:sp>
+        <p:pic>
+          <p:nvPicPr>
+            <p:cNvPr id="6" name="Picture 5" descr="A qr code on a white background&#10;&#10;AI-generated content may be incorrect.">
+              <a:extLst>
+                <a:ext uri="{FF2B5EF4-FFF2-40B4-BE49-F238E27FC236}">
+                  <a16:creationId xmlns:a16="http://schemas.microsoft.com/office/drawing/2014/main" id="{93733ADE-9046-0DD4-2CF4-02DDB9542693}"/>
+                </a:ext>
+              </a:extLst>
+            </p:cNvPr>
+            <p:cNvPicPr>
+              <a:picLocks noChangeAspect="1"/>
+            </p:cNvPicPr>
+            <p:nvPr/>
+          </p:nvPicPr>
+          <p:blipFill>
+            <a:blip r:embed="rId3">
+              <a:extLst>
+                <a:ext uri="{28A0092B-C50C-407E-A947-70E740481C1C}">
+                  <a14:useLocalDpi xmlns:a14="http://schemas.microsoft.com/office/drawing/2010/main" val="0"/>
+                </a:ext>
+              </a:extLst>
+            </a:blip>
+            <a:stretch>
+              <a:fillRect/>
+            </a:stretch>
+          </p:blipFill>
+          <p:spPr>
+            <a:xfrm>
+              <a:off x="8964884" y="2907246"/>
+              <a:ext cx="2629162" cy="2629162"/>
+            </a:xfrm>
+            <a:prstGeom prst="rect">
+              <a:avLst/>
+            </a:prstGeom>
+          </p:spPr>
+        </p:pic>
       </p:grpSp>
     </p:spTree>
     <p:extLst>
       <p:ext uri="{BB962C8B-B14F-4D97-AF65-F5344CB8AC3E}">
         <p14:creationId xmlns:p14="http://schemas.microsoft.com/office/powerpoint/2010/main" val="2217343461"/>
-      </p:ext>
-    </p:extLst>
-  </p:cSld>
-  <p:clrMapOvr>
-    <a:masterClrMapping/>
-  </p:clrMapOvr>
-</p:sld>
-</file>
-
-<file path=ppt/slides/slide28.xml><?xml version="1.0" encoding="utf-8"?>
-<p:sld xmlns:a="http://schemas.openxmlformats.org/drawingml/2006/main" xmlns:r="http://schemas.openxmlformats.org/officeDocument/2006/relationships" xmlns:p="http://schemas.openxmlformats.org/presentationml/2006/main">
-  <p:cSld>
-    <p:spTree>
-      <p:nvGrpSpPr>
-        <p:cNvPr id="1" name="">
-          <a:extLst>
-            <a:ext uri="{FF2B5EF4-FFF2-40B4-BE49-F238E27FC236}">
-              <a16:creationId xmlns:a16="http://schemas.microsoft.com/office/drawing/2014/main" id="{5CC2A4C2-CBF3-A8E7-87A3-216B6D234E2F}"/>
-            </a:ext>
-          </a:extLst>
-        </p:cNvPr>
-        <p:cNvGrpSpPr/>
-        <p:nvPr/>
-      </p:nvGrpSpPr>
-      <p:grpSpPr>
-        <a:xfrm>
-          <a:off x="0" y="0"/>
-          <a:ext cx="0" cy="0"/>
-          <a:chOff x="0" y="0"/>
-          <a:chExt cx="0" cy="0"/>
-        </a:xfrm>
-      </p:grpSpPr>
-      <p:sp>
-        <p:nvSpPr>
-          <p:cNvPr id="5" name="Content Placeholder 2">
-            <a:extLst>
-              <a:ext uri="{FF2B5EF4-FFF2-40B4-BE49-F238E27FC236}">
-                <a16:creationId xmlns:a16="http://schemas.microsoft.com/office/drawing/2014/main" id="{E5F58300-B621-B18D-4AFA-44A15EE58EE1}"/>
-              </a:ext>
-            </a:extLst>
-          </p:cNvPr>
-          <p:cNvSpPr>
-            <a:spLocks noGrp="1"/>
-          </p:cNvSpPr>
-          <p:nvPr>
-            <p:ph sz="quarter" idx="10"/>
-          </p:nvPr>
-        </p:nvSpPr>
-        <p:spPr>
-          <a:xfrm>
-            <a:off x="960119" y="1371600"/>
-            <a:ext cx="9349489" cy="3977640"/>
-          </a:xfrm>
-        </p:spPr>
-        <p:txBody>
-          <a:bodyPr>
-            <a:normAutofit/>
-          </a:bodyPr>
-          <a:lstStyle/>
-          <a:p>
-            <a:pPr marL="285750" indent="-285750" fontAlgn="base">
-              <a:spcBef>
-                <a:spcPts val="600"/>
-              </a:spcBef>
-              <a:spcAft>
-                <a:spcPts val="600"/>
-              </a:spcAft>
-              <a:buClr>
-                <a:srgbClr val="1A3B5B"/>
-              </a:buClr>
-              <a:buFont typeface="Wingdings" pitchFamily="2" charset="2"/>
-              <a:buChar char="§"/>
-            </a:pPr>
-            <a:r>
-              <a:rPr lang="en-US" sz="1600" dirty="0">
-                <a:solidFill>
-                  <a:srgbClr val="1A3B5B"/>
-                </a:solidFill>
-              </a:rPr>
-              <a:t>All the languages, all the human diversity (age, disability, technical skills, literacy)</a:t>
-            </a:r>
-          </a:p>
-          <a:p>
-            <a:pPr marL="285750" indent="-285750" fontAlgn="base">
-              <a:spcBef>
-                <a:spcPts val="600"/>
-              </a:spcBef>
-              <a:spcAft>
-                <a:spcPts val="600"/>
-              </a:spcAft>
-              <a:buClr>
-                <a:srgbClr val="1A3B5B"/>
-              </a:buClr>
-              <a:buFont typeface="Wingdings" pitchFamily="2" charset="2"/>
-              <a:buChar char="§"/>
-            </a:pPr>
-            <a:r>
-              <a:rPr lang="en-US" sz="1600" dirty="0">
-                <a:solidFill>
-                  <a:srgbClr val="1A3B5B"/>
-                </a:solidFill>
-              </a:rPr>
-              <a:t>How to prioritize? A civil society question</a:t>
-            </a:r>
-          </a:p>
-          <a:p>
-            <a:pPr marL="285750" indent="-285750" fontAlgn="base">
-              <a:spcBef>
-                <a:spcPts val="600"/>
-              </a:spcBef>
-              <a:spcAft>
-                <a:spcPts val="600"/>
-              </a:spcAft>
-              <a:buClr>
-                <a:srgbClr val="1A3B5B"/>
-              </a:buClr>
-              <a:buFont typeface="Wingdings" pitchFamily="2" charset="2"/>
-              <a:buChar char="§"/>
-            </a:pPr>
-            <a:r>
-              <a:rPr lang="en-US" sz="1600" dirty="0">
-                <a:solidFill>
-                  <a:srgbClr val="1A3B5B"/>
-                </a:solidFill>
-              </a:rPr>
-              <a:t>Hypotheses to investigate:</a:t>
-            </a:r>
-          </a:p>
-          <a:p>
-            <a:pPr marL="651510" lvl="1" indent="-285750" fontAlgn="base">
-              <a:spcBef>
-                <a:spcPts val="600"/>
-              </a:spcBef>
-              <a:spcAft>
-                <a:spcPts val="600"/>
-              </a:spcAft>
-              <a:buClr>
-                <a:srgbClr val="1A3B5B"/>
-              </a:buClr>
-              <a:buFont typeface="Wingdings" pitchFamily="2" charset="2"/>
-              <a:buChar char="§"/>
-            </a:pPr>
-            <a:r>
-              <a:rPr lang="en-US" sz="1600" dirty="0">
-                <a:solidFill>
-                  <a:srgbClr val="1A3B5B"/>
-                </a:solidFill>
-              </a:rPr>
-              <a:t>Do smaller languages perpetuate the digital divide?</a:t>
-            </a:r>
-          </a:p>
-          <a:p>
-            <a:pPr marL="651510" lvl="1" indent="-285750" fontAlgn="base">
-              <a:spcBef>
-                <a:spcPts val="600"/>
-              </a:spcBef>
-              <a:spcAft>
-                <a:spcPts val="600"/>
-              </a:spcAft>
-              <a:buClr>
-                <a:srgbClr val="1A3B5B"/>
-              </a:buClr>
-              <a:buFont typeface="Wingdings" pitchFamily="2" charset="2"/>
-              <a:buChar char="§"/>
-            </a:pPr>
-            <a:r>
-              <a:rPr lang="en-US" sz="1600" dirty="0">
-                <a:solidFill>
-                  <a:srgbClr val="1A3B5B"/>
-                </a:solidFill>
-              </a:rPr>
-              <a:t>Do digital lingua </a:t>
-            </a:r>
-            <a:r>
-              <a:rPr lang="en-US" sz="1600" dirty="0" err="1">
-                <a:solidFill>
-                  <a:srgbClr val="1A3B5B"/>
-                </a:solidFill>
-              </a:rPr>
-              <a:t>francas</a:t>
-            </a:r>
-            <a:r>
-              <a:rPr lang="en-US" sz="1600" dirty="0">
-                <a:solidFill>
-                  <a:srgbClr val="1A3B5B"/>
-                </a:solidFill>
-              </a:rPr>
-              <a:t> erode cultural diversity?</a:t>
-            </a:r>
-          </a:p>
-          <a:p>
-            <a:pPr marL="285750" indent="-285750" fontAlgn="base">
-              <a:spcBef>
-                <a:spcPts val="600"/>
-              </a:spcBef>
-              <a:spcAft>
-                <a:spcPts val="600"/>
-              </a:spcAft>
-              <a:buClr>
-                <a:srgbClr val="1A3B5B"/>
-              </a:buClr>
-              <a:buFont typeface="Wingdings" pitchFamily="2" charset="2"/>
-              <a:buChar char="§"/>
-            </a:pPr>
-            <a:r>
-              <a:rPr lang="en-US" sz="1600" dirty="0">
-                <a:solidFill>
-                  <a:srgbClr val="1A3B5B"/>
-                </a:solidFill>
-              </a:rPr>
-              <a:t>Live and recorded media</a:t>
-            </a:r>
-          </a:p>
-          <a:p>
-            <a:pPr marL="285750" indent="-285750" fontAlgn="base">
-              <a:spcBef>
-                <a:spcPts val="600"/>
-              </a:spcBef>
-              <a:spcAft>
-                <a:spcPts val="600"/>
-              </a:spcAft>
-              <a:buClr>
-                <a:srgbClr val="1A3B5B"/>
-              </a:buClr>
-              <a:buFont typeface="Wingdings" pitchFamily="2" charset="2"/>
-              <a:buChar char="§"/>
-            </a:pPr>
-            <a:r>
-              <a:rPr lang="en-US" sz="1600" dirty="0">
-                <a:solidFill>
-                  <a:srgbClr val="1A3B5B"/>
-                </a:solidFill>
-              </a:rPr>
-              <a:t>Input modes</a:t>
-            </a:r>
-          </a:p>
-          <a:p>
-            <a:pPr marL="285750" indent="-285750" fontAlgn="base">
-              <a:spcBef>
-                <a:spcPts val="600"/>
-              </a:spcBef>
-              <a:spcAft>
-                <a:spcPts val="600"/>
-              </a:spcAft>
-              <a:buClr>
-                <a:srgbClr val="1A3B5B"/>
-              </a:buClr>
-              <a:buFont typeface="Wingdings" pitchFamily="2" charset="2"/>
-              <a:buChar char="§"/>
-            </a:pPr>
-            <a:r>
-              <a:rPr lang="en-US" sz="1600" dirty="0">
-                <a:solidFill>
-                  <a:srgbClr val="1A3B5B"/>
-                </a:solidFill>
-              </a:rPr>
-              <a:t>Content management systems</a:t>
-            </a:r>
-          </a:p>
-          <a:p>
-            <a:pPr marL="285750" indent="-285750" fontAlgn="base">
-              <a:spcBef>
-                <a:spcPts val="600"/>
-              </a:spcBef>
-              <a:spcAft>
-                <a:spcPts val="600"/>
-              </a:spcAft>
-              <a:buClr>
-                <a:srgbClr val="1A3B5B"/>
-              </a:buClr>
-              <a:buFont typeface="Wingdings" pitchFamily="2" charset="2"/>
-              <a:buChar char="§"/>
-            </a:pPr>
-            <a:r>
-              <a:rPr lang="en-US" sz="1600" dirty="0">
-                <a:solidFill>
-                  <a:srgbClr val="1A3B5B"/>
-                </a:solidFill>
-              </a:rPr>
-              <a:t>Symbolic communication, AAC</a:t>
-            </a:r>
-          </a:p>
-          <a:p>
-            <a:pPr marL="285750" indent="-285750" fontAlgn="base">
-              <a:spcBef>
-                <a:spcPts val="600"/>
-              </a:spcBef>
-              <a:spcAft>
-                <a:spcPts val="600"/>
-              </a:spcAft>
-              <a:buClr>
-                <a:srgbClr val="1A3B5B"/>
-              </a:buClr>
-              <a:buFont typeface="Wingdings" pitchFamily="2" charset="2"/>
-              <a:buChar char="§"/>
-            </a:pPr>
-            <a:r>
-              <a:rPr lang="en-US" sz="1600" dirty="0">
-                <a:solidFill>
-                  <a:srgbClr val="1A3B5B"/>
-                </a:solidFill>
-              </a:rPr>
-              <a:t>Dialects and idiolects</a:t>
-            </a:r>
-          </a:p>
-        </p:txBody>
-      </p:sp>
-      <p:sp>
-        <p:nvSpPr>
-          <p:cNvPr id="2" name="Title 1">
-            <a:extLst>
-              <a:ext uri="{FF2B5EF4-FFF2-40B4-BE49-F238E27FC236}">
-                <a16:creationId xmlns:a16="http://schemas.microsoft.com/office/drawing/2014/main" id="{C81DB56E-15D1-D64F-2EF0-C39BCEBE5879}"/>
-              </a:ext>
-            </a:extLst>
-          </p:cNvPr>
-          <p:cNvSpPr>
-            <a:spLocks noGrp="1"/>
-          </p:cNvSpPr>
-          <p:nvPr>
-            <p:ph type="title"/>
-          </p:nvPr>
-        </p:nvSpPr>
-        <p:spPr>
-          <a:xfrm>
-            <a:off x="503447" y="209677"/>
-            <a:ext cx="11059287" cy="877239"/>
-          </a:xfrm>
-        </p:spPr>
-        <p:txBody>
-          <a:bodyPr>
-            <a:normAutofit/>
-          </a:bodyPr>
-          <a:lstStyle/>
-          <a:p>
-            <a:r>
-              <a:rPr lang="en-US" dirty="0"/>
-              <a:t>More research and innovation needed</a:t>
-            </a:r>
-          </a:p>
-        </p:txBody>
-      </p:sp>
-    </p:spTree>
-    <p:extLst>
-      <p:ext uri="{BB962C8B-B14F-4D97-AF65-F5344CB8AC3E}">
-        <p14:creationId xmlns:p14="http://schemas.microsoft.com/office/powerpoint/2010/main" val="2538419467"/>
       </p:ext>
     </p:extLst>
   </p:cSld>
@@ -17145,58 +19667,6 @@
       </p:grpSpPr>
       <p:sp>
         <p:nvSpPr>
-          <p:cNvPr id="5" name="Content Placeholder 2">
-            <a:extLst>
-              <a:ext uri="{FF2B5EF4-FFF2-40B4-BE49-F238E27FC236}">
-                <a16:creationId xmlns:a16="http://schemas.microsoft.com/office/drawing/2014/main" id="{A8FAF39D-8030-5DAD-D271-648B65BF6C04}"/>
-              </a:ext>
-            </a:extLst>
-          </p:cNvPr>
-          <p:cNvSpPr>
-            <a:spLocks noGrp="1"/>
-          </p:cNvSpPr>
-          <p:nvPr>
-            <p:ph sz="quarter" idx="10"/>
-          </p:nvPr>
-        </p:nvSpPr>
-        <p:spPr>
-          <a:xfrm>
-            <a:off x="960119" y="1371600"/>
-            <a:ext cx="9349489" cy="3977640"/>
-          </a:xfrm>
-        </p:spPr>
-        <p:txBody>
-          <a:bodyPr>
-            <a:normAutofit/>
-          </a:bodyPr>
-          <a:lstStyle/>
-          <a:p>
-            <a:pPr marL="285750" indent="-285750" fontAlgn="base">
-              <a:spcBef>
-                <a:spcPts val="600"/>
-              </a:spcBef>
-              <a:spcAft>
-                <a:spcPts val="600"/>
-              </a:spcAft>
-              <a:buClr>
-                <a:srgbClr val="1A3B5B"/>
-              </a:buClr>
-              <a:buFont typeface="Wingdings" pitchFamily="2" charset="2"/>
-              <a:buChar char="§"/>
-            </a:pPr>
-            <a:r>
-              <a:rPr lang="en-US" sz="1600" dirty="0">
-                <a:solidFill>
-                  <a:srgbClr val="1A3B5B"/>
-                </a:solidFill>
-              </a:rPr>
-              <a:t>a</a:t>
-            </a:r>
-          </a:p>
-        </p:txBody>
-      </p:sp>
-      <p:sp>
-        <p:nvSpPr>
           <p:cNvPr id="2" name="Title 1">
             <a:extLst>
               <a:ext uri="{FF2B5EF4-FFF2-40B4-BE49-F238E27FC236}">
@@ -17225,7 +19695,357 @@
           <a:p>
             <a:r>
               <a:rPr lang="en-US" dirty="0"/>
-              <a:t>Acknowledgments</a:t>
+              <a:t>Thank you! to these great people</a:t>
+            </a:r>
+          </a:p>
+        </p:txBody>
+      </p:sp>
+      <p:sp>
+        <p:nvSpPr>
+          <p:cNvPr id="5" name="Content Placeholder 2">
+            <a:extLst>
+              <a:ext uri="{FF2B5EF4-FFF2-40B4-BE49-F238E27FC236}">
+                <a16:creationId xmlns:a16="http://schemas.microsoft.com/office/drawing/2014/main" id="{A8FAF39D-8030-5DAD-D271-648B65BF6C04}"/>
+              </a:ext>
+            </a:extLst>
+          </p:cNvPr>
+          <p:cNvSpPr>
+            <a:spLocks noGrp="1"/>
+          </p:cNvSpPr>
+          <p:nvPr>
+            <p:ph sz="quarter" idx="10"/>
+          </p:nvPr>
+        </p:nvSpPr>
+        <p:spPr>
+          <a:xfrm>
+            <a:off x="960119" y="1371600"/>
+            <a:ext cx="9349489" cy="3977640"/>
+          </a:xfrm>
+        </p:spPr>
+        <p:txBody>
+          <a:bodyPr>
+            <a:normAutofit fontScale="92500" lnSpcReduction="10000"/>
+          </a:bodyPr>
+          <a:lstStyle/>
+          <a:p>
+            <a:pPr marL="285750" indent="-285750" fontAlgn="base">
+              <a:spcBef>
+                <a:spcPts val="600"/>
+              </a:spcBef>
+              <a:spcAft>
+                <a:spcPts val="600"/>
+              </a:spcAft>
+              <a:buClr>
+                <a:srgbClr val="1A3B5B"/>
+              </a:buClr>
+              <a:buFont typeface="Wingdings" pitchFamily="2" charset="2"/>
+              <a:buChar char="§"/>
+            </a:pPr>
+            <a:r>
+              <a:rPr lang="en-US" sz="1600" dirty="0">
+                <a:solidFill>
+                  <a:srgbClr val="1A3B5B"/>
+                </a:solidFill>
+              </a:rPr>
+              <a:t>Anja (name changed) — German Sign Language</a:t>
+            </a:r>
+          </a:p>
+          <a:p>
+            <a:pPr marL="285750" indent="-285750" fontAlgn="base">
+              <a:spcBef>
+                <a:spcPts val="600"/>
+              </a:spcBef>
+              <a:spcAft>
+                <a:spcPts val="600"/>
+              </a:spcAft>
+              <a:buClr>
+                <a:srgbClr val="1A3B5B"/>
+              </a:buClr>
+              <a:buFont typeface="Wingdings" pitchFamily="2" charset="2"/>
+              <a:buChar char="§"/>
+            </a:pPr>
+            <a:r>
+              <a:rPr lang="en-US" sz="1600" dirty="0">
+                <a:solidFill>
+                  <a:srgbClr val="1A3B5B"/>
+                </a:solidFill>
+              </a:rPr>
+              <a:t>David Sloan — study methodology</a:t>
+            </a:r>
+          </a:p>
+          <a:p>
+            <a:pPr marL="285750" indent="-285750" fontAlgn="base">
+              <a:spcBef>
+                <a:spcPts val="600"/>
+              </a:spcBef>
+              <a:spcAft>
+                <a:spcPts val="600"/>
+              </a:spcAft>
+              <a:buClr>
+                <a:srgbClr val="1A3B5B"/>
+              </a:buClr>
+              <a:buFont typeface="Wingdings" pitchFamily="2" charset="2"/>
+              <a:buChar char="§"/>
+            </a:pPr>
+            <a:r>
+              <a:rPr lang="en-US" sz="1600" dirty="0">
+                <a:solidFill>
+                  <a:srgbClr val="1A3B5B"/>
+                </a:solidFill>
+              </a:rPr>
+              <a:t>David Swallow — study methodology</a:t>
+            </a:r>
+          </a:p>
+          <a:p>
+            <a:pPr marL="285750" indent="-285750" fontAlgn="base">
+              <a:spcBef>
+                <a:spcPts val="600"/>
+              </a:spcBef>
+              <a:spcAft>
+                <a:spcPts val="600"/>
+              </a:spcAft>
+              <a:buClr>
+                <a:srgbClr val="1A3B5B"/>
+              </a:buClr>
+              <a:buFont typeface="Wingdings" pitchFamily="2" charset="2"/>
+              <a:buChar char="§"/>
+            </a:pPr>
+            <a:r>
+              <a:rPr lang="en-US" sz="1600" dirty="0">
+                <a:solidFill>
+                  <a:srgbClr val="1A3B5B"/>
+                </a:solidFill>
+              </a:rPr>
+              <a:t>Edgar Lozano </a:t>
+            </a:r>
+            <a:r>
+              <a:rPr lang="en-US" sz="1600" dirty="0">
+                <a:solidFill>
+                  <a:srgbClr val="1A3B5B"/>
+                </a:solidFill>
+                <a:hlinkClick r:id="rId3"/>
+              </a:rPr>
+              <a:t>elozano@tpgi.com</a:t>
+            </a:r>
+            <a:r>
+              <a:rPr lang="en-US" sz="1600" dirty="0">
+                <a:solidFill>
+                  <a:srgbClr val="1A3B5B"/>
+                </a:solidFill>
+              </a:rPr>
+              <a:t> — Urdu</a:t>
+            </a:r>
+          </a:p>
+          <a:p>
+            <a:pPr marL="285750" indent="-285750" fontAlgn="base">
+              <a:spcBef>
+                <a:spcPts val="600"/>
+              </a:spcBef>
+              <a:spcAft>
+                <a:spcPts val="600"/>
+              </a:spcAft>
+              <a:buClr>
+                <a:srgbClr val="1A3B5B"/>
+              </a:buClr>
+              <a:buFont typeface="Wingdings" pitchFamily="2" charset="2"/>
+              <a:buChar char="§"/>
+            </a:pPr>
+            <a:r>
+              <a:rPr lang="en-US" sz="1600" dirty="0">
+                <a:solidFill>
+                  <a:srgbClr val="1A3B5B"/>
+                </a:solidFill>
+              </a:rPr>
+              <a:t>Haritha Radhakrishnan — languages of India</a:t>
+            </a:r>
+          </a:p>
+          <a:p>
+            <a:pPr marL="285750" indent="-285750" fontAlgn="base">
+              <a:spcBef>
+                <a:spcPts val="600"/>
+              </a:spcBef>
+              <a:spcAft>
+                <a:spcPts val="600"/>
+              </a:spcAft>
+              <a:buClr>
+                <a:srgbClr val="1A3B5B"/>
+              </a:buClr>
+              <a:buFont typeface="Wingdings" pitchFamily="2" charset="2"/>
+              <a:buChar char="§"/>
+            </a:pPr>
+            <a:r>
+              <a:rPr lang="en-US" sz="1600" dirty="0">
+                <a:solidFill>
+                  <a:srgbClr val="1A3B5B"/>
+                </a:solidFill>
+              </a:rPr>
+              <a:t>Hector (name changed) — Spanish</a:t>
+            </a:r>
+          </a:p>
+          <a:p>
+            <a:pPr marL="285750" indent="-285750" fontAlgn="base">
+              <a:spcBef>
+                <a:spcPts val="600"/>
+              </a:spcBef>
+              <a:spcAft>
+                <a:spcPts val="600"/>
+              </a:spcAft>
+              <a:buClr>
+                <a:srgbClr val="1A3B5B"/>
+              </a:buClr>
+              <a:buFont typeface="Wingdings" pitchFamily="2" charset="2"/>
+              <a:buChar char="§"/>
+            </a:pPr>
+            <a:r>
+              <a:rPr lang="en-US" sz="1600" dirty="0">
+                <a:solidFill>
+                  <a:srgbClr val="1A3B5B"/>
+                </a:solidFill>
+              </a:rPr>
+              <a:t>Lucy Greco </a:t>
+            </a:r>
+            <a:r>
+              <a:rPr lang="en-US" sz="1600" dirty="0">
+                <a:solidFill>
+                  <a:srgbClr val="1A3B5B"/>
+                </a:solidFill>
+                <a:hlinkClick r:id="rId4"/>
+              </a:rPr>
+              <a:t>lucy@accessaces.com</a:t>
+            </a:r>
+            <a:r>
+              <a:rPr lang="en-US" sz="1600" dirty="0">
+                <a:solidFill>
+                  <a:srgbClr val="1A3B5B"/>
+                </a:solidFill>
+              </a:rPr>
+              <a:t> — Italian</a:t>
+            </a:r>
+          </a:p>
+          <a:p>
+            <a:pPr marL="285750" indent="-285750" fontAlgn="base">
+              <a:spcBef>
+                <a:spcPts val="600"/>
+              </a:spcBef>
+              <a:spcAft>
+                <a:spcPts val="600"/>
+              </a:spcAft>
+              <a:buClr>
+                <a:srgbClr val="1A3B5B"/>
+              </a:buClr>
+              <a:buFont typeface="Wingdings" pitchFamily="2" charset="2"/>
+              <a:buChar char="§"/>
+            </a:pPr>
+            <a:r>
+              <a:rPr lang="en-US" sz="1600" dirty="0">
+                <a:solidFill>
+                  <a:srgbClr val="1A3B5B"/>
+                </a:solidFill>
+              </a:rPr>
+              <a:t>Monica Keller-Knörzer </a:t>
+            </a:r>
+            <a:r>
+              <a:rPr lang="en-US" sz="1600" dirty="0">
+                <a:solidFill>
+                  <a:srgbClr val="1A3B5B"/>
+                </a:solidFill>
+                <a:hlinkClick r:id="rId5"/>
+              </a:rPr>
+              <a:t>contactmonicakeller@gmail.com</a:t>
+            </a:r>
+            <a:r>
+              <a:rPr lang="en-US" sz="1600" dirty="0">
+                <a:solidFill>
+                  <a:srgbClr val="1A3B5B"/>
+                </a:solidFill>
+              </a:rPr>
+              <a:t> — American Sign Language</a:t>
+            </a:r>
+          </a:p>
+          <a:p>
+            <a:pPr marL="285750" indent="-285750" fontAlgn="base">
+              <a:spcBef>
+                <a:spcPts val="600"/>
+              </a:spcBef>
+              <a:spcAft>
+                <a:spcPts val="600"/>
+              </a:spcAft>
+              <a:buClr>
+                <a:srgbClr val="1A3B5B"/>
+              </a:buClr>
+              <a:buFont typeface="Wingdings" pitchFamily="2" charset="2"/>
+              <a:buChar char="§"/>
+            </a:pPr>
+            <a:r>
+              <a:rPr lang="en-US" sz="1600" dirty="0">
+                <a:solidFill>
+                  <a:srgbClr val="1A3B5B"/>
+                </a:solidFill>
+              </a:rPr>
+              <a:t>Shelomita Savitri, </a:t>
+            </a:r>
+            <a:r>
+              <a:rPr lang="en-US" sz="1600" dirty="0">
+                <a:solidFill>
+                  <a:srgbClr val="1A3B5B"/>
+                </a:solidFill>
+                <a:hlinkClick r:id="rId6"/>
+              </a:rPr>
+              <a:t>LinkedIn</a:t>
+            </a:r>
+            <a:r>
+              <a:rPr lang="en-US" sz="1600" dirty="0">
+                <a:solidFill>
+                  <a:srgbClr val="1A3B5B"/>
+                </a:solidFill>
+              </a:rPr>
+              <a:t> — Javanese</a:t>
+            </a:r>
+          </a:p>
+          <a:p>
+            <a:pPr marL="285750" indent="-285750" fontAlgn="base">
+              <a:spcBef>
+                <a:spcPts val="600"/>
+              </a:spcBef>
+              <a:spcAft>
+                <a:spcPts val="600"/>
+              </a:spcAft>
+              <a:buClr>
+                <a:srgbClr val="1A3B5B"/>
+              </a:buClr>
+              <a:buFont typeface="Wingdings" pitchFamily="2" charset="2"/>
+              <a:buChar char="§"/>
+            </a:pPr>
+            <a:r>
+              <a:rPr lang="en-US" sz="1600" dirty="0">
+                <a:solidFill>
+                  <a:srgbClr val="1A3B5B"/>
+                </a:solidFill>
+              </a:rPr>
+              <a:t>Thomas (name changed) — German</a:t>
+            </a:r>
+          </a:p>
+          <a:p>
+            <a:pPr marL="285750" indent="-285750" fontAlgn="base">
+              <a:spcBef>
+                <a:spcPts val="600"/>
+              </a:spcBef>
+              <a:spcAft>
+                <a:spcPts val="600"/>
+              </a:spcAft>
+              <a:buClr>
+                <a:srgbClr val="1A3B5B"/>
+              </a:buClr>
+              <a:buFont typeface="Wingdings" pitchFamily="2" charset="2"/>
+              <a:buChar char="§"/>
+            </a:pPr>
+            <a:r>
+              <a:rPr lang="en-US" sz="1600" dirty="0">
+                <a:solidFill>
+                  <a:srgbClr val="1A3B5B"/>
+                </a:solidFill>
+              </a:rPr>
+              <a:t>Venkat Bitra — languages of India</a:t>
             </a:r>
           </a:p>
         </p:txBody>
@@ -17301,70 +20121,6 @@
       </p:sp>
       <p:sp>
         <p:nvSpPr>
-          <p:cNvPr id="7" name="Oval 6">
-            <a:extLst>
-              <a:ext uri="{FF2B5EF4-FFF2-40B4-BE49-F238E27FC236}">
-                <a16:creationId xmlns:a16="http://schemas.microsoft.com/office/drawing/2014/main" id="{B03726CF-D9A9-52E3-1A1C-DDE23A3A1FD4}"/>
-              </a:ext>
-            </a:extLst>
-          </p:cNvPr>
-          <p:cNvSpPr/>
-          <p:nvPr/>
-        </p:nvSpPr>
-        <p:spPr>
-          <a:xfrm>
-            <a:off x="7405635" y="2314202"/>
-            <a:ext cx="3305908" cy="3305908"/>
-          </a:xfrm>
-          <a:prstGeom prst="ellipse">
-            <a:avLst/>
-          </a:prstGeom>
-          <a:solidFill>
-            <a:schemeClr val="accent2">
-              <a:lumMod val="75000"/>
-            </a:schemeClr>
-          </a:solidFill>
-          <a:ln>
-            <a:noFill/>
-          </a:ln>
-        </p:spPr>
-        <p:style>
-          <a:lnRef idx="2">
-            <a:schemeClr val="accent1">
-              <a:shade val="50000"/>
-            </a:schemeClr>
-          </a:lnRef>
-          <a:fillRef idx="1">
-            <a:schemeClr val="accent1"/>
-          </a:fillRef>
-          <a:effectRef idx="0">
-            <a:schemeClr val="accent1"/>
-          </a:effectRef>
-          <a:fontRef idx="minor">
-            <a:schemeClr val="lt1"/>
-          </a:fontRef>
-        </p:style>
-        <p:txBody>
-          <a:bodyPr rtlCol="0" anchor="ctr"/>
-          <a:lstStyle/>
-          <a:p>
-            <a:pPr algn="ctr"/>
-            <a:r>
-              <a:rPr lang="en-US" b="1" dirty="0"/>
-              <a:t>Long tail</a:t>
-            </a:r>
-            <a:br>
-              <a:rPr lang="en-US" b="1" dirty="0"/>
-            </a:br>
-            <a:r>
-              <a:rPr lang="en-US" b="1" dirty="0"/>
-              <a:t>= no support</a:t>
-            </a:r>
-          </a:p>
-        </p:txBody>
-      </p:sp>
-      <p:sp>
-        <p:nvSpPr>
           <p:cNvPr id="8" name="Oval 7">
             <a:extLst>
               <a:ext uri="{FF2B5EF4-FFF2-40B4-BE49-F238E27FC236}">
@@ -17492,6 +20248,70 @@
                 </a:solidFill>
               </a:rPr>
               <a:t>= some problems</a:t>
+            </a:r>
+          </a:p>
+        </p:txBody>
+      </p:sp>
+      <p:sp>
+        <p:nvSpPr>
+          <p:cNvPr id="7" name="Oval 6">
+            <a:extLst>
+              <a:ext uri="{FF2B5EF4-FFF2-40B4-BE49-F238E27FC236}">
+                <a16:creationId xmlns:a16="http://schemas.microsoft.com/office/drawing/2014/main" id="{B03726CF-D9A9-52E3-1A1C-DDE23A3A1FD4}"/>
+              </a:ext>
+            </a:extLst>
+          </p:cNvPr>
+          <p:cNvSpPr/>
+          <p:nvPr/>
+        </p:nvSpPr>
+        <p:spPr>
+          <a:xfrm>
+            <a:off x="7405635" y="2314202"/>
+            <a:ext cx="3305908" cy="3305908"/>
+          </a:xfrm>
+          <a:prstGeom prst="ellipse">
+            <a:avLst/>
+          </a:prstGeom>
+          <a:solidFill>
+            <a:schemeClr val="accent2">
+              <a:lumMod val="75000"/>
+            </a:schemeClr>
+          </a:solidFill>
+          <a:ln>
+            <a:noFill/>
+          </a:ln>
+        </p:spPr>
+        <p:style>
+          <a:lnRef idx="2">
+            <a:schemeClr val="accent1">
+              <a:shade val="50000"/>
+            </a:schemeClr>
+          </a:lnRef>
+          <a:fillRef idx="1">
+            <a:schemeClr val="accent1"/>
+          </a:fillRef>
+          <a:effectRef idx="0">
+            <a:schemeClr val="accent1"/>
+          </a:effectRef>
+          <a:fontRef idx="minor">
+            <a:schemeClr val="lt1"/>
+          </a:fontRef>
+        </p:style>
+        <p:txBody>
+          <a:bodyPr rtlCol="0" anchor="ctr"/>
+          <a:lstStyle/>
+          <a:p>
+            <a:pPr algn="ctr"/>
+            <a:r>
+              <a:rPr lang="en-US" b="1" dirty="0"/>
+              <a:t>Long tail</a:t>
+            </a:r>
+            <a:br>
+              <a:rPr lang="en-US" b="1" dirty="0"/>
+            </a:br>
+            <a:r>
+              <a:rPr lang="en-US" b="1" dirty="0"/>
+              <a:t>= no support</a:t>
             </a:r>
           </a:p>
         </p:txBody>
@@ -17695,15 +20515,361 @@
       </p:par>
     </p:tnLst>
     <p:bldLst>
-      <p:bldP spid="7" grpId="0" animBg="1"/>
       <p:bldP spid="8" grpId="0" animBg="1"/>
       <p:bldP spid="10" grpId="0" animBg="1"/>
+      <p:bldP spid="7" grpId="0" animBg="1"/>
     </p:bldLst>
   </p:timing>
 </p:sld>
 </file>
 
 <file path=ppt/slides/slide30.xml><?xml version="1.0" encoding="utf-8"?>
+<p:sld xmlns:a="http://schemas.openxmlformats.org/drawingml/2006/main" xmlns:r="http://schemas.openxmlformats.org/officeDocument/2006/relationships" xmlns:p="http://schemas.openxmlformats.org/presentationml/2006/main">
+  <p:cSld>
+    <p:spTree>
+      <p:nvGrpSpPr>
+        <p:cNvPr id="1" name="">
+          <a:extLst>
+            <a:ext uri="{FF2B5EF4-FFF2-40B4-BE49-F238E27FC236}">
+              <a16:creationId xmlns:a16="http://schemas.microsoft.com/office/drawing/2014/main" id="{5CC2A4C2-CBF3-A8E7-87A3-216B6D234E2F}"/>
+            </a:ext>
+          </a:extLst>
+        </p:cNvPr>
+        <p:cNvGrpSpPr/>
+        <p:nvPr/>
+      </p:nvGrpSpPr>
+      <p:grpSpPr>
+        <a:xfrm>
+          <a:off x="0" y="0"/>
+          <a:ext cx="0" cy="0"/>
+          <a:chOff x="0" y="0"/>
+          <a:chExt cx="0" cy="0"/>
+        </a:xfrm>
+      </p:grpSpPr>
+      <p:sp>
+        <p:nvSpPr>
+          <p:cNvPr id="5" name="Content Placeholder 2">
+            <a:extLst>
+              <a:ext uri="{FF2B5EF4-FFF2-40B4-BE49-F238E27FC236}">
+                <a16:creationId xmlns:a16="http://schemas.microsoft.com/office/drawing/2014/main" id="{E5F58300-B621-B18D-4AFA-44A15EE58EE1}"/>
+              </a:ext>
+            </a:extLst>
+          </p:cNvPr>
+          <p:cNvSpPr>
+            <a:spLocks noGrp="1"/>
+          </p:cNvSpPr>
+          <p:nvPr>
+            <p:ph sz="quarter" idx="10"/>
+          </p:nvPr>
+        </p:nvSpPr>
+        <p:spPr>
+          <a:xfrm>
+            <a:off x="960119" y="1371600"/>
+            <a:ext cx="9349489" cy="3977640"/>
+          </a:xfrm>
+        </p:spPr>
+        <p:txBody>
+          <a:bodyPr>
+            <a:normAutofit/>
+          </a:bodyPr>
+          <a:lstStyle/>
+          <a:p>
+            <a:pPr marL="285750" indent="-285750" fontAlgn="base">
+              <a:spcBef>
+                <a:spcPts val="600"/>
+              </a:spcBef>
+              <a:spcAft>
+                <a:spcPts val="600"/>
+              </a:spcAft>
+              <a:buClr>
+                <a:srgbClr val="1A3B5B"/>
+              </a:buClr>
+              <a:buFont typeface="Wingdings" pitchFamily="2" charset="2"/>
+              <a:buChar char="§"/>
+            </a:pPr>
+            <a:r>
+              <a:rPr lang="en-US" sz="1600" dirty="0">
+                <a:solidFill>
+                  <a:srgbClr val="1A3B5B"/>
+                </a:solidFill>
+              </a:rPr>
+              <a:t>All the languages, all the human diversity (age, disability, technical skills, literacy)</a:t>
+            </a:r>
+          </a:p>
+          <a:p>
+            <a:pPr marL="285750" indent="-285750" fontAlgn="base">
+              <a:spcBef>
+                <a:spcPts val="600"/>
+              </a:spcBef>
+              <a:spcAft>
+                <a:spcPts val="600"/>
+              </a:spcAft>
+              <a:buClr>
+                <a:srgbClr val="1A3B5B"/>
+              </a:buClr>
+              <a:buFont typeface="Wingdings" pitchFamily="2" charset="2"/>
+              <a:buChar char="§"/>
+            </a:pPr>
+            <a:r>
+              <a:rPr lang="en-US" sz="1600" dirty="0">
+                <a:solidFill>
+                  <a:srgbClr val="1A3B5B"/>
+                </a:solidFill>
+              </a:rPr>
+              <a:t>How to prioritize? A civil society question</a:t>
+            </a:r>
+          </a:p>
+          <a:p>
+            <a:pPr marL="285750" indent="-285750" fontAlgn="base">
+              <a:spcBef>
+                <a:spcPts val="600"/>
+              </a:spcBef>
+              <a:spcAft>
+                <a:spcPts val="600"/>
+              </a:spcAft>
+              <a:buClr>
+                <a:srgbClr val="1A3B5B"/>
+              </a:buClr>
+              <a:buFont typeface="Wingdings" pitchFamily="2" charset="2"/>
+              <a:buChar char="§"/>
+            </a:pPr>
+            <a:r>
+              <a:rPr lang="en-US" sz="1600" dirty="0">
+                <a:solidFill>
+                  <a:srgbClr val="1A3B5B"/>
+                </a:solidFill>
+              </a:rPr>
+              <a:t>Hypotheses to investigate:</a:t>
+            </a:r>
+          </a:p>
+          <a:p>
+            <a:pPr marL="651510" lvl="1" indent="-285750" fontAlgn="base">
+              <a:spcBef>
+                <a:spcPts val="600"/>
+              </a:spcBef>
+              <a:spcAft>
+                <a:spcPts val="600"/>
+              </a:spcAft>
+              <a:buClr>
+                <a:srgbClr val="1A3B5B"/>
+              </a:buClr>
+              <a:buFont typeface="Wingdings" pitchFamily="2" charset="2"/>
+              <a:buChar char="§"/>
+            </a:pPr>
+            <a:r>
+              <a:rPr lang="en-US" sz="1600" dirty="0">
+                <a:solidFill>
+                  <a:srgbClr val="1A3B5B"/>
+                </a:solidFill>
+              </a:rPr>
+              <a:t>Do smaller languages perpetuate the digital divide?</a:t>
+            </a:r>
+          </a:p>
+          <a:p>
+            <a:pPr marL="651510" lvl="1" indent="-285750" fontAlgn="base">
+              <a:spcBef>
+                <a:spcPts val="600"/>
+              </a:spcBef>
+              <a:spcAft>
+                <a:spcPts val="600"/>
+              </a:spcAft>
+              <a:buClr>
+                <a:srgbClr val="1A3B5B"/>
+              </a:buClr>
+              <a:buFont typeface="Wingdings" pitchFamily="2" charset="2"/>
+              <a:buChar char="§"/>
+            </a:pPr>
+            <a:r>
+              <a:rPr lang="en-US" sz="1600" dirty="0">
+                <a:solidFill>
+                  <a:srgbClr val="1A3B5B"/>
+                </a:solidFill>
+              </a:rPr>
+              <a:t>Do digital lingua </a:t>
+            </a:r>
+            <a:r>
+              <a:rPr lang="en-US" sz="1600" dirty="0" err="1">
+                <a:solidFill>
+                  <a:srgbClr val="1A3B5B"/>
+                </a:solidFill>
+              </a:rPr>
+              <a:t>francas</a:t>
+            </a:r>
+            <a:r>
+              <a:rPr lang="en-US" sz="1600" dirty="0">
+                <a:solidFill>
+                  <a:srgbClr val="1A3B5B"/>
+                </a:solidFill>
+              </a:rPr>
+              <a:t> erode cultural diversity?</a:t>
+            </a:r>
+          </a:p>
+          <a:p>
+            <a:pPr marL="285750" indent="-285750" fontAlgn="base">
+              <a:spcBef>
+                <a:spcPts val="600"/>
+              </a:spcBef>
+              <a:spcAft>
+                <a:spcPts val="600"/>
+              </a:spcAft>
+              <a:buClr>
+                <a:srgbClr val="1A3B5B"/>
+              </a:buClr>
+              <a:buFont typeface="Wingdings" pitchFamily="2" charset="2"/>
+              <a:buChar char="§"/>
+            </a:pPr>
+            <a:r>
+              <a:rPr lang="en-US" sz="1600" dirty="0">
+                <a:solidFill>
+                  <a:srgbClr val="1A3B5B"/>
+                </a:solidFill>
+              </a:rPr>
+              <a:t>Live and recorded media</a:t>
+            </a:r>
+          </a:p>
+          <a:p>
+            <a:pPr marL="285750" indent="-285750" fontAlgn="base">
+              <a:spcBef>
+                <a:spcPts val="600"/>
+              </a:spcBef>
+              <a:spcAft>
+                <a:spcPts val="600"/>
+              </a:spcAft>
+              <a:buClr>
+                <a:srgbClr val="1A3B5B"/>
+              </a:buClr>
+              <a:buFont typeface="Wingdings" pitchFamily="2" charset="2"/>
+              <a:buChar char="§"/>
+            </a:pPr>
+            <a:r>
+              <a:rPr lang="en-US" sz="1600" dirty="0">
+                <a:solidFill>
+                  <a:srgbClr val="1A3B5B"/>
+                </a:solidFill>
+              </a:rPr>
+              <a:t>Input modes</a:t>
+            </a:r>
+          </a:p>
+          <a:p>
+            <a:pPr marL="285750" indent="-285750" fontAlgn="base">
+              <a:spcBef>
+                <a:spcPts val="600"/>
+              </a:spcBef>
+              <a:spcAft>
+                <a:spcPts val="600"/>
+              </a:spcAft>
+              <a:buClr>
+                <a:srgbClr val="1A3B5B"/>
+              </a:buClr>
+              <a:buFont typeface="Wingdings" pitchFamily="2" charset="2"/>
+              <a:buChar char="§"/>
+            </a:pPr>
+            <a:r>
+              <a:rPr lang="en-US" sz="1600" dirty="0">
+                <a:solidFill>
+                  <a:srgbClr val="1A3B5B"/>
+                </a:solidFill>
+              </a:rPr>
+              <a:t>Content management systems</a:t>
+            </a:r>
+          </a:p>
+          <a:p>
+            <a:pPr marL="285750" indent="-285750" fontAlgn="base">
+              <a:spcBef>
+                <a:spcPts val="600"/>
+              </a:spcBef>
+              <a:spcAft>
+                <a:spcPts val="600"/>
+              </a:spcAft>
+              <a:buClr>
+                <a:srgbClr val="1A3B5B"/>
+              </a:buClr>
+              <a:buFont typeface="Wingdings" pitchFamily="2" charset="2"/>
+              <a:buChar char="§"/>
+            </a:pPr>
+            <a:r>
+              <a:rPr lang="en-US" sz="1600" dirty="0">
+                <a:solidFill>
+                  <a:srgbClr val="1A3B5B"/>
+                </a:solidFill>
+              </a:rPr>
+              <a:t>Symbolic communication, AAC</a:t>
+            </a:r>
+          </a:p>
+          <a:p>
+            <a:pPr marL="285750" indent="-285750" fontAlgn="base">
+              <a:spcBef>
+                <a:spcPts val="600"/>
+              </a:spcBef>
+              <a:spcAft>
+                <a:spcPts val="600"/>
+              </a:spcAft>
+              <a:buClr>
+                <a:srgbClr val="1A3B5B"/>
+              </a:buClr>
+              <a:buFont typeface="Wingdings" pitchFamily="2" charset="2"/>
+              <a:buChar char="§"/>
+            </a:pPr>
+            <a:r>
+              <a:rPr lang="en-US" sz="1600" dirty="0">
+                <a:solidFill>
+                  <a:srgbClr val="1A3B5B"/>
+                </a:solidFill>
+              </a:rPr>
+              <a:t>Dialects and idiolects</a:t>
+            </a:r>
+          </a:p>
+        </p:txBody>
+      </p:sp>
+      <p:sp>
+        <p:nvSpPr>
+          <p:cNvPr id="2" name="Title 1">
+            <a:extLst>
+              <a:ext uri="{FF2B5EF4-FFF2-40B4-BE49-F238E27FC236}">
+                <a16:creationId xmlns:a16="http://schemas.microsoft.com/office/drawing/2014/main" id="{C81DB56E-15D1-D64F-2EF0-C39BCEBE5879}"/>
+              </a:ext>
+            </a:extLst>
+          </p:cNvPr>
+          <p:cNvSpPr>
+            <a:spLocks noGrp="1"/>
+          </p:cNvSpPr>
+          <p:nvPr>
+            <p:ph type="title"/>
+          </p:nvPr>
+        </p:nvSpPr>
+        <p:spPr>
+          <a:xfrm>
+            <a:off x="503447" y="209677"/>
+            <a:ext cx="11059287" cy="877239"/>
+          </a:xfrm>
+        </p:spPr>
+        <p:txBody>
+          <a:bodyPr>
+            <a:normAutofit/>
+          </a:bodyPr>
+          <a:lstStyle/>
+          <a:p>
+            <a:r>
+              <a:rPr lang="en-US" dirty="0"/>
+              <a:t>More research and innovation needed</a:t>
+            </a:r>
+          </a:p>
+        </p:txBody>
+      </p:sp>
+    </p:spTree>
+    <p:extLst>
+      <p:ext uri="{BB962C8B-B14F-4D97-AF65-F5344CB8AC3E}">
+        <p14:creationId xmlns:p14="http://schemas.microsoft.com/office/powerpoint/2010/main" val="2538419467"/>
+      </p:ext>
+    </p:extLst>
+  </p:cSld>
+  <p:clrMapOvr>
+    <a:masterClrMapping/>
+  </p:clrMapOvr>
+</p:sld>
+</file>
+
+<file path=ppt/slides/slide31.xml><?xml version="1.0" encoding="utf-8"?>
 <p:sld xmlns:a="http://schemas.openxmlformats.org/drawingml/2006/main" xmlns:r="http://schemas.openxmlformats.org/officeDocument/2006/relationships" xmlns:p="http://schemas.openxmlformats.org/presentationml/2006/main">
   <p:cSld>
     <p:spTree>
@@ -17726,6 +20892,41 @@
           <a:chExt cx="0" cy="0"/>
         </a:xfrm>
       </p:grpSpPr>
+      <p:sp>
+        <p:nvSpPr>
+          <p:cNvPr id="2" name="Title 1">
+            <a:extLst>
+              <a:ext uri="{FF2B5EF4-FFF2-40B4-BE49-F238E27FC236}">
+                <a16:creationId xmlns:a16="http://schemas.microsoft.com/office/drawing/2014/main" id="{7362716C-5EBA-85FA-E72D-E6B2500ED189}"/>
+              </a:ext>
+            </a:extLst>
+          </p:cNvPr>
+          <p:cNvSpPr>
+            <a:spLocks noGrp="1"/>
+          </p:cNvSpPr>
+          <p:nvPr>
+            <p:ph type="title"/>
+          </p:nvPr>
+        </p:nvSpPr>
+        <p:spPr>
+          <a:xfrm>
+            <a:off x="503447" y="209677"/>
+            <a:ext cx="11059287" cy="877239"/>
+          </a:xfrm>
+        </p:spPr>
+        <p:txBody>
+          <a:bodyPr>
+            <a:normAutofit/>
+          </a:bodyPr>
+          <a:lstStyle/>
+          <a:p>
+            <a:r>
+              <a:rPr lang="en-US" dirty="0"/>
+              <a:t>Sources</a:t>
+            </a:r>
+          </a:p>
+        </p:txBody>
+      </p:sp>
       <p:sp>
         <p:nvSpPr>
           <p:cNvPr id="5" name="Content Placeholder 2">
@@ -18250,41 +21451,6 @@
           </a:p>
         </p:txBody>
       </p:sp>
-      <p:sp>
-        <p:nvSpPr>
-          <p:cNvPr id="2" name="Title 1">
-            <a:extLst>
-              <a:ext uri="{FF2B5EF4-FFF2-40B4-BE49-F238E27FC236}">
-                <a16:creationId xmlns:a16="http://schemas.microsoft.com/office/drawing/2014/main" id="{7362716C-5EBA-85FA-E72D-E6B2500ED189}"/>
-              </a:ext>
-            </a:extLst>
-          </p:cNvPr>
-          <p:cNvSpPr>
-            <a:spLocks noGrp="1"/>
-          </p:cNvSpPr>
-          <p:nvPr>
-            <p:ph type="title"/>
-          </p:nvPr>
-        </p:nvSpPr>
-        <p:spPr>
-          <a:xfrm>
-            <a:off x="503447" y="209677"/>
-            <a:ext cx="11059287" cy="877239"/>
-          </a:xfrm>
-        </p:spPr>
-        <p:txBody>
-          <a:bodyPr>
-            <a:normAutofit/>
-          </a:bodyPr>
-          <a:lstStyle/>
-          <a:p>
-            <a:r>
-              <a:rPr lang="en-US" dirty="0"/>
-              <a:t>Sources</a:t>
-            </a:r>
-          </a:p>
-        </p:txBody>
-      </p:sp>
     </p:spTree>
     <p:extLst>
       <p:ext uri="{BB962C8B-B14F-4D97-AF65-F5344CB8AC3E}">
@@ -18298,7 +21464,7 @@
 </p:sld>
 </file>
 
-<file path=ppt/slides/slide31.xml><?xml version="1.0" encoding="utf-8"?>
+<file path=ppt/slides/slide32.xml><?xml version="1.0" encoding="utf-8"?>
 <p:sld xmlns:a="http://schemas.openxmlformats.org/drawingml/2006/main" xmlns:r="http://schemas.openxmlformats.org/officeDocument/2006/relationships" xmlns:p="http://schemas.openxmlformats.org/presentationml/2006/main">
   <p:cSld>
     <p:spTree>
@@ -18321,6 +21487,41 @@
           <a:chExt cx="0" cy="0"/>
         </a:xfrm>
       </p:grpSpPr>
+      <p:sp>
+        <p:nvSpPr>
+          <p:cNvPr id="2" name="Title 1">
+            <a:extLst>
+              <a:ext uri="{FF2B5EF4-FFF2-40B4-BE49-F238E27FC236}">
+                <a16:creationId xmlns:a16="http://schemas.microsoft.com/office/drawing/2014/main" id="{6EF1B165-4412-03A5-5486-15586ECA1C63}"/>
+              </a:ext>
+            </a:extLst>
+          </p:cNvPr>
+          <p:cNvSpPr>
+            <a:spLocks noGrp="1"/>
+          </p:cNvSpPr>
+          <p:nvPr>
+            <p:ph type="title"/>
+          </p:nvPr>
+        </p:nvSpPr>
+        <p:spPr>
+          <a:xfrm>
+            <a:off x="503447" y="209677"/>
+            <a:ext cx="11059287" cy="877239"/>
+          </a:xfrm>
+        </p:spPr>
+        <p:txBody>
+          <a:bodyPr>
+            <a:normAutofit/>
+          </a:bodyPr>
+          <a:lstStyle/>
+          <a:p>
+            <a:r>
+              <a:rPr lang="en-US" dirty="0"/>
+              <a:t>Further Reading</a:t>
+            </a:r>
+          </a:p>
+        </p:txBody>
+      </p:sp>
       <p:sp>
         <p:nvSpPr>
           <p:cNvPr id="5" name="Content Placeholder 2">
@@ -18466,41 +21667,6 @@
                 <a:srgbClr val="1A3B5B"/>
               </a:solidFill>
             </a:endParaRPr>
-          </a:p>
-        </p:txBody>
-      </p:sp>
-      <p:sp>
-        <p:nvSpPr>
-          <p:cNvPr id="2" name="Title 1">
-            <a:extLst>
-              <a:ext uri="{FF2B5EF4-FFF2-40B4-BE49-F238E27FC236}">
-                <a16:creationId xmlns:a16="http://schemas.microsoft.com/office/drawing/2014/main" id="{6EF1B165-4412-03A5-5486-15586ECA1C63}"/>
-              </a:ext>
-            </a:extLst>
-          </p:cNvPr>
-          <p:cNvSpPr>
-            <a:spLocks noGrp="1"/>
-          </p:cNvSpPr>
-          <p:nvPr>
-            <p:ph type="title"/>
-          </p:nvPr>
-        </p:nvSpPr>
-        <p:spPr>
-          <a:xfrm>
-            <a:off x="503447" y="209677"/>
-            <a:ext cx="11059287" cy="877239"/>
-          </a:xfrm>
-        </p:spPr>
-        <p:txBody>
-          <a:bodyPr>
-            <a:normAutofit/>
-          </a:bodyPr>
-          <a:lstStyle/>
-          <a:p>
-            <a:r>
-              <a:rPr lang="en-US" dirty="0"/>
-              <a:t>Further Reading</a:t>
-            </a:r>
           </a:p>
         </p:txBody>
       </p:sp>
@@ -18542,6 +21708,39 @@
       </p:grpSpPr>
       <p:sp>
         <p:nvSpPr>
+          <p:cNvPr id="2" name="Title 1">
+            <a:extLst>
+              <a:ext uri="{FF2B5EF4-FFF2-40B4-BE49-F238E27FC236}">
+                <a16:creationId xmlns:a16="http://schemas.microsoft.com/office/drawing/2014/main" id="{456D637F-56BE-CD47-3EC7-6710D8BF7D01}"/>
+              </a:ext>
+            </a:extLst>
+          </p:cNvPr>
+          <p:cNvSpPr>
+            <a:spLocks noGrp="1"/>
+          </p:cNvSpPr>
+          <p:nvPr>
+            <p:ph type="title"/>
+          </p:nvPr>
+        </p:nvSpPr>
+        <p:spPr>
+          <a:xfrm>
+            <a:off x="503447" y="209677"/>
+            <a:ext cx="11059287" cy="877239"/>
+          </a:xfrm>
+        </p:spPr>
+        <p:txBody>
+          <a:bodyPr/>
+          <a:lstStyle/>
+          <a:p>
+            <a:r>
+              <a:rPr lang="en-US" dirty="0"/>
+              <a:t>What is a “language?”</a:t>
+            </a:r>
+          </a:p>
+        </p:txBody>
+      </p:sp>
+      <p:sp>
+        <p:nvSpPr>
           <p:cNvPr id="5" name="Content Placeholder 2">
             <a:extLst>
               <a:ext uri="{FF2B5EF4-FFF2-40B4-BE49-F238E27FC236}">
@@ -18639,39 +21838,6 @@
                 </a:solidFill>
               </a:rPr>
               <a:t> registry.</a:t>
-            </a:r>
-          </a:p>
-        </p:txBody>
-      </p:sp>
-      <p:sp>
-        <p:nvSpPr>
-          <p:cNvPr id="2" name="Title 1">
-            <a:extLst>
-              <a:ext uri="{FF2B5EF4-FFF2-40B4-BE49-F238E27FC236}">
-                <a16:creationId xmlns:a16="http://schemas.microsoft.com/office/drawing/2014/main" id="{456D637F-56BE-CD47-3EC7-6710D8BF7D01}"/>
-              </a:ext>
-            </a:extLst>
-          </p:cNvPr>
-          <p:cNvSpPr>
-            <a:spLocks noGrp="1"/>
-          </p:cNvSpPr>
-          <p:nvPr>
-            <p:ph type="title"/>
-          </p:nvPr>
-        </p:nvSpPr>
-        <p:spPr>
-          <a:xfrm>
-            <a:off x="503447" y="209677"/>
-            <a:ext cx="11059287" cy="877239"/>
-          </a:xfrm>
-        </p:spPr>
-        <p:txBody>
-          <a:bodyPr/>
-          <a:lstStyle/>
-          <a:p>
-            <a:r>
-              <a:rPr lang="en-US" dirty="0"/>
-              <a:t>What is a “language?”</a:t>
             </a:r>
           </a:p>
         </p:txBody>
@@ -20462,6 +23628,39 @@
       </p:grpSpPr>
       <p:sp>
         <p:nvSpPr>
+          <p:cNvPr id="2" name="Title 1">
+            <a:extLst>
+              <a:ext uri="{FF2B5EF4-FFF2-40B4-BE49-F238E27FC236}">
+                <a16:creationId xmlns:a16="http://schemas.microsoft.com/office/drawing/2014/main" id="{22B3928A-82C3-405F-7345-C8426BFEBB52}"/>
+              </a:ext>
+            </a:extLst>
+          </p:cNvPr>
+          <p:cNvSpPr>
+            <a:spLocks noGrp="1"/>
+          </p:cNvSpPr>
+          <p:nvPr>
+            <p:ph type="title"/>
+          </p:nvPr>
+        </p:nvSpPr>
+        <p:spPr>
+          <a:xfrm>
+            <a:off x="503447" y="209677"/>
+            <a:ext cx="11059287" cy="877239"/>
+          </a:xfrm>
+        </p:spPr>
+        <p:txBody>
+          <a:bodyPr/>
+          <a:lstStyle/>
+          <a:p>
+            <a:r>
+              <a:rPr lang="en-US" dirty="0"/>
+              <a:t>Not-so-random sample</a:t>
+            </a:r>
+          </a:p>
+        </p:txBody>
+      </p:sp>
+      <p:sp>
+        <p:nvSpPr>
           <p:cNvPr id="5" name="Content Placeholder 2">
             <a:extLst>
               <a:ext uri="{FF2B5EF4-FFF2-40B4-BE49-F238E27FC236}">
@@ -20635,39 +23834,6 @@
                 </a:solidFill>
               </a:rPr>
               <a:t>(plus 5 sign languages)</a:t>
-            </a:r>
-          </a:p>
-        </p:txBody>
-      </p:sp>
-      <p:sp>
-        <p:nvSpPr>
-          <p:cNvPr id="2" name="Title 1">
-            <a:extLst>
-              <a:ext uri="{FF2B5EF4-FFF2-40B4-BE49-F238E27FC236}">
-                <a16:creationId xmlns:a16="http://schemas.microsoft.com/office/drawing/2014/main" id="{22B3928A-82C3-405F-7345-C8426BFEBB52}"/>
-              </a:ext>
-            </a:extLst>
-          </p:cNvPr>
-          <p:cNvSpPr>
-            <a:spLocks noGrp="1"/>
-          </p:cNvSpPr>
-          <p:nvPr>
-            <p:ph type="title"/>
-          </p:nvPr>
-        </p:nvSpPr>
-        <p:spPr>
-          <a:xfrm>
-            <a:off x="503447" y="209677"/>
-            <a:ext cx="11059287" cy="877239"/>
-          </a:xfrm>
-        </p:spPr>
-        <p:txBody>
-          <a:bodyPr/>
-          <a:lstStyle/>
-          <a:p>
-            <a:r>
-              <a:rPr lang="en-US" dirty="0"/>
-              <a:t>Not-so-random sample</a:t>
             </a:r>
           </a:p>
         </p:txBody>
@@ -21072,7 +24238,7 @@
       </p:sp>
       <p:graphicFrame>
         <p:nvGraphicFramePr>
-          <p:cNvPr id="6" name="Diagram 5">
+          <p:cNvPr id="6" name="Diagram 5" descr="Gap between 99 in my sample and 39 TTS languages: long tail = no support. Gap between 39 TTS languages and 31 OS UI languages: problems.">
             <a:extLst>
               <a:ext uri="{FF2B5EF4-FFF2-40B4-BE49-F238E27FC236}">
                 <a16:creationId xmlns:a16="http://schemas.microsoft.com/office/drawing/2014/main" id="{393C6C5B-CEB1-96AB-4682-A78EE83ABAF8}"/>
@@ -21083,7 +24249,7 @@
           <p:nvPr>
             <p:extLst>
               <p:ext uri="{D42A27DB-BD31-4B8C-83A1-F6EECF244321}">
-                <p14:modId xmlns:p14="http://schemas.microsoft.com/office/powerpoint/2010/main" val="3102580434"/>
+                <p14:modId xmlns:p14="http://schemas.microsoft.com/office/powerpoint/2010/main" val="2096051799"/>
               </p:ext>
             </p:extLst>
           </p:nvPr>
@@ -21104,6 +24270,9 @@
             <a:extLst>
               <a:ext uri="{FF2B5EF4-FFF2-40B4-BE49-F238E27FC236}">
                 <a16:creationId xmlns:a16="http://schemas.microsoft.com/office/drawing/2014/main" id="{DA3CAD46-CE6F-B546-8835-43D5B15FE639}"/>
+              </a:ext>
+              <a:ext uri="{C183D7F6-B498-43B3-948B-1728B52AA6E4}">
+                <adec:decorative xmlns:adec="http://schemas.microsoft.com/office/drawing/2017/decorative" val="1"/>
               </a:ext>
             </a:extLst>
           </p:cNvPr>
@@ -21173,6 +24342,9 @@
             <a:extLst>
               <a:ext uri="{FF2B5EF4-FFF2-40B4-BE49-F238E27FC236}">
                 <a16:creationId xmlns:a16="http://schemas.microsoft.com/office/drawing/2014/main" id="{745BD451-9ECB-E5B2-746D-AFD714C39A50}"/>
+              </a:ext>
+              <a:ext uri="{C183D7F6-B498-43B3-948B-1728B52AA6E4}">
+                <adec:decorative xmlns:adec="http://schemas.microsoft.com/office/drawing/2017/decorative" val="1"/>
               </a:ext>
             </a:extLst>
           </p:cNvPr>
@@ -21463,356 +24635,6 @@
       </p:grpSpPr>
       <p:sp>
         <p:nvSpPr>
-          <p:cNvPr id="5" name="Content Placeholder 2">
-            <a:extLst>
-              <a:ext uri="{FF2B5EF4-FFF2-40B4-BE49-F238E27FC236}">
-                <a16:creationId xmlns:a16="http://schemas.microsoft.com/office/drawing/2014/main" id="{94B54932-6F9D-A278-384F-F1CB431EB7B5}"/>
-              </a:ext>
-            </a:extLst>
-          </p:cNvPr>
-          <p:cNvSpPr>
-            <a:spLocks noGrp="1"/>
-          </p:cNvSpPr>
-          <p:nvPr>
-            <p:ph sz="quarter" idx="10"/>
-          </p:nvPr>
-        </p:nvSpPr>
-        <p:spPr>
-          <a:xfrm>
-            <a:off x="960120" y="1371600"/>
-            <a:ext cx="7498080" cy="3977640"/>
-          </a:xfrm>
-        </p:spPr>
-        <p:txBody>
-          <a:bodyPr>
-            <a:normAutofit fontScale="85000" lnSpcReduction="20000"/>
-          </a:bodyPr>
-          <a:lstStyle/>
-          <a:p>
-            <a:pPr marL="285750" indent="-285750" fontAlgn="base">
-              <a:buClr>
-                <a:srgbClr val="1A3B5B"/>
-              </a:buClr>
-              <a:buFont typeface="Wingdings" pitchFamily="2" charset="2"/>
-              <a:buChar char="§"/>
-            </a:pPr>
-            <a:r>
-              <a:rPr lang="en-US" dirty="0" err="1">
-                <a:solidFill>
-                  <a:srgbClr val="1A3B5B"/>
-                </a:solidFill>
-              </a:rPr>
-              <a:t>Dyula</a:t>
-            </a:r>
-            <a:r>
-              <a:rPr lang="en-US" dirty="0">
-                <a:solidFill>
-                  <a:srgbClr val="1A3B5B"/>
-                </a:solidFill>
-              </a:rPr>
-              <a:t> (</a:t>
-            </a:r>
-            <a:r>
-              <a:rPr lang="en-US" dirty="0" err="1">
-                <a:solidFill>
-                  <a:srgbClr val="1A3B5B"/>
-                </a:solidFill>
-              </a:rPr>
-              <a:t>dyu</a:t>
-            </a:r>
-            <a:r>
-              <a:rPr lang="en-US" dirty="0">
-                <a:solidFill>
-                  <a:srgbClr val="1A3B5B"/>
-                </a:solidFill>
-              </a:rPr>
-              <a:t>): 2.6 million — Burkina Faso (West Africa)</a:t>
-            </a:r>
-          </a:p>
-          <a:p>
-            <a:pPr marL="285750" indent="-285750" fontAlgn="base">
-              <a:buClr>
-                <a:srgbClr val="1A3B5B"/>
-              </a:buClr>
-              <a:buFont typeface="Wingdings" pitchFamily="2" charset="2"/>
-              <a:buChar char="§"/>
-            </a:pPr>
-            <a:r>
-              <a:rPr lang="en-US" dirty="0">
-                <a:solidFill>
-                  <a:srgbClr val="1A3B5B"/>
-                </a:solidFill>
-              </a:rPr>
-              <a:t>Dogri (</a:t>
-            </a:r>
-            <a:r>
-              <a:rPr lang="en-US" dirty="0" err="1">
-                <a:solidFill>
-                  <a:srgbClr val="1A3B5B"/>
-                </a:solidFill>
-              </a:rPr>
-              <a:t>dgo</a:t>
-            </a:r>
-            <a:r>
-              <a:rPr lang="en-US" dirty="0">
-                <a:solidFill>
-                  <a:srgbClr val="1A3B5B"/>
-                </a:solidFill>
-              </a:rPr>
-              <a:t>): 2.6 million — Kashmir (South Asia)</a:t>
-            </a:r>
-          </a:p>
-          <a:p>
-            <a:pPr marL="285750" indent="-285750" fontAlgn="base">
-              <a:buClr>
-                <a:srgbClr val="1A3B5B"/>
-              </a:buClr>
-              <a:buFont typeface="Wingdings" pitchFamily="2" charset="2"/>
-              <a:buChar char="§"/>
-            </a:pPr>
-            <a:r>
-              <a:rPr lang="en-US" dirty="0">
-                <a:solidFill>
-                  <a:srgbClr val="1A3B5B"/>
-                </a:solidFill>
-              </a:rPr>
-              <a:t>Southern Aymara (</a:t>
-            </a:r>
-            <a:r>
-              <a:rPr lang="en-US" dirty="0" err="1">
-                <a:solidFill>
-                  <a:srgbClr val="1A3B5B"/>
-                </a:solidFill>
-              </a:rPr>
-              <a:t>ayc</a:t>
-            </a:r>
-            <a:r>
-              <a:rPr lang="en-US" dirty="0">
-                <a:solidFill>
-                  <a:srgbClr val="1A3B5B"/>
-                </a:solidFill>
-              </a:rPr>
-              <a:t>): around 1 million — Peru (South America)</a:t>
-            </a:r>
-          </a:p>
-          <a:p>
-            <a:pPr marL="285750" indent="-285750" fontAlgn="base">
-              <a:buClr>
-                <a:srgbClr val="1A3B5B"/>
-              </a:buClr>
-              <a:buFont typeface="Wingdings" pitchFamily="2" charset="2"/>
-              <a:buChar char="§"/>
-            </a:pPr>
-            <a:r>
-              <a:rPr lang="en-US" dirty="0">
-                <a:solidFill>
-                  <a:srgbClr val="1A3B5B"/>
-                </a:solidFill>
-              </a:rPr>
-              <a:t>Balkan Romani (</a:t>
-            </a:r>
-            <a:r>
-              <a:rPr lang="en-US" dirty="0" err="1">
-                <a:solidFill>
-                  <a:srgbClr val="1A3B5B"/>
-                </a:solidFill>
-              </a:rPr>
-              <a:t>rmn</a:t>
-            </a:r>
-            <a:r>
-              <a:rPr lang="en-US" dirty="0">
-                <a:solidFill>
-                  <a:srgbClr val="1A3B5B"/>
-                </a:solidFill>
-              </a:rPr>
-              <a:t>): 600,000 — Balkan countries (Europe)</a:t>
-            </a:r>
-            <a:br>
-              <a:rPr lang="en-US" dirty="0">
-                <a:solidFill>
-                  <a:srgbClr val="1A3B5B"/>
-                </a:solidFill>
-              </a:rPr>
-            </a:br>
-            <a:br>
-              <a:rPr lang="en-US" dirty="0">
-                <a:solidFill>
-                  <a:srgbClr val="1A3B5B"/>
-                </a:solidFill>
-              </a:rPr>
-            </a:br>
-            <a:r>
-              <a:rPr lang="en-US" dirty="0">
-                <a:solidFill>
-                  <a:srgbClr val="1A3B5B"/>
-                </a:solidFill>
-              </a:rPr>
-              <a:t>…</a:t>
-            </a:r>
-          </a:p>
-          <a:p>
-            <a:pPr marL="285750" indent="-285750" fontAlgn="base">
-              <a:buClr>
-                <a:srgbClr val="1A3B5B"/>
-              </a:buClr>
-              <a:buFont typeface="Wingdings" pitchFamily="2" charset="2"/>
-              <a:buChar char="§"/>
-            </a:pPr>
-            <a:r>
-              <a:rPr lang="en-US" dirty="0" err="1">
-                <a:solidFill>
-                  <a:srgbClr val="1A3B5B"/>
-                </a:solidFill>
-              </a:rPr>
-              <a:t>Libon</a:t>
-            </a:r>
-            <a:r>
-              <a:rPr lang="en-US" dirty="0">
-                <a:solidFill>
-                  <a:srgbClr val="1A3B5B"/>
-                </a:solidFill>
-              </a:rPr>
-              <a:t> </a:t>
-            </a:r>
-            <a:r>
-              <a:rPr lang="en-US" dirty="0" err="1">
-                <a:solidFill>
-                  <a:srgbClr val="1A3B5B"/>
-                </a:solidFill>
-              </a:rPr>
-              <a:t>Bikol</a:t>
-            </a:r>
-            <a:r>
-              <a:rPr lang="en-US" dirty="0">
-                <a:solidFill>
-                  <a:srgbClr val="1A3B5B"/>
-                </a:solidFill>
-              </a:rPr>
-              <a:t> (</a:t>
-            </a:r>
-            <a:r>
-              <a:rPr lang="en-US" dirty="0" err="1">
-                <a:solidFill>
-                  <a:srgbClr val="1A3B5B"/>
-                </a:solidFill>
-              </a:rPr>
-              <a:t>lbl</a:t>
-            </a:r>
-            <a:r>
-              <a:rPr lang="en-US" dirty="0">
-                <a:solidFill>
-                  <a:srgbClr val="1A3B5B"/>
-                </a:solidFill>
-              </a:rPr>
-              <a:t>): 70,000 — Philippines (Southeast Asia)</a:t>
-            </a:r>
-            <a:br>
-              <a:rPr lang="en-US" dirty="0">
-                <a:solidFill>
-                  <a:srgbClr val="1A3B5B"/>
-                </a:solidFill>
-              </a:rPr>
-            </a:br>
-            <a:br>
-              <a:rPr lang="en-US" dirty="0">
-                <a:solidFill>
-                  <a:srgbClr val="1A3B5B"/>
-                </a:solidFill>
-              </a:rPr>
-            </a:br>
-            <a:r>
-              <a:rPr lang="en-US" dirty="0">
-                <a:solidFill>
-                  <a:srgbClr val="1A3B5B"/>
-                </a:solidFill>
-              </a:rPr>
-              <a:t>…</a:t>
-            </a:r>
-          </a:p>
-          <a:p>
-            <a:pPr marL="285750" indent="-285750" fontAlgn="base">
-              <a:buClr>
-                <a:srgbClr val="1A3B5B"/>
-              </a:buClr>
-              <a:buFont typeface="Wingdings" pitchFamily="2" charset="2"/>
-              <a:buChar char="§"/>
-            </a:pPr>
-            <a:r>
-              <a:rPr lang="en-US" b="0" i="0" dirty="0" err="1">
-                <a:solidFill>
-                  <a:srgbClr val="1A3B5B"/>
-                </a:solidFill>
-                <a:effectLst/>
-              </a:rPr>
-              <a:t>Apinayé</a:t>
-            </a:r>
-            <a:r>
-              <a:rPr lang="en-US" dirty="0">
-                <a:solidFill>
-                  <a:srgbClr val="1A3B5B"/>
-                </a:solidFill>
-              </a:rPr>
-              <a:t> (</a:t>
-            </a:r>
-            <a:r>
-              <a:rPr lang="en-US" b="0" i="0" dirty="0" err="1">
-                <a:solidFill>
-                  <a:srgbClr val="1A3B5B"/>
-                </a:solidFill>
-                <a:effectLst/>
-              </a:rPr>
-              <a:t>apn</a:t>
-            </a:r>
-            <a:r>
-              <a:rPr lang="en-US" b="0" i="0" dirty="0">
-                <a:solidFill>
-                  <a:srgbClr val="1A3B5B"/>
-                </a:solidFill>
-                <a:effectLst/>
-              </a:rPr>
-              <a:t>): 2,300 — Brazil (South America)</a:t>
-            </a:r>
-          </a:p>
-          <a:p>
-            <a:pPr marL="285750" indent="-285750" fontAlgn="base">
-              <a:buClr>
-                <a:srgbClr val="1A3B5B"/>
-              </a:buClr>
-              <a:buFont typeface="Wingdings" pitchFamily="2" charset="2"/>
-              <a:buChar char="§"/>
-            </a:pPr>
-            <a:r>
-              <a:rPr lang="en-US" b="0" i="0" dirty="0">
-                <a:solidFill>
-                  <a:srgbClr val="1A3B5B"/>
-                </a:solidFill>
-                <a:effectLst/>
-              </a:rPr>
-              <a:t>Heiltsuk (</a:t>
-            </a:r>
-            <a:r>
-              <a:rPr lang="en-US" b="0" i="0" dirty="0" err="1">
-                <a:solidFill>
-                  <a:srgbClr val="1A3B5B"/>
-                </a:solidFill>
-                <a:effectLst/>
-              </a:rPr>
-              <a:t>hei</a:t>
-            </a:r>
-            <a:r>
-              <a:rPr lang="en-US" b="0" i="0" dirty="0">
-                <a:solidFill>
-                  <a:srgbClr val="1A3B5B"/>
-                </a:solidFill>
-                <a:effectLst/>
-              </a:rPr>
-              <a:t>): 95 — Canada (North America)</a:t>
-            </a:r>
-          </a:p>
-        </p:txBody>
-      </p:sp>
-      <p:sp>
-        <p:nvSpPr>
           <p:cNvPr id="2" name="Title 1">
             <a:extLst>
               <a:ext uri="{FF2B5EF4-FFF2-40B4-BE49-F238E27FC236}">
@@ -21903,6 +24725,356 @@
                 </a:solidFill>
               </a:rPr>
               <a:t>Long tail = no support</a:t>
+            </a:r>
+          </a:p>
+        </p:txBody>
+      </p:sp>
+      <p:sp>
+        <p:nvSpPr>
+          <p:cNvPr id="5" name="Content Placeholder 2">
+            <a:extLst>
+              <a:ext uri="{FF2B5EF4-FFF2-40B4-BE49-F238E27FC236}">
+                <a16:creationId xmlns:a16="http://schemas.microsoft.com/office/drawing/2014/main" id="{94B54932-6F9D-A278-384F-F1CB431EB7B5}"/>
+              </a:ext>
+            </a:extLst>
+          </p:cNvPr>
+          <p:cNvSpPr>
+            <a:spLocks noGrp="1"/>
+          </p:cNvSpPr>
+          <p:nvPr>
+            <p:ph sz="quarter" idx="10"/>
+          </p:nvPr>
+        </p:nvSpPr>
+        <p:spPr>
+          <a:xfrm>
+            <a:off x="960120" y="1371600"/>
+            <a:ext cx="7498080" cy="3977640"/>
+          </a:xfrm>
+        </p:spPr>
+        <p:txBody>
+          <a:bodyPr>
+            <a:normAutofit fontScale="85000" lnSpcReduction="20000"/>
+          </a:bodyPr>
+          <a:lstStyle/>
+          <a:p>
+            <a:pPr marL="285750" indent="-285750" fontAlgn="base">
+              <a:buClr>
+                <a:srgbClr val="1A3B5B"/>
+              </a:buClr>
+              <a:buFont typeface="Wingdings" pitchFamily="2" charset="2"/>
+              <a:buChar char="§"/>
+            </a:pPr>
+            <a:r>
+              <a:rPr lang="en-US" dirty="0" err="1">
+                <a:solidFill>
+                  <a:srgbClr val="1A3B5B"/>
+                </a:solidFill>
+              </a:rPr>
+              <a:t>Dyula</a:t>
+            </a:r>
+            <a:r>
+              <a:rPr lang="en-US" dirty="0">
+                <a:solidFill>
+                  <a:srgbClr val="1A3B5B"/>
+                </a:solidFill>
+              </a:rPr>
+              <a:t> (</a:t>
+            </a:r>
+            <a:r>
+              <a:rPr lang="en-US" dirty="0" err="1">
+                <a:solidFill>
+                  <a:srgbClr val="1A3B5B"/>
+                </a:solidFill>
+              </a:rPr>
+              <a:t>dyu</a:t>
+            </a:r>
+            <a:r>
+              <a:rPr lang="en-US" dirty="0">
+                <a:solidFill>
+                  <a:srgbClr val="1A3B5B"/>
+                </a:solidFill>
+              </a:rPr>
+              <a:t>): 2.6 million — Burkina Faso (West Africa)</a:t>
+            </a:r>
+          </a:p>
+          <a:p>
+            <a:pPr marL="285750" indent="-285750" fontAlgn="base">
+              <a:buClr>
+                <a:srgbClr val="1A3B5B"/>
+              </a:buClr>
+              <a:buFont typeface="Wingdings" pitchFamily="2" charset="2"/>
+              <a:buChar char="§"/>
+            </a:pPr>
+            <a:r>
+              <a:rPr lang="en-US" dirty="0">
+                <a:solidFill>
+                  <a:srgbClr val="1A3B5B"/>
+                </a:solidFill>
+              </a:rPr>
+              <a:t>Dogri (</a:t>
+            </a:r>
+            <a:r>
+              <a:rPr lang="en-US" dirty="0" err="1">
+                <a:solidFill>
+                  <a:srgbClr val="1A3B5B"/>
+                </a:solidFill>
+              </a:rPr>
+              <a:t>dgo</a:t>
+            </a:r>
+            <a:r>
+              <a:rPr lang="en-US" dirty="0">
+                <a:solidFill>
+                  <a:srgbClr val="1A3B5B"/>
+                </a:solidFill>
+              </a:rPr>
+              <a:t>): 2.6 million — Kashmir (South Asia)</a:t>
+            </a:r>
+          </a:p>
+          <a:p>
+            <a:pPr marL="285750" indent="-285750" fontAlgn="base">
+              <a:buClr>
+                <a:srgbClr val="1A3B5B"/>
+              </a:buClr>
+              <a:buFont typeface="Wingdings" pitchFamily="2" charset="2"/>
+              <a:buChar char="§"/>
+            </a:pPr>
+            <a:r>
+              <a:rPr lang="en-US" dirty="0">
+                <a:solidFill>
+                  <a:srgbClr val="1A3B5B"/>
+                </a:solidFill>
+              </a:rPr>
+              <a:t>Southern Aymara (</a:t>
+            </a:r>
+            <a:r>
+              <a:rPr lang="en-US" dirty="0" err="1">
+                <a:solidFill>
+                  <a:srgbClr val="1A3B5B"/>
+                </a:solidFill>
+              </a:rPr>
+              <a:t>ayc</a:t>
+            </a:r>
+            <a:r>
+              <a:rPr lang="en-US" dirty="0">
+                <a:solidFill>
+                  <a:srgbClr val="1A3B5B"/>
+                </a:solidFill>
+              </a:rPr>
+              <a:t>): around 1 million — Peru (South America)</a:t>
+            </a:r>
+          </a:p>
+          <a:p>
+            <a:pPr marL="285750" indent="-285750" fontAlgn="base">
+              <a:buClr>
+                <a:srgbClr val="1A3B5B"/>
+              </a:buClr>
+              <a:buFont typeface="Wingdings" pitchFamily="2" charset="2"/>
+              <a:buChar char="§"/>
+            </a:pPr>
+            <a:r>
+              <a:rPr lang="en-US" dirty="0">
+                <a:solidFill>
+                  <a:srgbClr val="1A3B5B"/>
+                </a:solidFill>
+              </a:rPr>
+              <a:t>Balkan Romani (</a:t>
+            </a:r>
+            <a:r>
+              <a:rPr lang="en-US" dirty="0" err="1">
+                <a:solidFill>
+                  <a:srgbClr val="1A3B5B"/>
+                </a:solidFill>
+              </a:rPr>
+              <a:t>rmn</a:t>
+            </a:r>
+            <a:r>
+              <a:rPr lang="en-US" dirty="0">
+                <a:solidFill>
+                  <a:srgbClr val="1A3B5B"/>
+                </a:solidFill>
+              </a:rPr>
+              <a:t>): 600,000 — Balkan countries (Europe)</a:t>
+            </a:r>
+            <a:br>
+              <a:rPr lang="en-US" dirty="0">
+                <a:solidFill>
+                  <a:srgbClr val="1A3B5B"/>
+                </a:solidFill>
+              </a:rPr>
+            </a:br>
+            <a:br>
+              <a:rPr lang="en-US" dirty="0">
+                <a:solidFill>
+                  <a:srgbClr val="1A3B5B"/>
+                </a:solidFill>
+              </a:rPr>
+            </a:br>
+            <a:r>
+              <a:rPr lang="en-US" dirty="0">
+                <a:solidFill>
+                  <a:srgbClr val="1A3B5B"/>
+                </a:solidFill>
+              </a:rPr>
+              <a:t>…</a:t>
+            </a:r>
+          </a:p>
+          <a:p>
+            <a:pPr marL="285750" indent="-285750" fontAlgn="base">
+              <a:buClr>
+                <a:srgbClr val="1A3B5B"/>
+              </a:buClr>
+              <a:buFont typeface="Wingdings" pitchFamily="2" charset="2"/>
+              <a:buChar char="§"/>
+            </a:pPr>
+            <a:r>
+              <a:rPr lang="en-US" dirty="0" err="1">
+                <a:solidFill>
+                  <a:srgbClr val="1A3B5B"/>
+                </a:solidFill>
+              </a:rPr>
+              <a:t>Libon</a:t>
+            </a:r>
+            <a:r>
+              <a:rPr lang="en-US" dirty="0">
+                <a:solidFill>
+                  <a:srgbClr val="1A3B5B"/>
+                </a:solidFill>
+              </a:rPr>
+              <a:t> </a:t>
+            </a:r>
+            <a:r>
+              <a:rPr lang="en-US" dirty="0" err="1">
+                <a:solidFill>
+                  <a:srgbClr val="1A3B5B"/>
+                </a:solidFill>
+              </a:rPr>
+              <a:t>Bikol</a:t>
+            </a:r>
+            <a:r>
+              <a:rPr lang="en-US" dirty="0">
+                <a:solidFill>
+                  <a:srgbClr val="1A3B5B"/>
+                </a:solidFill>
+              </a:rPr>
+              <a:t> (</a:t>
+            </a:r>
+            <a:r>
+              <a:rPr lang="en-US" dirty="0" err="1">
+                <a:solidFill>
+                  <a:srgbClr val="1A3B5B"/>
+                </a:solidFill>
+              </a:rPr>
+              <a:t>lbl</a:t>
+            </a:r>
+            <a:r>
+              <a:rPr lang="en-US" dirty="0">
+                <a:solidFill>
+                  <a:srgbClr val="1A3B5B"/>
+                </a:solidFill>
+              </a:rPr>
+              <a:t>): 70,000 — Philippines (Southeast Asia)</a:t>
+            </a:r>
+            <a:br>
+              <a:rPr lang="en-US" dirty="0">
+                <a:solidFill>
+                  <a:srgbClr val="1A3B5B"/>
+                </a:solidFill>
+              </a:rPr>
+            </a:br>
+            <a:br>
+              <a:rPr lang="en-US" dirty="0">
+                <a:solidFill>
+                  <a:srgbClr val="1A3B5B"/>
+                </a:solidFill>
+              </a:rPr>
+            </a:br>
+            <a:r>
+              <a:rPr lang="en-US" dirty="0">
+                <a:solidFill>
+                  <a:srgbClr val="1A3B5B"/>
+                </a:solidFill>
+              </a:rPr>
+              <a:t>…</a:t>
+            </a:r>
+          </a:p>
+          <a:p>
+            <a:pPr marL="285750" indent="-285750" fontAlgn="base">
+              <a:buClr>
+                <a:srgbClr val="1A3B5B"/>
+              </a:buClr>
+              <a:buFont typeface="Wingdings" pitchFamily="2" charset="2"/>
+              <a:buChar char="§"/>
+            </a:pPr>
+            <a:r>
+              <a:rPr lang="en-US" b="0" i="0" dirty="0" err="1">
+                <a:solidFill>
+                  <a:srgbClr val="1A3B5B"/>
+                </a:solidFill>
+                <a:effectLst/>
+              </a:rPr>
+              <a:t>Apinayé</a:t>
+            </a:r>
+            <a:r>
+              <a:rPr lang="en-US" dirty="0">
+                <a:solidFill>
+                  <a:srgbClr val="1A3B5B"/>
+                </a:solidFill>
+              </a:rPr>
+              <a:t> (</a:t>
+            </a:r>
+            <a:r>
+              <a:rPr lang="en-US" b="0" i="0" dirty="0" err="1">
+                <a:solidFill>
+                  <a:srgbClr val="1A3B5B"/>
+                </a:solidFill>
+                <a:effectLst/>
+              </a:rPr>
+              <a:t>apn</a:t>
+            </a:r>
+            <a:r>
+              <a:rPr lang="en-US" b="0" i="0" dirty="0">
+                <a:solidFill>
+                  <a:srgbClr val="1A3B5B"/>
+                </a:solidFill>
+                <a:effectLst/>
+              </a:rPr>
+              <a:t>): 2,300 — Brazil (South America)</a:t>
+            </a:r>
+          </a:p>
+          <a:p>
+            <a:pPr marL="285750" indent="-285750" fontAlgn="base">
+              <a:buClr>
+                <a:srgbClr val="1A3B5B"/>
+              </a:buClr>
+              <a:buFont typeface="Wingdings" pitchFamily="2" charset="2"/>
+              <a:buChar char="§"/>
+            </a:pPr>
+            <a:r>
+              <a:rPr lang="en-US" b="0" i="0" dirty="0">
+                <a:solidFill>
+                  <a:srgbClr val="1A3B5B"/>
+                </a:solidFill>
+                <a:effectLst/>
+              </a:rPr>
+              <a:t>Heiltsuk (</a:t>
+            </a:r>
+            <a:r>
+              <a:rPr lang="en-US" b="0" i="0" dirty="0" err="1">
+                <a:solidFill>
+                  <a:srgbClr val="1A3B5B"/>
+                </a:solidFill>
+                <a:effectLst/>
+              </a:rPr>
+              <a:t>hei</a:t>
+            </a:r>
+            <a:r>
+              <a:rPr lang="en-US" b="0" i="0" dirty="0">
+                <a:solidFill>
+                  <a:srgbClr val="1A3B5B"/>
+                </a:solidFill>
+                <a:effectLst/>
+              </a:rPr>
+              <a:t>): 95 — Canada (North America)</a:t>
             </a:r>
           </a:p>
         </p:txBody>
@@ -22522,65 +25694,22 @@
 </file>
 
 <file path=customXml/item1.xml><?xml version="1.0" encoding="utf-8"?>
-<?mso-contentType ?>
-<spe:Receivers xmlns:spe="http://schemas.microsoft.com/sharepoint/events">
-  <Receiver>
-    <Name>Document ID Generator</Name>
-    <Synchronization>Synchronous</Synchronization>
-    <Type>10001</Type>
-    <SequenceNumber>1000</SequenceNumber>
-    <Url/>
-    <Assembly>Microsoft.Office.DocumentManagement, Version=16.0.0.0, Culture=neutral, PublicKeyToken=71e9bce111e9429c</Assembly>
-    <Class>Microsoft.Office.DocumentManagement.Internal.DocIdHandler</Class>
-    <Data/>
-    <Filter/>
-  </Receiver>
-  <Receiver>
-    <Name>Document ID Generator</Name>
-    <Synchronization>Synchronous</Synchronization>
-    <Type>10002</Type>
-    <SequenceNumber>1001</SequenceNumber>
-    <Url/>
-    <Assembly>Microsoft.Office.DocumentManagement, Version=16.0.0.0, Culture=neutral, PublicKeyToken=71e9bce111e9429c</Assembly>
-    <Class>Microsoft.Office.DocumentManagement.Internal.DocIdHandler</Class>
-    <Data/>
-    <Filter/>
-  </Receiver>
-  <Receiver>
-    <Name>Document ID Generator</Name>
-    <Synchronization>Synchronous</Synchronization>
-    <Type>10004</Type>
-    <SequenceNumber>1002</SequenceNumber>
-    <Url/>
-    <Assembly>Microsoft.Office.DocumentManagement, Version=16.0.0.0, Culture=neutral, PublicKeyToken=71e9bce111e9429c</Assembly>
-    <Class>Microsoft.Office.DocumentManagement.Internal.DocIdHandler</Class>
-    <Data/>
-    <Filter/>
-  </Receiver>
-  <Receiver>
-    <Name>Document ID Generator</Name>
-    <Synchronization>Synchronous</Synchronization>
-    <Type>10006</Type>
-    <SequenceNumber>1003</SequenceNumber>
-    <Url/>
-    <Assembly>Microsoft.Office.DocumentManagement, Version=16.0.0.0, Culture=neutral, PublicKeyToken=71e9bce111e9429c</Assembly>
-    <Class>Microsoft.Office.DocumentManagement.Internal.DocIdHandler</Class>
-    <Data/>
-    <Filter/>
-  </Receiver>
-</spe:Receivers>
+<p:properties xmlns:p="http://schemas.microsoft.com/office/2006/metadata/properties" xmlns:xsi="http://www.w3.org/2001/XMLSchema-instance" xmlns:pc="http://schemas.microsoft.com/office/infopath/2007/PartnerControls">
+  <documentManagement>
+    <lcf76f155ced4ddcb4097134ff3c332f xmlns="65c834fa-11a6-47d1-bee8-3048a154f649">
+      <Terms xmlns="http://schemas.microsoft.com/office/infopath/2007/PartnerControls"/>
+    </lcf76f155ced4ddcb4097134ff3c332f>
+    <TaxCatchAll xmlns="4f58b0fc-628b-4a5b-870f-b13d511109f3" xsi:nil="true"/>
+    <_dlc_DocId xmlns="4f58b0fc-628b-4a5b-870f-b13d511109f3">H3CUSPM23HH3-1341710939-68296</_dlc_DocId>
+    <_dlc_DocIdUrl xmlns="4f58b0fc-628b-4a5b-870f-b13d511109f3">
+      <Url>https://visperoinc.sharepoint.com/sites/TPGInteractive/_layouts/15/DocIdRedir.aspx?ID=H3CUSPM23HH3-1341710939-68296</Url>
+      <Description>H3CUSPM23HH3-1341710939-68296</Description>
+    </_dlc_DocIdUrl>
+  </documentManagement>
+</p:properties>
 </file>
 
 <file path=customXml/item2.xml><?xml version="1.0" encoding="utf-8"?>
-<?mso-contentType ?>
-<FormTemplates xmlns="http://schemas.microsoft.com/sharepoint/v3/contenttype/forms">
-  <Display>DocumentLibraryForm</Display>
-  <Edit>DocumentLibraryForm</Edit>
-  <New>DocumentLibraryForm</New>
-</FormTemplates>
-</file>
-
-<file path=customXml/item3.xml><?xml version="1.0" encoding="utf-8"?>
 <ct:contentTypeSchema xmlns:ct="http://schemas.microsoft.com/office/2006/metadata/contentType" xmlns:ma="http://schemas.microsoft.com/office/2006/metadata/properties/metaAttributes" ct:_="" ma:_="" ma:contentTypeName="Document" ma:contentTypeID="0x010100E5CAA9C6935FCD4BA9104C6531E90660" ma:contentTypeVersion="15" ma:contentTypeDescription="Create a new document." ma:contentTypeScope="" ma:versionID="7e6635590ef10b256f13cf87b126d6f9">
   <xsd:schema xmlns:xsd="http://www.w3.org/2001/XMLSchema" xmlns:xs="http://www.w3.org/2001/XMLSchema" xmlns:p="http://schemas.microsoft.com/office/2006/metadata/properties" xmlns:ns2="4f58b0fc-628b-4a5b-870f-b13d511109f3" xmlns:ns3="65c834fa-11a6-47d1-bee8-3048a154f649" targetNamespace="http://schemas.microsoft.com/office/2006/metadata/properties" ma:root="true" ma:fieldsID="f624cdb4f8d8e3817e34875b1071d9c6" ns2:_="" ns3:_="">
     <xsd:import namespace="4f58b0fc-628b-4a5b-870f-b13d511109f3"/>
@@ -22840,39 +25969,83 @@
 </ct:contentTypeSchema>
 </file>
 
+<file path=customXml/item3.xml><?xml version="1.0" encoding="utf-8"?>
+<?mso-contentType ?>
+<FormTemplates xmlns="http://schemas.microsoft.com/sharepoint/v3/contenttype/forms">
+  <Display>DocumentLibraryForm</Display>
+  <Edit>DocumentLibraryForm</Edit>
+  <New>DocumentLibraryForm</New>
+</FormTemplates>
+</file>
+
 <file path=customXml/item4.xml><?xml version="1.0" encoding="utf-8"?>
-<p:properties xmlns:p="http://schemas.microsoft.com/office/2006/metadata/properties" xmlns:xsi="http://www.w3.org/2001/XMLSchema-instance" xmlns:pc="http://schemas.microsoft.com/office/infopath/2007/PartnerControls">
-  <documentManagement>
-    <lcf76f155ced4ddcb4097134ff3c332f xmlns="65c834fa-11a6-47d1-bee8-3048a154f649">
-      <Terms xmlns="http://schemas.microsoft.com/office/infopath/2007/PartnerControls"/>
-    </lcf76f155ced4ddcb4097134ff3c332f>
-    <TaxCatchAll xmlns="4f58b0fc-628b-4a5b-870f-b13d511109f3" xsi:nil="true"/>
-    <_dlc_DocId xmlns="4f58b0fc-628b-4a5b-870f-b13d511109f3">H3CUSPM23HH3-1341710939-68296</_dlc_DocId>
-    <_dlc_DocIdUrl xmlns="4f58b0fc-628b-4a5b-870f-b13d511109f3">
-      <Url>https://visperoinc.sharepoint.com/sites/TPGInteractive/_layouts/15/DocIdRedir.aspx?ID=H3CUSPM23HH3-1341710939-68296</Url>
-      <Description>H3CUSPM23HH3-1341710939-68296</Description>
-    </_dlc_DocIdUrl>
-  </documentManagement>
-</p:properties>
+<?mso-contentType ?>
+<spe:Receivers xmlns:spe="http://schemas.microsoft.com/sharepoint/events">
+  <Receiver>
+    <Name>Document ID Generator</Name>
+    <Synchronization>Synchronous</Synchronization>
+    <Type>10001</Type>
+    <SequenceNumber>1000</SequenceNumber>
+    <Url/>
+    <Assembly>Microsoft.Office.DocumentManagement, Version=16.0.0.0, Culture=neutral, PublicKeyToken=71e9bce111e9429c</Assembly>
+    <Class>Microsoft.Office.DocumentManagement.Internal.DocIdHandler</Class>
+    <Data/>
+    <Filter/>
+  </Receiver>
+  <Receiver>
+    <Name>Document ID Generator</Name>
+    <Synchronization>Synchronous</Synchronization>
+    <Type>10002</Type>
+    <SequenceNumber>1001</SequenceNumber>
+    <Url/>
+    <Assembly>Microsoft.Office.DocumentManagement, Version=16.0.0.0, Culture=neutral, PublicKeyToken=71e9bce111e9429c</Assembly>
+    <Class>Microsoft.Office.DocumentManagement.Internal.DocIdHandler</Class>
+    <Data/>
+    <Filter/>
+  </Receiver>
+  <Receiver>
+    <Name>Document ID Generator</Name>
+    <Synchronization>Synchronous</Synchronization>
+    <Type>10004</Type>
+    <SequenceNumber>1002</SequenceNumber>
+    <Url/>
+    <Assembly>Microsoft.Office.DocumentManagement, Version=16.0.0.0, Culture=neutral, PublicKeyToken=71e9bce111e9429c</Assembly>
+    <Class>Microsoft.Office.DocumentManagement.Internal.DocIdHandler</Class>
+    <Data/>
+    <Filter/>
+  </Receiver>
+  <Receiver>
+    <Name>Document ID Generator</Name>
+    <Synchronization>Synchronous</Synchronization>
+    <Type>10006</Type>
+    <SequenceNumber>1003</SequenceNumber>
+    <Url/>
+    <Assembly>Microsoft.Office.DocumentManagement, Version=16.0.0.0, Culture=neutral, PublicKeyToken=71e9bce111e9429c</Assembly>
+    <Class>Microsoft.Office.DocumentManagement.Internal.DocIdHandler</Class>
+    <Data/>
+    <Filter/>
+  </Receiver>
+</spe:Receivers>
 </file>
 
 <file path=customXml/itemProps1.xml><?xml version="1.0" encoding="utf-8"?>
-<ds:datastoreItem xmlns:ds="http://schemas.openxmlformats.org/officeDocument/2006/customXml" ds:itemID="{17AB1176-82E4-4D6D-86F7-D59AADE924C0}">
+<ds:datastoreItem xmlns:ds="http://schemas.openxmlformats.org/officeDocument/2006/customXml" ds:itemID="{D26F0403-C891-424C-84E1-6549F61C6382}">
   <ds:schemaRefs>
-    <ds:schemaRef ds:uri="http://schemas.microsoft.com/sharepoint/events"/>
+    <ds:schemaRef ds:uri="http://www.w3.org/XML/1998/namespace"/>
+    <ds:schemaRef ds:uri="http://schemas.microsoft.com/office/infopath/2007/PartnerControls"/>
+    <ds:schemaRef ds:uri="4f58b0fc-628b-4a5b-870f-b13d511109f3"/>
+    <ds:schemaRef ds:uri="http://purl.org/dc/terms/"/>
+    <ds:schemaRef ds:uri="http://schemas.microsoft.com/office/2006/documentManagement/types"/>
+    <ds:schemaRef ds:uri="http://purl.org/dc/dcmitype/"/>
+    <ds:schemaRef ds:uri="http://schemas.microsoft.com/office/2006/metadata/properties"/>
+    <ds:schemaRef ds:uri="http://schemas.openxmlformats.org/package/2006/metadata/core-properties"/>
+    <ds:schemaRef ds:uri="65c834fa-11a6-47d1-bee8-3048a154f649"/>
+    <ds:schemaRef ds:uri="http://purl.org/dc/elements/1.1/"/>
   </ds:schemaRefs>
 </ds:datastoreItem>
 </file>
 
 <file path=customXml/itemProps2.xml><?xml version="1.0" encoding="utf-8"?>
-<ds:datastoreItem xmlns:ds="http://schemas.openxmlformats.org/officeDocument/2006/customXml" ds:itemID="{7E17442B-577D-4F84-B92C-B5B80EA0129C}">
-  <ds:schemaRefs>
-    <ds:schemaRef ds:uri="http://schemas.microsoft.com/sharepoint/v3/contenttype/forms"/>
-  </ds:schemaRefs>
-</ds:datastoreItem>
-</file>
-
-<file path=customXml/itemProps3.xml><?xml version="1.0" encoding="utf-8"?>
 <ds:datastoreItem xmlns:ds="http://schemas.openxmlformats.org/officeDocument/2006/customXml" ds:itemID="{56BAA485-AD59-4D4E-90BD-B2C16688F383}">
   <ds:schemaRefs>
     <ds:schemaRef ds:uri="http://schemas.microsoft.com/office/2006/metadata/contentType"/>
@@ -22891,19 +26064,18 @@
 </ds:datastoreItem>
 </file>
 
+<file path=customXml/itemProps3.xml><?xml version="1.0" encoding="utf-8"?>
+<ds:datastoreItem xmlns:ds="http://schemas.openxmlformats.org/officeDocument/2006/customXml" ds:itemID="{7E17442B-577D-4F84-B92C-B5B80EA0129C}">
+  <ds:schemaRefs>
+    <ds:schemaRef ds:uri="http://schemas.microsoft.com/sharepoint/v3/contenttype/forms"/>
+  </ds:schemaRefs>
+</ds:datastoreItem>
+</file>
+
 <file path=customXml/itemProps4.xml><?xml version="1.0" encoding="utf-8"?>
-<ds:datastoreItem xmlns:ds="http://schemas.openxmlformats.org/officeDocument/2006/customXml" ds:itemID="{D26F0403-C891-424C-84E1-6549F61C6382}">
+<ds:datastoreItem xmlns:ds="http://schemas.openxmlformats.org/officeDocument/2006/customXml" ds:itemID="{17AB1176-82E4-4D6D-86F7-D59AADE924C0}">
   <ds:schemaRefs>
-    <ds:schemaRef ds:uri="http://www.w3.org/XML/1998/namespace"/>
-    <ds:schemaRef ds:uri="http://schemas.microsoft.com/office/infopath/2007/PartnerControls"/>
-    <ds:schemaRef ds:uri="4f58b0fc-628b-4a5b-870f-b13d511109f3"/>
-    <ds:schemaRef ds:uri="http://purl.org/dc/terms/"/>
-    <ds:schemaRef ds:uri="http://schemas.microsoft.com/office/2006/documentManagement/types"/>
-    <ds:schemaRef ds:uri="http://purl.org/dc/dcmitype/"/>
-    <ds:schemaRef ds:uri="http://schemas.microsoft.com/office/2006/metadata/properties"/>
-    <ds:schemaRef ds:uri="http://schemas.openxmlformats.org/package/2006/metadata/core-properties"/>
-    <ds:schemaRef ds:uri="65c834fa-11a6-47d1-bee8-3048a154f649"/>
-    <ds:schemaRef ds:uri="http://purl.org/dc/elements/1.1/"/>
+    <ds:schemaRef ds:uri="http://schemas.microsoft.com/sharepoint/events"/>
   </ds:schemaRefs>
 </ds:datastoreItem>
 </file>